--- a/Analytics.pptx
+++ b/Analytics.pptx
@@ -5,19 +5,28 @@
     <p:sldMasterId id="2147483660" r:id="rId4"/>
   </p:sldMasterIdLst>
   <p:notesMasterIdLst>
-    <p:notesMasterId r:id="rId15"/>
+    <p:notesMasterId r:id="rId21"/>
   </p:notesMasterIdLst>
+  <p:handoutMasterIdLst>
+    <p:handoutMasterId r:id="rId22"/>
+  </p:handoutMasterIdLst>
   <p:sldIdLst>
     <p:sldId id="661" r:id="rId5"/>
     <p:sldId id="673" r:id="rId6"/>
-    <p:sldId id="674" r:id="rId7"/>
-    <p:sldId id="675" r:id="rId8"/>
-    <p:sldId id="676" r:id="rId9"/>
-    <p:sldId id="677" r:id="rId10"/>
-    <p:sldId id="678" r:id="rId11"/>
-    <p:sldId id="637" r:id="rId12"/>
-    <p:sldId id="636" r:id="rId13"/>
-    <p:sldId id="663" r:id="rId14"/>
+    <p:sldId id="678" r:id="rId7"/>
+    <p:sldId id="680" r:id="rId8"/>
+    <p:sldId id="682" r:id="rId9"/>
+    <p:sldId id="683" r:id="rId10"/>
+    <p:sldId id="684" r:id="rId11"/>
+    <p:sldId id="679" r:id="rId12"/>
+    <p:sldId id="674" r:id="rId13"/>
+    <p:sldId id="675" r:id="rId14"/>
+    <p:sldId id="676" r:id="rId15"/>
+    <p:sldId id="677" r:id="rId16"/>
+    <p:sldId id="681" r:id="rId17"/>
+    <p:sldId id="637" r:id="rId18"/>
+    <p:sldId id="636" r:id="rId19"/>
+    <p:sldId id="663" r:id="rId20"/>
   </p:sldIdLst>
   <p:sldSz cx="12192000" cy="6858000"/>
   <p:notesSz cx="6858000" cy="9144000"/>
@@ -119,6 +128,9 @@
   <p:extLst>
     <p:ext uri="{EFAFB233-063F-42B5-8137-9DF3F51BA10A}">
       <p15:sldGuideLst xmlns:p15="http://schemas.microsoft.com/office/powerpoint/2012/main"/>
+    </p:ext>
+    <p:ext uri="{2D200454-40CA-4A62-9FC3-DE9A4176ACB9}">
+      <p15:notesGuideLst xmlns:p15="http://schemas.microsoft.com/office/powerpoint/2012/main"/>
     </p:ext>
   </p:extLst>
 </p:presentation>
@@ -1105,6 +1117,195 @@
 </pc:chgInfo>
 </file>
 
+<file path=ppt/handoutMasters/handoutMaster1.xml><?xml version="1.0" encoding="utf-8"?>
+<p:handoutMaster xmlns:a="http://schemas.openxmlformats.org/drawingml/2006/main" xmlns:r="http://schemas.openxmlformats.org/officeDocument/2006/relationships" xmlns:p="http://schemas.openxmlformats.org/presentationml/2006/main">
+  <p:cSld>
+    <p:bg>
+      <p:bgRef idx="1001">
+        <a:schemeClr val="bg1"/>
+      </p:bgRef>
+    </p:bg>
+    <p:spTree>
+      <p:nvGrpSpPr>
+        <p:cNvPr id="1" name=""/>
+        <p:cNvGrpSpPr/>
+        <p:nvPr/>
+      </p:nvGrpSpPr>
+      <p:grpSpPr>
+        <a:xfrm>
+          <a:off x="0" y="0"/>
+          <a:ext cx="0" cy="0"/>
+          <a:chOff x="0" y="0"/>
+          <a:chExt cx="0" cy="0"/>
+        </a:xfrm>
+      </p:grpSpPr>
+      <p:sp>
+        <p:nvSpPr>
+          <p:cNvPr id="2" name="Header Placeholder 1">
+            <a:extLst>
+              <a:ext uri="{FF2B5EF4-FFF2-40B4-BE49-F238E27FC236}">
+                <a16:creationId xmlns:a16="http://schemas.microsoft.com/office/drawing/2014/main" id="{3779759A-3823-48B7-B858-050B1E7E2A5A}"/>
+              </a:ext>
+            </a:extLst>
+          </p:cNvPr>
+          <p:cNvSpPr>
+            <a:spLocks noGrp="1"/>
+          </p:cNvSpPr>
+          <p:nvPr>
+            <p:ph type="hdr" sz="quarter"/>
+          </p:nvPr>
+        </p:nvSpPr>
+        <p:spPr>
+          <a:xfrm>
+            <a:off x="0" y="0"/>
+            <a:ext cx="2971800" cy="458788"/>
+          </a:xfrm>
+          <a:prstGeom prst="rect">
+            <a:avLst/>
+          </a:prstGeom>
+        </p:spPr>
+        <p:txBody>
+          <a:bodyPr vert="horz" lIns="91440" tIns="45720" rIns="91440" bIns="45720" rtlCol="0"/>
+          <a:lstStyle>
+            <a:lvl1pPr algn="l">
+              <a:defRPr sz="1200"/>
+            </a:lvl1pPr>
+          </a:lstStyle>
+          <a:p>
+            <a:endParaRPr lang="en-US"/>
+          </a:p>
+        </p:txBody>
+      </p:sp>
+      <p:sp>
+        <p:nvSpPr>
+          <p:cNvPr id="3" name="Date Placeholder 2">
+            <a:extLst>
+              <a:ext uri="{FF2B5EF4-FFF2-40B4-BE49-F238E27FC236}">
+                <a16:creationId xmlns:a16="http://schemas.microsoft.com/office/drawing/2014/main" id="{A7C21BDF-0EAB-4DEF-B4A2-CE9D41355CEF}"/>
+              </a:ext>
+            </a:extLst>
+          </p:cNvPr>
+          <p:cNvSpPr>
+            <a:spLocks noGrp="1"/>
+          </p:cNvSpPr>
+          <p:nvPr>
+            <p:ph type="dt" sz="quarter" idx="1"/>
+          </p:nvPr>
+        </p:nvSpPr>
+        <p:spPr>
+          <a:xfrm>
+            <a:off x="3884613" y="0"/>
+            <a:ext cx="2971800" cy="458788"/>
+          </a:xfrm>
+          <a:prstGeom prst="rect">
+            <a:avLst/>
+          </a:prstGeom>
+        </p:spPr>
+        <p:txBody>
+          <a:bodyPr vert="horz" lIns="91440" tIns="45720" rIns="91440" bIns="45720" rtlCol="0"/>
+          <a:lstStyle>
+            <a:lvl1pPr algn="r">
+              <a:defRPr sz="1200"/>
+            </a:lvl1pPr>
+          </a:lstStyle>
+          <a:p>
+            <a:fld id="{7EDDBF57-4EA5-410A-8AAB-BC70196BEAC4}" type="datetimeFigureOut">
+              <a:rPr lang="en-US" smtClean="0"/>
+              <a:t>12/26/2020</a:t>
+            </a:fld>
+            <a:endParaRPr lang="en-US"/>
+          </a:p>
+        </p:txBody>
+      </p:sp>
+      <p:sp>
+        <p:nvSpPr>
+          <p:cNvPr id="4" name="Footer Placeholder 3">
+            <a:extLst>
+              <a:ext uri="{FF2B5EF4-FFF2-40B4-BE49-F238E27FC236}">
+                <a16:creationId xmlns:a16="http://schemas.microsoft.com/office/drawing/2014/main" id="{C1148803-30D0-4C2B-8A63-F8BB98CDA89C}"/>
+              </a:ext>
+            </a:extLst>
+          </p:cNvPr>
+          <p:cNvSpPr>
+            <a:spLocks noGrp="1"/>
+          </p:cNvSpPr>
+          <p:nvPr>
+            <p:ph type="ftr" sz="quarter" idx="2"/>
+          </p:nvPr>
+        </p:nvSpPr>
+        <p:spPr>
+          <a:xfrm>
+            <a:off x="0" y="8685213"/>
+            <a:ext cx="2971800" cy="458787"/>
+          </a:xfrm>
+          <a:prstGeom prst="rect">
+            <a:avLst/>
+          </a:prstGeom>
+        </p:spPr>
+        <p:txBody>
+          <a:bodyPr vert="horz" lIns="91440" tIns="45720" rIns="91440" bIns="45720" rtlCol="0" anchor="b"/>
+          <a:lstStyle>
+            <a:lvl1pPr algn="l">
+              <a:defRPr sz="1200"/>
+            </a:lvl1pPr>
+          </a:lstStyle>
+          <a:p>
+            <a:endParaRPr lang="en-US"/>
+          </a:p>
+        </p:txBody>
+      </p:sp>
+      <p:sp>
+        <p:nvSpPr>
+          <p:cNvPr id="5" name="Slide Number Placeholder 4">
+            <a:extLst>
+              <a:ext uri="{FF2B5EF4-FFF2-40B4-BE49-F238E27FC236}">
+                <a16:creationId xmlns:a16="http://schemas.microsoft.com/office/drawing/2014/main" id="{53BD5416-8915-435F-A431-98BFECCFE86C}"/>
+              </a:ext>
+            </a:extLst>
+          </p:cNvPr>
+          <p:cNvSpPr>
+            <a:spLocks noGrp="1"/>
+          </p:cNvSpPr>
+          <p:nvPr>
+            <p:ph type="sldNum" sz="quarter" idx="3"/>
+          </p:nvPr>
+        </p:nvSpPr>
+        <p:spPr>
+          <a:xfrm>
+            <a:off x="3884613" y="8685213"/>
+            <a:ext cx="2971800" cy="458787"/>
+          </a:xfrm>
+          <a:prstGeom prst="rect">
+            <a:avLst/>
+          </a:prstGeom>
+        </p:spPr>
+        <p:txBody>
+          <a:bodyPr vert="horz" lIns="91440" tIns="45720" rIns="91440" bIns="45720" rtlCol="0" anchor="b"/>
+          <a:lstStyle>
+            <a:lvl1pPr algn="r">
+              <a:defRPr sz="1200"/>
+            </a:lvl1pPr>
+          </a:lstStyle>
+          <a:p>
+            <a:fld id="{C45908B6-6BCB-4C24-8C40-50E6F0CD390E}" type="slidenum">
+              <a:rPr lang="en-US" smtClean="0"/>
+              <a:t>‹#›</a:t>
+            </a:fld>
+            <a:endParaRPr lang="en-US"/>
+          </a:p>
+        </p:txBody>
+      </p:sp>
+    </p:spTree>
+    <p:extLst>
+      <p:ext uri="{BB962C8B-B14F-4D97-AF65-F5344CB8AC3E}">
+        <p14:creationId xmlns:p14="http://schemas.microsoft.com/office/powerpoint/2010/main" val="4234412520"/>
+      </p:ext>
+    </p:extLst>
+  </p:cSld>
+  <p:clrMap bg1="lt1" tx1="dk1" bg2="lt2" tx2="dk2" accent1="accent1" accent2="accent2" accent3="accent3" accent4="accent4" accent5="accent5" accent6="accent6" hlink="hlink" folHlink="folHlink"/>
+</p:handoutMaster>
+</file>
+
 <file path=ppt/notesMasters/notesMaster1.xml><?xml version="1.0" encoding="utf-8"?>
 <p:notesMaster xmlns:a="http://schemas.openxmlformats.org/drawingml/2006/main" xmlns:r="http://schemas.openxmlformats.org/officeDocument/2006/relationships" xmlns:p="http://schemas.openxmlformats.org/presentationml/2006/main">
   <p:cSld>
@@ -1187,7 +1388,7 @@
           <a:p>
             <a:fld id="{21D429B8-07A3-4418-BAD5-5B787C939D1D}" type="datetimeFigureOut">
               <a:rPr lang="en-US" smtClean="0"/>
-              <a:t>5/27/2020</a:t>
+              <a:t>12/26/2020</a:t>
             </a:fld>
             <a:endParaRPr lang="en-US"/>
           </a:p>
@@ -1832,48 +2033,6 @@
       </p:sp>
       <p:sp>
         <p:nvSpPr>
-          <p:cNvPr id="24" name="PoleTekstowe 3">
-            <a:extLst>
-              <a:ext uri="{FF2B5EF4-FFF2-40B4-BE49-F238E27FC236}">
-                <a16:creationId xmlns:a16="http://schemas.microsoft.com/office/drawing/2014/main" id="{41F1EC6B-00E6-4892-91A9-E1C99D4D44E7}"/>
-              </a:ext>
-            </a:extLst>
-          </p:cNvPr>
-          <p:cNvSpPr txBox="1"/>
-          <p:nvPr userDrawn="1"/>
-        </p:nvSpPr>
-        <p:spPr>
-          <a:xfrm>
-            <a:off x="10142678" y="6317505"/>
-            <a:ext cx="1161799" cy="123111"/>
-          </a:xfrm>
-          <a:prstGeom prst="rect">
-            <a:avLst/>
-          </a:prstGeom>
-          <a:noFill/>
-        </p:spPr>
-        <p:txBody>
-          <a:bodyPr wrap="square" lIns="0" tIns="0" rIns="0" bIns="0" rtlCol="0" anchor="t" anchorCtr="0">
-            <a:normAutofit/>
-          </a:bodyPr>
-          <a:lstStyle/>
-          <a:p>
-            <a:pPr algn="r" defTabSz="457200"/>
-            <a:r>
-              <a:rPr lang="en-US" sz="700" kern="1900" dirty="0">
-                <a:solidFill>
-                  <a:schemeClr val="accent4"/>
-                </a:solidFill>
-                <a:latin typeface="Arial"/>
-                <a:cs typeface="Arial"/>
-              </a:rPr>
-              <a:t>www.scilab.org</a:t>
-            </a:r>
-          </a:p>
-        </p:txBody>
-      </p:sp>
-      <p:sp>
-        <p:nvSpPr>
           <p:cNvPr id="25" name="Rectangle 24">
             <a:extLst>
               <a:ext uri="{FF2B5EF4-FFF2-40B4-BE49-F238E27FC236}">
@@ -1974,10 +2133,10 @@
       </p:sp>
       <p:pic>
         <p:nvPicPr>
-          <p:cNvPr id="29" name="Picture 28" descr="A close up of a logo&#10;&#10;Description automatically generated">
+          <p:cNvPr id="16" name="Picture 15">
             <a:extLst>
               <a:ext uri="{FF2B5EF4-FFF2-40B4-BE49-F238E27FC236}">
-                <a16:creationId xmlns:a16="http://schemas.microsoft.com/office/drawing/2014/main" id="{34106323-9170-46EC-A6FC-52C213479622}"/>
+                <a16:creationId xmlns:a16="http://schemas.microsoft.com/office/drawing/2014/main" id="{FF30B08F-9CEA-48ED-AC29-575748E3F82C}"/>
               </a:ext>
             </a:extLst>
           </p:cNvPr>
@@ -1986,7 +2145,7 @@
           </p:cNvPicPr>
           <p:nvPr userDrawn="1"/>
         </p:nvPicPr>
-        <p:blipFill>
+        <p:blipFill rotWithShape="1">
           <a:blip r:embed="rId3">
             <a:extLst>
               <a:ext uri="{28A0092B-C50C-407E-A947-70E740481C1C}">
@@ -1994,14 +2153,13 @@
               </a:ext>
             </a:extLst>
           </a:blip>
-          <a:stretch>
-            <a:fillRect/>
-          </a:stretch>
+          <a:srcRect b="41069"/>
+          <a:stretch/>
         </p:blipFill>
         <p:spPr>
           <a:xfrm>
-            <a:off x="609599" y="5624549"/>
-            <a:ext cx="1706034" cy="824421"/>
+            <a:off x="904049" y="5693045"/>
+            <a:ext cx="1175604" cy="786304"/>
           </a:xfrm>
           <a:prstGeom prst="rect">
             <a:avLst/>
@@ -3168,7 +3326,7 @@
                 </a:solidFill>
               </a:rPr>
               <a:pPr defTabSz="457200"/>
-              <a:t>27/05/2020</a:t>
+              <a:t>26/12/2020</a:t>
             </a:fld>
             <a:endParaRPr lang="en-GB">
               <a:solidFill>
@@ -3307,7 +3465,7 @@
         <p:txBody>
           <a:bodyPr lIns="91425" tIns="91425" rIns="91425" bIns="91425" anchor="b" anchorCtr="0"/>
           <a:lstStyle>
-            <a:lvl1pPr marL="0" marR="0" lvl="0" indent="0" algn="l" rtl="0">
+            <a:lvl1pPr marL="0" marR="0" lvl="0" indent="0" algn="ctr" rtl="0">
               <a:spcBef>
                 <a:spcPts val="0"/>
               </a:spcBef>
@@ -3471,7 +3629,7 @@
             </a:lvl9pPr>
           </a:lstStyle>
           <a:p>
-            <a:endParaRPr/>
+            <a:endParaRPr dirty="0"/>
           </a:p>
         </p:txBody>
       </p:sp>
@@ -4335,6 +4493,48 @@
                 </a:solidFill>
               </a:rPr>
               <a:t>© Scilab Enterprises</a:t>
+            </a:r>
+          </a:p>
+        </p:txBody>
+      </p:sp>
+      <p:sp>
+        <p:nvSpPr>
+          <p:cNvPr id="6" name="PoleTekstowe 3">
+            <a:extLst>
+              <a:ext uri="{FF2B5EF4-FFF2-40B4-BE49-F238E27FC236}">
+                <a16:creationId xmlns:a16="http://schemas.microsoft.com/office/drawing/2014/main" id="{9E041C99-247A-4D27-AA89-2216A729B7AE}"/>
+              </a:ext>
+            </a:extLst>
+          </p:cNvPr>
+          <p:cNvSpPr txBox="1"/>
+          <p:nvPr userDrawn="1"/>
+        </p:nvSpPr>
+        <p:spPr>
+          <a:xfrm>
+            <a:off x="10142678" y="6317505"/>
+            <a:ext cx="1161799" cy="123111"/>
+          </a:xfrm>
+          <a:prstGeom prst="rect">
+            <a:avLst/>
+          </a:prstGeom>
+          <a:noFill/>
+        </p:spPr>
+        <p:txBody>
+          <a:bodyPr wrap="square" lIns="0" tIns="0" rIns="0" bIns="0" rtlCol="0" anchor="t" anchorCtr="0">
+            <a:normAutofit/>
+          </a:bodyPr>
+          <a:lstStyle/>
+          <a:p>
+            <a:pPr algn="r" defTabSz="457200"/>
+            <a:r>
+              <a:rPr lang="en-US" sz="700" kern="1900" dirty="0">
+                <a:solidFill>
+                  <a:schemeClr val="accent4"/>
+                </a:solidFill>
+                <a:latin typeface="Arial"/>
+                <a:cs typeface="Arial"/>
+              </a:rPr>
+              <a:t>www.scilab.org</a:t>
             </a:r>
           </a:p>
         </p:txBody>
@@ -4629,48 +4829,6 @@
       </p:sp>
       <p:sp>
         <p:nvSpPr>
-          <p:cNvPr id="23" name="PoleTekstowe 3">
-            <a:extLst>
-              <a:ext uri="{FF2B5EF4-FFF2-40B4-BE49-F238E27FC236}">
-                <a16:creationId xmlns:a16="http://schemas.microsoft.com/office/drawing/2014/main" id="{4359A9D4-EB75-44AD-B6A7-A4451C28B1D0}"/>
-              </a:ext>
-            </a:extLst>
-          </p:cNvPr>
-          <p:cNvSpPr txBox="1"/>
-          <p:nvPr userDrawn="1"/>
-        </p:nvSpPr>
-        <p:spPr>
-          <a:xfrm>
-            <a:off x="10142678" y="6317505"/>
-            <a:ext cx="1161799" cy="123111"/>
-          </a:xfrm>
-          <a:prstGeom prst="rect">
-            <a:avLst/>
-          </a:prstGeom>
-          <a:noFill/>
-        </p:spPr>
-        <p:txBody>
-          <a:bodyPr wrap="square" lIns="0" tIns="0" rIns="0" bIns="0" rtlCol="0" anchor="t" anchorCtr="0">
-            <a:normAutofit/>
-          </a:bodyPr>
-          <a:lstStyle/>
-          <a:p>
-            <a:pPr algn="r" defTabSz="457200"/>
-            <a:r>
-              <a:rPr lang="en-US" sz="700" kern="1900" dirty="0">
-                <a:solidFill>
-                  <a:schemeClr val="accent4"/>
-                </a:solidFill>
-                <a:latin typeface="Arial"/>
-                <a:cs typeface="Arial"/>
-              </a:rPr>
-              <a:t>www.scilab.org</a:t>
-            </a:r>
-          </a:p>
-        </p:txBody>
-      </p:sp>
-      <p:sp>
-        <p:nvSpPr>
           <p:cNvPr id="24" name="Rectangle 23">
             <a:extLst>
               <a:ext uri="{FF2B5EF4-FFF2-40B4-BE49-F238E27FC236}">
@@ -4871,10 +5029,10 @@
       </p:sp>
       <p:pic>
         <p:nvPicPr>
-          <p:cNvPr id="28" name="Picture 27" descr="A close up of a logo&#10;&#10;Description automatically generated">
+          <p:cNvPr id="19" name="Picture 18">
             <a:extLst>
               <a:ext uri="{FF2B5EF4-FFF2-40B4-BE49-F238E27FC236}">
-                <a16:creationId xmlns:a16="http://schemas.microsoft.com/office/drawing/2014/main" id="{7A9A999B-7755-47C2-97E0-69F2B1908E9F}"/>
+                <a16:creationId xmlns:a16="http://schemas.microsoft.com/office/drawing/2014/main" id="{C4A5E8ED-B826-4700-891F-AB1E027D9FEB}"/>
               </a:ext>
             </a:extLst>
           </p:cNvPr>
@@ -4883,7 +5041,7 @@
           </p:cNvPicPr>
           <p:nvPr userDrawn="1"/>
         </p:nvPicPr>
-        <p:blipFill>
+        <p:blipFill rotWithShape="1">
           <a:blip r:embed="rId3">
             <a:extLst>
               <a:ext uri="{28A0092B-C50C-407E-A947-70E740481C1C}">
@@ -4891,14 +5049,13 @@
               </a:ext>
             </a:extLst>
           </a:blip>
-          <a:stretch>
-            <a:fillRect/>
-          </a:stretch>
+          <a:srcRect b="41069"/>
+          <a:stretch/>
         </p:blipFill>
         <p:spPr>
           <a:xfrm>
-            <a:off x="609599" y="6015279"/>
-            <a:ext cx="897468" cy="433691"/>
+            <a:off x="685537" y="6022653"/>
+            <a:ext cx="722477" cy="483230"/>
           </a:xfrm>
           <a:prstGeom prst="rect">
             <a:avLst/>
@@ -4935,6 +5092,53 @@
           <a:chExt cx="0" cy="0"/>
         </a:xfrm>
       </p:grpSpPr>
+      <p:sp>
+        <p:nvSpPr>
+          <p:cNvPr id="9" name="Rectangle 8">
+            <a:extLst>
+              <a:ext uri="{FF2B5EF4-FFF2-40B4-BE49-F238E27FC236}">
+                <a16:creationId xmlns:a16="http://schemas.microsoft.com/office/drawing/2014/main" id="{291EADEB-D7D1-447B-8BC2-583CDDC7A4D6}"/>
+              </a:ext>
+            </a:extLst>
+          </p:cNvPr>
+          <p:cNvSpPr/>
+          <p:nvPr userDrawn="1"/>
+        </p:nvSpPr>
+        <p:spPr>
+          <a:xfrm>
+            <a:off x="493614" y="5984480"/>
+            <a:ext cx="1149069" cy="735869"/>
+          </a:xfrm>
+          <a:prstGeom prst="rect">
+            <a:avLst/>
+          </a:prstGeom>
+          <a:ln>
+            <a:noFill/>
+          </a:ln>
+        </p:spPr>
+        <p:style>
+          <a:lnRef idx="2">
+            <a:schemeClr val="accent3"/>
+          </a:lnRef>
+          <a:fillRef idx="1">
+            <a:schemeClr val="lt1"/>
+          </a:fillRef>
+          <a:effectRef idx="0">
+            <a:schemeClr val="accent3"/>
+          </a:effectRef>
+          <a:fontRef idx="minor">
+            <a:schemeClr val="dk1"/>
+          </a:fontRef>
+        </p:style>
+        <p:txBody>
+          <a:bodyPr rtlCol="0" anchor="ctr"/>
+          <a:lstStyle/>
+          <a:p>
+            <a:pPr algn="ctr"/>
+            <a:endParaRPr lang="en-US"/>
+          </a:p>
+        </p:txBody>
+      </p:sp>
       <p:sp>
         <p:nvSpPr>
           <p:cNvPr id="12" name="Symbol zastępczy tekstu 18"/>
@@ -5188,6 +5392,41 @@
           </a:p>
         </p:txBody>
       </p:sp>
+      <p:pic>
+        <p:nvPicPr>
+          <p:cNvPr id="8" name="Picture 7">
+            <a:extLst>
+              <a:ext uri="{FF2B5EF4-FFF2-40B4-BE49-F238E27FC236}">
+                <a16:creationId xmlns:a16="http://schemas.microsoft.com/office/drawing/2014/main" id="{A1632C4D-63E5-4934-B3BD-010E8365ED31}"/>
+              </a:ext>
+            </a:extLst>
+          </p:cNvPr>
+          <p:cNvPicPr>
+            <a:picLocks noChangeAspect="1"/>
+          </p:cNvPicPr>
+          <p:nvPr userDrawn="1"/>
+        </p:nvPicPr>
+        <p:blipFill rotWithShape="1">
+          <a:blip r:embed="rId2">
+            <a:extLst>
+              <a:ext uri="{28A0092B-C50C-407E-A947-70E740481C1C}">
+                <a14:useLocalDpi xmlns:a14="http://schemas.microsoft.com/office/drawing/2010/main" val="0"/>
+              </a:ext>
+            </a:extLst>
+          </a:blip>
+          <a:srcRect b="41069"/>
+          <a:stretch/>
+        </p:blipFill>
+        <p:spPr>
+          <a:xfrm>
+            <a:off x="685537" y="6022653"/>
+            <a:ext cx="722477" cy="483230"/>
+          </a:xfrm>
+          <a:prstGeom prst="rect">
+            <a:avLst/>
+          </a:prstGeom>
+        </p:spPr>
+      </p:pic>
     </p:spTree>
     <p:extLst>
       <p:ext uri="{BB962C8B-B14F-4D97-AF65-F5344CB8AC3E}">
@@ -5375,6 +5614,88 @@
           </a:p>
         </p:txBody>
       </p:sp>
+      <p:sp>
+        <p:nvSpPr>
+          <p:cNvPr id="6" name="Rectangle 5">
+            <a:extLst>
+              <a:ext uri="{FF2B5EF4-FFF2-40B4-BE49-F238E27FC236}">
+                <a16:creationId xmlns:a16="http://schemas.microsoft.com/office/drawing/2014/main" id="{7F46D4B5-2D07-484C-8FC8-358908E0EC91}"/>
+              </a:ext>
+            </a:extLst>
+          </p:cNvPr>
+          <p:cNvSpPr/>
+          <p:nvPr userDrawn="1"/>
+        </p:nvSpPr>
+        <p:spPr>
+          <a:xfrm>
+            <a:off x="493614" y="5984480"/>
+            <a:ext cx="1149069" cy="735869"/>
+          </a:xfrm>
+          <a:prstGeom prst="rect">
+            <a:avLst/>
+          </a:prstGeom>
+          <a:ln>
+            <a:noFill/>
+          </a:ln>
+        </p:spPr>
+        <p:style>
+          <a:lnRef idx="2">
+            <a:schemeClr val="accent3"/>
+          </a:lnRef>
+          <a:fillRef idx="1">
+            <a:schemeClr val="lt1"/>
+          </a:fillRef>
+          <a:effectRef idx="0">
+            <a:schemeClr val="accent3"/>
+          </a:effectRef>
+          <a:fontRef idx="minor">
+            <a:schemeClr val="dk1"/>
+          </a:fontRef>
+        </p:style>
+        <p:txBody>
+          <a:bodyPr rtlCol="0" anchor="ctr"/>
+          <a:lstStyle/>
+          <a:p>
+            <a:pPr algn="ctr"/>
+            <a:endParaRPr lang="en-US"/>
+          </a:p>
+        </p:txBody>
+      </p:sp>
+      <p:pic>
+        <p:nvPicPr>
+          <p:cNvPr id="8" name="Picture 7">
+            <a:extLst>
+              <a:ext uri="{FF2B5EF4-FFF2-40B4-BE49-F238E27FC236}">
+                <a16:creationId xmlns:a16="http://schemas.microsoft.com/office/drawing/2014/main" id="{71786B2D-9E1C-4C0F-8F49-46E5E65E0134}"/>
+              </a:ext>
+            </a:extLst>
+          </p:cNvPr>
+          <p:cNvPicPr>
+            <a:picLocks noChangeAspect="1"/>
+          </p:cNvPicPr>
+          <p:nvPr userDrawn="1"/>
+        </p:nvPicPr>
+        <p:blipFill rotWithShape="1">
+          <a:blip r:embed="rId2">
+            <a:extLst>
+              <a:ext uri="{28A0092B-C50C-407E-A947-70E740481C1C}">
+                <a14:useLocalDpi xmlns:a14="http://schemas.microsoft.com/office/drawing/2010/main" val="0"/>
+              </a:ext>
+            </a:extLst>
+          </a:blip>
+          <a:srcRect b="41069"/>
+          <a:stretch/>
+        </p:blipFill>
+        <p:spPr>
+          <a:xfrm>
+            <a:off x="685537" y="6022653"/>
+            <a:ext cx="722477" cy="483230"/>
+          </a:xfrm>
+          <a:prstGeom prst="rect">
+            <a:avLst/>
+          </a:prstGeom>
+        </p:spPr>
+      </p:pic>
     </p:spTree>
     <p:extLst>
       <p:ext uri="{BB962C8B-B14F-4D97-AF65-F5344CB8AC3E}">
@@ -5529,6 +5850,88 @@
           </a:p>
         </p:txBody>
       </p:sp>
+      <p:sp>
+        <p:nvSpPr>
+          <p:cNvPr id="6" name="Rectangle 5">
+            <a:extLst>
+              <a:ext uri="{FF2B5EF4-FFF2-40B4-BE49-F238E27FC236}">
+                <a16:creationId xmlns:a16="http://schemas.microsoft.com/office/drawing/2014/main" id="{BA0FA4A0-0D97-4CC9-98B3-F1E89C314AF0}"/>
+              </a:ext>
+            </a:extLst>
+          </p:cNvPr>
+          <p:cNvSpPr/>
+          <p:nvPr userDrawn="1"/>
+        </p:nvSpPr>
+        <p:spPr>
+          <a:xfrm>
+            <a:off x="493614" y="5984480"/>
+            <a:ext cx="1149069" cy="735869"/>
+          </a:xfrm>
+          <a:prstGeom prst="rect">
+            <a:avLst/>
+          </a:prstGeom>
+          <a:ln>
+            <a:noFill/>
+          </a:ln>
+        </p:spPr>
+        <p:style>
+          <a:lnRef idx="2">
+            <a:schemeClr val="accent3"/>
+          </a:lnRef>
+          <a:fillRef idx="1">
+            <a:schemeClr val="lt1"/>
+          </a:fillRef>
+          <a:effectRef idx="0">
+            <a:schemeClr val="accent3"/>
+          </a:effectRef>
+          <a:fontRef idx="minor">
+            <a:schemeClr val="dk1"/>
+          </a:fontRef>
+        </p:style>
+        <p:txBody>
+          <a:bodyPr rtlCol="0" anchor="ctr"/>
+          <a:lstStyle/>
+          <a:p>
+            <a:pPr algn="ctr"/>
+            <a:endParaRPr lang="en-US"/>
+          </a:p>
+        </p:txBody>
+      </p:sp>
+      <p:pic>
+        <p:nvPicPr>
+          <p:cNvPr id="7" name="Picture 6">
+            <a:extLst>
+              <a:ext uri="{FF2B5EF4-FFF2-40B4-BE49-F238E27FC236}">
+                <a16:creationId xmlns:a16="http://schemas.microsoft.com/office/drawing/2014/main" id="{B8AEE57B-BC0C-400D-85EA-1D18D571EC34}"/>
+              </a:ext>
+            </a:extLst>
+          </p:cNvPr>
+          <p:cNvPicPr>
+            <a:picLocks noChangeAspect="1"/>
+          </p:cNvPicPr>
+          <p:nvPr userDrawn="1"/>
+        </p:nvPicPr>
+        <p:blipFill rotWithShape="1">
+          <a:blip r:embed="rId2">
+            <a:extLst>
+              <a:ext uri="{28A0092B-C50C-407E-A947-70E740481C1C}">
+                <a14:useLocalDpi xmlns:a14="http://schemas.microsoft.com/office/drawing/2010/main" val="0"/>
+              </a:ext>
+            </a:extLst>
+          </a:blip>
+          <a:srcRect b="41069"/>
+          <a:stretch/>
+        </p:blipFill>
+        <p:spPr>
+          <a:xfrm>
+            <a:off x="685537" y="6022653"/>
+            <a:ext cx="722477" cy="483230"/>
+          </a:xfrm>
+          <a:prstGeom prst="rect">
+            <a:avLst/>
+          </a:prstGeom>
+        </p:spPr>
+      </p:pic>
     </p:spTree>
     <p:extLst>
       <p:ext uri="{BB962C8B-B14F-4D97-AF65-F5344CB8AC3E}">
@@ -5624,6 +6027,88 @@
           </a:p>
         </p:txBody>
       </p:sp>
+      <p:sp>
+        <p:nvSpPr>
+          <p:cNvPr id="4" name="Rectangle 3">
+            <a:extLst>
+              <a:ext uri="{FF2B5EF4-FFF2-40B4-BE49-F238E27FC236}">
+                <a16:creationId xmlns:a16="http://schemas.microsoft.com/office/drawing/2014/main" id="{B3A266D8-6420-4707-BD40-9FDF3B1C0214}"/>
+              </a:ext>
+            </a:extLst>
+          </p:cNvPr>
+          <p:cNvSpPr/>
+          <p:nvPr userDrawn="1"/>
+        </p:nvSpPr>
+        <p:spPr>
+          <a:xfrm>
+            <a:off x="493614" y="5984480"/>
+            <a:ext cx="1149069" cy="735869"/>
+          </a:xfrm>
+          <a:prstGeom prst="rect">
+            <a:avLst/>
+          </a:prstGeom>
+          <a:ln>
+            <a:noFill/>
+          </a:ln>
+        </p:spPr>
+        <p:style>
+          <a:lnRef idx="2">
+            <a:schemeClr val="accent3"/>
+          </a:lnRef>
+          <a:fillRef idx="1">
+            <a:schemeClr val="lt1"/>
+          </a:fillRef>
+          <a:effectRef idx="0">
+            <a:schemeClr val="accent3"/>
+          </a:effectRef>
+          <a:fontRef idx="minor">
+            <a:schemeClr val="dk1"/>
+          </a:fontRef>
+        </p:style>
+        <p:txBody>
+          <a:bodyPr rtlCol="0" anchor="ctr"/>
+          <a:lstStyle/>
+          <a:p>
+            <a:pPr algn="ctr"/>
+            <a:endParaRPr lang="en-US"/>
+          </a:p>
+        </p:txBody>
+      </p:sp>
+      <p:pic>
+        <p:nvPicPr>
+          <p:cNvPr id="6" name="Picture 5">
+            <a:extLst>
+              <a:ext uri="{FF2B5EF4-FFF2-40B4-BE49-F238E27FC236}">
+                <a16:creationId xmlns:a16="http://schemas.microsoft.com/office/drawing/2014/main" id="{AE53C556-8AE0-4042-A3EA-4EDB6A8DF68B}"/>
+              </a:ext>
+            </a:extLst>
+          </p:cNvPr>
+          <p:cNvPicPr>
+            <a:picLocks noChangeAspect="1"/>
+          </p:cNvPicPr>
+          <p:nvPr userDrawn="1"/>
+        </p:nvPicPr>
+        <p:blipFill rotWithShape="1">
+          <a:blip r:embed="rId2">
+            <a:extLst>
+              <a:ext uri="{28A0092B-C50C-407E-A947-70E740481C1C}">
+                <a14:useLocalDpi xmlns:a14="http://schemas.microsoft.com/office/drawing/2010/main" val="0"/>
+              </a:ext>
+            </a:extLst>
+          </a:blip>
+          <a:srcRect b="41069"/>
+          <a:stretch/>
+        </p:blipFill>
+        <p:spPr>
+          <a:xfrm>
+            <a:off x="685537" y="6022653"/>
+            <a:ext cx="722477" cy="483230"/>
+          </a:xfrm>
+          <a:prstGeom prst="rect">
+            <a:avLst/>
+          </a:prstGeom>
+        </p:spPr>
+      </p:pic>
     </p:spTree>
     <p:extLst>
       <p:ext uri="{BB962C8B-B14F-4D97-AF65-F5344CB8AC3E}">
@@ -6085,6 +6570,88 @@
           </a:p>
         </p:txBody>
       </p:sp>
+      <p:sp>
+        <p:nvSpPr>
+          <p:cNvPr id="10" name="Rectangle 9">
+            <a:extLst>
+              <a:ext uri="{FF2B5EF4-FFF2-40B4-BE49-F238E27FC236}">
+                <a16:creationId xmlns:a16="http://schemas.microsoft.com/office/drawing/2014/main" id="{39900A74-773C-4FA5-8671-8AF297CF80D1}"/>
+              </a:ext>
+            </a:extLst>
+          </p:cNvPr>
+          <p:cNvSpPr/>
+          <p:nvPr userDrawn="1"/>
+        </p:nvSpPr>
+        <p:spPr>
+          <a:xfrm>
+            <a:off x="493614" y="5984480"/>
+            <a:ext cx="1149069" cy="735869"/>
+          </a:xfrm>
+          <a:prstGeom prst="rect">
+            <a:avLst/>
+          </a:prstGeom>
+          <a:ln>
+            <a:noFill/>
+          </a:ln>
+        </p:spPr>
+        <p:style>
+          <a:lnRef idx="2">
+            <a:schemeClr val="accent3"/>
+          </a:lnRef>
+          <a:fillRef idx="1">
+            <a:schemeClr val="lt1"/>
+          </a:fillRef>
+          <a:effectRef idx="0">
+            <a:schemeClr val="accent3"/>
+          </a:effectRef>
+          <a:fontRef idx="minor">
+            <a:schemeClr val="dk1"/>
+          </a:fontRef>
+        </p:style>
+        <p:txBody>
+          <a:bodyPr rtlCol="0" anchor="ctr"/>
+          <a:lstStyle/>
+          <a:p>
+            <a:pPr algn="ctr"/>
+            <a:endParaRPr lang="en-US"/>
+          </a:p>
+        </p:txBody>
+      </p:sp>
+      <p:pic>
+        <p:nvPicPr>
+          <p:cNvPr id="12" name="Picture 11">
+            <a:extLst>
+              <a:ext uri="{FF2B5EF4-FFF2-40B4-BE49-F238E27FC236}">
+                <a16:creationId xmlns:a16="http://schemas.microsoft.com/office/drawing/2014/main" id="{68197FDA-11A3-4ADF-BB65-075B0D7E5199}"/>
+              </a:ext>
+            </a:extLst>
+          </p:cNvPr>
+          <p:cNvPicPr>
+            <a:picLocks noChangeAspect="1"/>
+          </p:cNvPicPr>
+          <p:nvPr userDrawn="1"/>
+        </p:nvPicPr>
+        <p:blipFill rotWithShape="1">
+          <a:blip r:embed="rId2">
+            <a:extLst>
+              <a:ext uri="{28A0092B-C50C-407E-A947-70E740481C1C}">
+                <a14:useLocalDpi xmlns:a14="http://schemas.microsoft.com/office/drawing/2010/main" val="0"/>
+              </a:ext>
+            </a:extLst>
+          </a:blip>
+          <a:srcRect b="41069"/>
+          <a:stretch/>
+        </p:blipFill>
+        <p:spPr>
+          <a:xfrm>
+            <a:off x="685537" y="6022653"/>
+            <a:ext cx="722477" cy="483230"/>
+          </a:xfrm>
+          <a:prstGeom prst="rect">
+            <a:avLst/>
+          </a:prstGeom>
+        </p:spPr>
+      </p:pic>
     </p:spTree>
     <p:extLst>
       <p:ext uri="{BB962C8B-B14F-4D97-AF65-F5344CB8AC3E}">
@@ -7011,42 +7578,6 @@
       </p:sp>
       <p:sp>
         <p:nvSpPr>
-          <p:cNvPr id="14" name="PoleTekstowe 3"/>
-          <p:cNvSpPr txBox="1"/>
-          <p:nvPr/>
-        </p:nvSpPr>
-        <p:spPr>
-          <a:xfrm>
-            <a:off x="10142678" y="6317505"/>
-            <a:ext cx="1161799" cy="123111"/>
-          </a:xfrm>
-          <a:prstGeom prst="rect">
-            <a:avLst/>
-          </a:prstGeom>
-          <a:noFill/>
-        </p:spPr>
-        <p:txBody>
-          <a:bodyPr wrap="square" lIns="0" tIns="0" rIns="0" bIns="0" rtlCol="0" anchor="t" anchorCtr="0">
-            <a:normAutofit/>
-          </a:bodyPr>
-          <a:lstStyle/>
-          <a:p>
-            <a:pPr algn="r" defTabSz="457200"/>
-            <a:r>
-              <a:rPr lang="en-US" sz="700" kern="1900" dirty="0">
-                <a:solidFill>
-                  <a:schemeClr val="accent4"/>
-                </a:solidFill>
-                <a:latin typeface="Arial"/>
-                <a:cs typeface="Arial"/>
-              </a:rPr>
-              <a:t>www.scilab.org</a:t>
-            </a:r>
-          </a:p>
-        </p:txBody>
-      </p:sp>
-      <p:sp>
-        <p:nvSpPr>
           <p:cNvPr id="16" name="Text Placeholder 2"/>
           <p:cNvSpPr>
             <a:spLocks noGrp="1"/>
@@ -7331,6 +7862,88 @@
           <a:xfrm>
             <a:off x="609599" y="6015279"/>
             <a:ext cx="897468" cy="433691"/>
+          </a:xfrm>
+          <a:prstGeom prst="rect">
+            <a:avLst/>
+          </a:prstGeom>
+        </p:spPr>
+      </p:pic>
+      <p:sp>
+        <p:nvSpPr>
+          <p:cNvPr id="17" name="Rectangle 16">
+            <a:extLst>
+              <a:ext uri="{FF2B5EF4-FFF2-40B4-BE49-F238E27FC236}">
+                <a16:creationId xmlns:a16="http://schemas.microsoft.com/office/drawing/2014/main" id="{22073C62-8490-49E7-9DCD-E053050CD5D6}"/>
+              </a:ext>
+            </a:extLst>
+          </p:cNvPr>
+          <p:cNvSpPr/>
+          <p:nvPr userDrawn="1"/>
+        </p:nvSpPr>
+        <p:spPr>
+          <a:xfrm>
+            <a:off x="493614" y="5984480"/>
+            <a:ext cx="1149069" cy="735869"/>
+          </a:xfrm>
+          <a:prstGeom prst="rect">
+            <a:avLst/>
+          </a:prstGeom>
+          <a:ln>
+            <a:noFill/>
+          </a:ln>
+        </p:spPr>
+        <p:style>
+          <a:lnRef idx="2">
+            <a:schemeClr val="accent3"/>
+          </a:lnRef>
+          <a:fillRef idx="1">
+            <a:schemeClr val="lt1"/>
+          </a:fillRef>
+          <a:effectRef idx="0">
+            <a:schemeClr val="accent3"/>
+          </a:effectRef>
+          <a:fontRef idx="minor">
+            <a:schemeClr val="dk1"/>
+          </a:fontRef>
+        </p:style>
+        <p:txBody>
+          <a:bodyPr rtlCol="0" anchor="ctr"/>
+          <a:lstStyle/>
+          <a:p>
+            <a:pPr algn="ctr"/>
+            <a:endParaRPr lang="en-US"/>
+          </a:p>
+        </p:txBody>
+      </p:sp>
+      <p:pic>
+        <p:nvPicPr>
+          <p:cNvPr id="18" name="Picture 17">
+            <a:extLst>
+              <a:ext uri="{FF2B5EF4-FFF2-40B4-BE49-F238E27FC236}">
+                <a16:creationId xmlns:a16="http://schemas.microsoft.com/office/drawing/2014/main" id="{A043920F-4C58-4054-9660-3781B1B07C9E}"/>
+              </a:ext>
+            </a:extLst>
+          </p:cNvPr>
+          <p:cNvPicPr>
+            <a:picLocks noChangeAspect="1"/>
+          </p:cNvPicPr>
+          <p:nvPr userDrawn="1"/>
+        </p:nvPicPr>
+        <p:blipFill rotWithShape="1">
+          <a:blip r:embed="rId20">
+            <a:extLst>
+              <a:ext uri="{28A0092B-C50C-407E-A947-70E740481C1C}">
+                <a14:useLocalDpi xmlns:a14="http://schemas.microsoft.com/office/drawing/2010/main" val="0"/>
+              </a:ext>
+            </a:extLst>
+          </a:blip>
+          <a:srcRect b="41069"/>
+          <a:stretch/>
+        </p:blipFill>
+        <p:spPr>
+          <a:xfrm>
+            <a:off x="685537" y="6022653"/>
+            <a:ext cx="722477" cy="483230"/>
           </a:xfrm>
           <a:prstGeom prst="rect">
             <a:avLst/>
@@ -8938,6 +9551,2877 @@
           <p:cNvPr id="2" name="Title 1">
             <a:extLst>
               <a:ext uri="{FF2B5EF4-FFF2-40B4-BE49-F238E27FC236}">
+                <a16:creationId xmlns:a16="http://schemas.microsoft.com/office/drawing/2014/main" id="{1961A492-7F6C-4D06-ACA0-9508B15C5D61}"/>
+              </a:ext>
+            </a:extLst>
+          </p:cNvPr>
+          <p:cNvSpPr>
+            <a:spLocks noGrp="1"/>
+          </p:cNvSpPr>
+          <p:nvPr>
+            <p:ph type="title"/>
+          </p:nvPr>
+        </p:nvSpPr>
+        <p:spPr/>
+        <p:txBody>
+          <a:bodyPr/>
+          <a:lstStyle/>
+          <a:p>
+            <a:endParaRPr lang="en-US"/>
+          </a:p>
+        </p:txBody>
+      </p:sp>
+      <p:sp>
+        <p:nvSpPr>
+          <p:cNvPr id="3" name="Text Placeholder 2">
+            <a:extLst>
+              <a:ext uri="{FF2B5EF4-FFF2-40B4-BE49-F238E27FC236}">
+                <a16:creationId xmlns:a16="http://schemas.microsoft.com/office/drawing/2014/main" id="{BF316CF0-5C72-451E-B66F-6C0BD3751FF1}"/>
+              </a:ext>
+            </a:extLst>
+          </p:cNvPr>
+          <p:cNvSpPr>
+            <a:spLocks noGrp="1"/>
+          </p:cNvSpPr>
+          <p:nvPr>
+            <p:ph type="body" sz="quarter" idx="13"/>
+          </p:nvPr>
+        </p:nvSpPr>
+        <p:spPr/>
+        <p:txBody>
+          <a:bodyPr/>
+          <a:lstStyle/>
+          <a:p>
+            <a:endParaRPr lang="en-US"/>
+          </a:p>
+        </p:txBody>
+      </p:sp>
+      <p:sp>
+        <p:nvSpPr>
+          <p:cNvPr id="4" name="Text Placeholder 3">
+            <a:extLst>
+              <a:ext uri="{FF2B5EF4-FFF2-40B4-BE49-F238E27FC236}">
+                <a16:creationId xmlns:a16="http://schemas.microsoft.com/office/drawing/2014/main" id="{D7708E8C-92F9-427F-9152-E16775EF6186}"/>
+              </a:ext>
+            </a:extLst>
+          </p:cNvPr>
+          <p:cNvSpPr>
+            <a:spLocks noGrp="1"/>
+          </p:cNvSpPr>
+          <p:nvPr>
+            <p:ph type="body" sz="quarter" idx="15"/>
+          </p:nvPr>
+        </p:nvSpPr>
+        <p:spPr/>
+        <p:txBody>
+          <a:bodyPr/>
+          <a:lstStyle/>
+          <a:p>
+            <a:endParaRPr lang="en-US"/>
+          </a:p>
+        </p:txBody>
+      </p:sp>
+      <p:pic>
+        <p:nvPicPr>
+          <p:cNvPr id="5" name="Picture 4">
+            <a:extLst>
+              <a:ext uri="{FF2B5EF4-FFF2-40B4-BE49-F238E27FC236}">
+                <a16:creationId xmlns:a16="http://schemas.microsoft.com/office/drawing/2014/main" id="{C008D711-2C4C-4056-BCE1-BE822414FCEC}"/>
+              </a:ext>
+            </a:extLst>
+          </p:cNvPr>
+          <p:cNvPicPr>
+            <a:picLocks noChangeAspect="1"/>
+          </p:cNvPicPr>
+          <p:nvPr/>
+        </p:nvPicPr>
+        <p:blipFill>
+          <a:blip r:embed="rId2"/>
+          <a:stretch>
+            <a:fillRect/>
+          </a:stretch>
+        </p:blipFill>
+        <p:spPr>
+          <a:xfrm>
+            <a:off x="0" y="190500"/>
+            <a:ext cx="12192000" cy="6477000"/>
+          </a:xfrm>
+          <a:prstGeom prst="rect">
+            <a:avLst/>
+          </a:prstGeom>
+        </p:spPr>
+      </p:pic>
+    </p:spTree>
+    <p:extLst>
+      <p:ext uri="{BB962C8B-B14F-4D97-AF65-F5344CB8AC3E}">
+        <p14:creationId xmlns:p14="http://schemas.microsoft.com/office/powerpoint/2010/main" val="3288279522"/>
+      </p:ext>
+    </p:extLst>
+  </p:cSld>
+  <p:clrMapOvr>
+    <a:masterClrMapping/>
+  </p:clrMapOvr>
+</p:sld>
+</file>
+
+<file path=ppt/slides/slide11.xml><?xml version="1.0" encoding="utf-8"?>
+<p:sld xmlns:a="http://schemas.openxmlformats.org/drawingml/2006/main" xmlns:r="http://schemas.openxmlformats.org/officeDocument/2006/relationships" xmlns:p="http://schemas.openxmlformats.org/presentationml/2006/main">
+  <p:cSld>
+    <p:spTree>
+      <p:nvGrpSpPr>
+        <p:cNvPr id="1" name=""/>
+        <p:cNvGrpSpPr/>
+        <p:nvPr/>
+      </p:nvGrpSpPr>
+      <p:grpSpPr>
+        <a:xfrm>
+          <a:off x="0" y="0"/>
+          <a:ext cx="0" cy="0"/>
+          <a:chOff x="0" y="0"/>
+          <a:chExt cx="0" cy="0"/>
+        </a:xfrm>
+      </p:grpSpPr>
+      <p:sp>
+        <p:nvSpPr>
+          <p:cNvPr id="2" name="Title 1">
+            <a:extLst>
+              <a:ext uri="{FF2B5EF4-FFF2-40B4-BE49-F238E27FC236}">
+                <a16:creationId xmlns:a16="http://schemas.microsoft.com/office/drawing/2014/main" id="{B552F78A-0815-4C75-BDEA-2FAA69B0AFC3}"/>
+              </a:ext>
+            </a:extLst>
+          </p:cNvPr>
+          <p:cNvSpPr>
+            <a:spLocks noGrp="1"/>
+          </p:cNvSpPr>
+          <p:nvPr>
+            <p:ph type="title"/>
+          </p:nvPr>
+        </p:nvSpPr>
+        <p:spPr/>
+        <p:txBody>
+          <a:bodyPr/>
+          <a:lstStyle/>
+          <a:p>
+            <a:endParaRPr lang="en-US"/>
+          </a:p>
+        </p:txBody>
+      </p:sp>
+      <p:sp>
+        <p:nvSpPr>
+          <p:cNvPr id="3" name="Text Placeholder 2">
+            <a:extLst>
+              <a:ext uri="{FF2B5EF4-FFF2-40B4-BE49-F238E27FC236}">
+                <a16:creationId xmlns:a16="http://schemas.microsoft.com/office/drawing/2014/main" id="{3AC0A76E-4D38-44C2-A458-9F9FEE212FA6}"/>
+              </a:ext>
+            </a:extLst>
+          </p:cNvPr>
+          <p:cNvSpPr>
+            <a:spLocks noGrp="1"/>
+          </p:cNvSpPr>
+          <p:nvPr>
+            <p:ph type="body" sz="quarter" idx="13"/>
+          </p:nvPr>
+        </p:nvSpPr>
+        <p:spPr/>
+        <p:txBody>
+          <a:bodyPr/>
+          <a:lstStyle/>
+          <a:p>
+            <a:endParaRPr lang="en-US"/>
+          </a:p>
+        </p:txBody>
+      </p:sp>
+      <p:sp>
+        <p:nvSpPr>
+          <p:cNvPr id="4" name="Text Placeholder 3">
+            <a:extLst>
+              <a:ext uri="{FF2B5EF4-FFF2-40B4-BE49-F238E27FC236}">
+                <a16:creationId xmlns:a16="http://schemas.microsoft.com/office/drawing/2014/main" id="{A19B8ABB-04AD-4C26-BB8C-6E034D531480}"/>
+              </a:ext>
+            </a:extLst>
+          </p:cNvPr>
+          <p:cNvSpPr>
+            <a:spLocks noGrp="1"/>
+          </p:cNvSpPr>
+          <p:nvPr>
+            <p:ph type="body" sz="quarter" idx="15"/>
+          </p:nvPr>
+        </p:nvSpPr>
+        <p:spPr/>
+        <p:txBody>
+          <a:bodyPr/>
+          <a:lstStyle/>
+          <a:p>
+            <a:endParaRPr lang="en-US"/>
+          </a:p>
+        </p:txBody>
+      </p:sp>
+      <p:pic>
+        <p:nvPicPr>
+          <p:cNvPr id="5" name="Picture 4">
+            <a:extLst>
+              <a:ext uri="{FF2B5EF4-FFF2-40B4-BE49-F238E27FC236}">
+                <a16:creationId xmlns:a16="http://schemas.microsoft.com/office/drawing/2014/main" id="{D5596268-2CEB-4D4C-BAC4-F636393DC08F}"/>
+              </a:ext>
+            </a:extLst>
+          </p:cNvPr>
+          <p:cNvPicPr>
+            <a:picLocks noChangeAspect="1"/>
+          </p:cNvPicPr>
+          <p:nvPr/>
+        </p:nvPicPr>
+        <p:blipFill>
+          <a:blip r:embed="rId2"/>
+          <a:stretch>
+            <a:fillRect/>
+          </a:stretch>
+        </p:blipFill>
+        <p:spPr>
+          <a:xfrm>
+            <a:off x="0" y="190500"/>
+            <a:ext cx="12192000" cy="6477000"/>
+          </a:xfrm>
+          <a:prstGeom prst="rect">
+            <a:avLst/>
+          </a:prstGeom>
+        </p:spPr>
+      </p:pic>
+      <p:pic>
+        <p:nvPicPr>
+          <p:cNvPr id="6" name="Picture 5">
+            <a:extLst>
+              <a:ext uri="{FF2B5EF4-FFF2-40B4-BE49-F238E27FC236}">
+                <a16:creationId xmlns:a16="http://schemas.microsoft.com/office/drawing/2014/main" id="{4E65484E-1ECA-4C58-ADE6-F1B2AA13543E}"/>
+              </a:ext>
+            </a:extLst>
+          </p:cNvPr>
+          <p:cNvPicPr>
+            <a:picLocks noChangeAspect="1"/>
+          </p:cNvPicPr>
+          <p:nvPr/>
+        </p:nvPicPr>
+        <p:blipFill>
+          <a:blip r:embed="rId3"/>
+          <a:stretch>
+            <a:fillRect/>
+          </a:stretch>
+        </p:blipFill>
+        <p:spPr>
+          <a:xfrm>
+            <a:off x="0" y="203629"/>
+            <a:ext cx="12192000" cy="6477000"/>
+          </a:xfrm>
+          <a:prstGeom prst="rect">
+            <a:avLst/>
+          </a:prstGeom>
+        </p:spPr>
+      </p:pic>
+    </p:spTree>
+    <p:extLst>
+      <p:ext uri="{BB962C8B-B14F-4D97-AF65-F5344CB8AC3E}">
+        <p14:creationId xmlns:p14="http://schemas.microsoft.com/office/powerpoint/2010/main" val="3292125580"/>
+      </p:ext>
+    </p:extLst>
+  </p:cSld>
+  <p:clrMapOvr>
+    <a:masterClrMapping/>
+  </p:clrMapOvr>
+</p:sld>
+</file>
+
+<file path=ppt/slides/slide12.xml><?xml version="1.0" encoding="utf-8"?>
+<p:sld xmlns:a="http://schemas.openxmlformats.org/drawingml/2006/main" xmlns:r="http://schemas.openxmlformats.org/officeDocument/2006/relationships" xmlns:p="http://schemas.openxmlformats.org/presentationml/2006/main">
+  <p:cSld>
+    <p:spTree>
+      <p:nvGrpSpPr>
+        <p:cNvPr id="1" name=""/>
+        <p:cNvGrpSpPr/>
+        <p:nvPr/>
+      </p:nvGrpSpPr>
+      <p:grpSpPr>
+        <a:xfrm>
+          <a:off x="0" y="0"/>
+          <a:ext cx="0" cy="0"/>
+          <a:chOff x="0" y="0"/>
+          <a:chExt cx="0" cy="0"/>
+        </a:xfrm>
+      </p:grpSpPr>
+      <p:sp>
+        <p:nvSpPr>
+          <p:cNvPr id="2" name="Title 1">
+            <a:extLst>
+              <a:ext uri="{FF2B5EF4-FFF2-40B4-BE49-F238E27FC236}">
+                <a16:creationId xmlns:a16="http://schemas.microsoft.com/office/drawing/2014/main" id="{11742883-9D13-4672-8E6B-CFFEF78578E2}"/>
+              </a:ext>
+            </a:extLst>
+          </p:cNvPr>
+          <p:cNvSpPr>
+            <a:spLocks noGrp="1"/>
+          </p:cNvSpPr>
+          <p:nvPr>
+            <p:ph type="title"/>
+          </p:nvPr>
+        </p:nvSpPr>
+        <p:spPr/>
+        <p:txBody>
+          <a:bodyPr/>
+          <a:lstStyle/>
+          <a:p>
+            <a:endParaRPr lang="en-US"/>
+          </a:p>
+        </p:txBody>
+      </p:sp>
+      <p:sp>
+        <p:nvSpPr>
+          <p:cNvPr id="3" name="Text Placeholder 2">
+            <a:extLst>
+              <a:ext uri="{FF2B5EF4-FFF2-40B4-BE49-F238E27FC236}">
+                <a16:creationId xmlns:a16="http://schemas.microsoft.com/office/drawing/2014/main" id="{914E9308-03A8-4A75-AF4E-F048E92B9AA6}"/>
+              </a:ext>
+            </a:extLst>
+          </p:cNvPr>
+          <p:cNvSpPr>
+            <a:spLocks noGrp="1"/>
+          </p:cNvSpPr>
+          <p:nvPr>
+            <p:ph type="body" sz="quarter" idx="13"/>
+          </p:nvPr>
+        </p:nvSpPr>
+        <p:spPr/>
+        <p:txBody>
+          <a:bodyPr/>
+          <a:lstStyle/>
+          <a:p>
+            <a:endParaRPr lang="en-US"/>
+          </a:p>
+        </p:txBody>
+      </p:sp>
+      <p:sp>
+        <p:nvSpPr>
+          <p:cNvPr id="4" name="Text Placeholder 3">
+            <a:extLst>
+              <a:ext uri="{FF2B5EF4-FFF2-40B4-BE49-F238E27FC236}">
+                <a16:creationId xmlns:a16="http://schemas.microsoft.com/office/drawing/2014/main" id="{02645A9B-7472-4075-9C27-F003785056D9}"/>
+              </a:ext>
+            </a:extLst>
+          </p:cNvPr>
+          <p:cNvSpPr>
+            <a:spLocks noGrp="1"/>
+          </p:cNvSpPr>
+          <p:nvPr>
+            <p:ph type="body" sz="quarter" idx="15"/>
+          </p:nvPr>
+        </p:nvSpPr>
+        <p:spPr/>
+        <p:txBody>
+          <a:bodyPr/>
+          <a:lstStyle/>
+          <a:p>
+            <a:endParaRPr lang="en-US"/>
+          </a:p>
+        </p:txBody>
+      </p:sp>
+      <p:pic>
+        <p:nvPicPr>
+          <p:cNvPr id="5" name="Picture 4">
+            <a:extLst>
+              <a:ext uri="{FF2B5EF4-FFF2-40B4-BE49-F238E27FC236}">
+                <a16:creationId xmlns:a16="http://schemas.microsoft.com/office/drawing/2014/main" id="{9C2A7549-4319-4C2E-A7B7-9CB3F7D16118}"/>
+              </a:ext>
+            </a:extLst>
+          </p:cNvPr>
+          <p:cNvPicPr>
+            <a:picLocks noChangeAspect="1"/>
+          </p:cNvPicPr>
+          <p:nvPr/>
+        </p:nvPicPr>
+        <p:blipFill>
+          <a:blip r:embed="rId2"/>
+          <a:stretch>
+            <a:fillRect/>
+          </a:stretch>
+        </p:blipFill>
+        <p:spPr>
+          <a:xfrm>
+            <a:off x="0" y="190500"/>
+            <a:ext cx="12192000" cy="6477000"/>
+          </a:xfrm>
+          <a:prstGeom prst="rect">
+            <a:avLst/>
+          </a:prstGeom>
+        </p:spPr>
+      </p:pic>
+    </p:spTree>
+    <p:extLst>
+      <p:ext uri="{BB962C8B-B14F-4D97-AF65-F5344CB8AC3E}">
+        <p14:creationId xmlns:p14="http://schemas.microsoft.com/office/powerpoint/2010/main" val="2921345303"/>
+      </p:ext>
+    </p:extLst>
+  </p:cSld>
+  <p:clrMapOvr>
+    <a:masterClrMapping/>
+  </p:clrMapOvr>
+</p:sld>
+</file>
+
+<file path=ppt/slides/slide13.xml><?xml version="1.0" encoding="utf-8"?>
+<p:sld xmlns:a="http://schemas.openxmlformats.org/drawingml/2006/main" xmlns:r="http://schemas.openxmlformats.org/officeDocument/2006/relationships" xmlns:p="http://schemas.openxmlformats.org/presentationml/2006/main">
+  <p:cSld>
+    <p:spTree>
+      <p:nvGrpSpPr>
+        <p:cNvPr id="1" name=""/>
+        <p:cNvGrpSpPr/>
+        <p:nvPr/>
+      </p:nvGrpSpPr>
+      <p:grpSpPr>
+        <a:xfrm>
+          <a:off x="0" y="0"/>
+          <a:ext cx="0" cy="0"/>
+          <a:chOff x="0" y="0"/>
+          <a:chExt cx="0" cy="0"/>
+        </a:xfrm>
+      </p:grpSpPr>
+      <p:sp>
+        <p:nvSpPr>
+          <p:cNvPr id="2" name="Title 1">
+            <a:extLst>
+              <a:ext uri="{FF2B5EF4-FFF2-40B4-BE49-F238E27FC236}">
+                <a16:creationId xmlns:a16="http://schemas.microsoft.com/office/drawing/2014/main" id="{E015F0D4-9CD7-4304-B9F1-8C0C2A81DFB0}"/>
+              </a:ext>
+            </a:extLst>
+          </p:cNvPr>
+          <p:cNvSpPr>
+            <a:spLocks noGrp="1"/>
+          </p:cNvSpPr>
+          <p:nvPr>
+            <p:ph type="title"/>
+          </p:nvPr>
+        </p:nvSpPr>
+        <p:spPr/>
+        <p:txBody>
+          <a:bodyPr/>
+          <a:lstStyle/>
+          <a:p>
+            <a:r>
+              <a:rPr lang="en-US" dirty="0"/>
+              <a:t>Deployment</a:t>
+            </a:r>
+          </a:p>
+        </p:txBody>
+      </p:sp>
+      <p:sp>
+        <p:nvSpPr>
+          <p:cNvPr id="3" name="Text Placeholder 2">
+            <a:extLst>
+              <a:ext uri="{FF2B5EF4-FFF2-40B4-BE49-F238E27FC236}">
+                <a16:creationId xmlns:a16="http://schemas.microsoft.com/office/drawing/2014/main" id="{4A1DF39B-51D2-4DE3-8226-4A59AA1EC1D4}"/>
+              </a:ext>
+            </a:extLst>
+          </p:cNvPr>
+          <p:cNvSpPr>
+            <a:spLocks noGrp="1"/>
+          </p:cNvSpPr>
+          <p:nvPr>
+            <p:ph type="body" sz="quarter" idx="17"/>
+          </p:nvPr>
+        </p:nvSpPr>
+        <p:spPr/>
+        <p:txBody>
+          <a:bodyPr/>
+          <a:lstStyle/>
+          <a:p>
+            <a:endParaRPr lang="en-US" dirty="0"/>
+          </a:p>
+        </p:txBody>
+      </p:sp>
+      <p:sp>
+        <p:nvSpPr>
+          <p:cNvPr id="4" name="Text Placeholder 3">
+            <a:extLst>
+              <a:ext uri="{FF2B5EF4-FFF2-40B4-BE49-F238E27FC236}">
+                <a16:creationId xmlns:a16="http://schemas.microsoft.com/office/drawing/2014/main" id="{3587CE43-27DC-4861-981C-53EA7C2212ED}"/>
+              </a:ext>
+            </a:extLst>
+          </p:cNvPr>
+          <p:cNvSpPr>
+            <a:spLocks noGrp="1"/>
+          </p:cNvSpPr>
+          <p:nvPr>
+            <p:ph type="body" sz="quarter" idx="15"/>
+          </p:nvPr>
+        </p:nvSpPr>
+        <p:spPr/>
+        <p:txBody>
+          <a:bodyPr/>
+          <a:lstStyle/>
+          <a:p>
+            <a:endParaRPr lang="en-US"/>
+          </a:p>
+        </p:txBody>
+      </p:sp>
+    </p:spTree>
+    <p:extLst>
+      <p:ext uri="{BB962C8B-B14F-4D97-AF65-F5344CB8AC3E}">
+        <p14:creationId xmlns:p14="http://schemas.microsoft.com/office/powerpoint/2010/main" val="4249109207"/>
+      </p:ext>
+    </p:extLst>
+  </p:cSld>
+  <p:clrMapOvr>
+    <a:masterClrMapping/>
+  </p:clrMapOvr>
+</p:sld>
+</file>
+
+<file path=ppt/slides/slide14.xml><?xml version="1.0" encoding="utf-8"?>
+<p:sld xmlns:a="http://schemas.openxmlformats.org/drawingml/2006/main" xmlns:r="http://schemas.openxmlformats.org/officeDocument/2006/relationships" xmlns:p="http://schemas.openxmlformats.org/presentationml/2006/main">
+  <p:cSld>
+    <p:spTree>
+      <p:nvGrpSpPr>
+        <p:cNvPr id="1" name=""/>
+        <p:cNvGrpSpPr/>
+        <p:nvPr/>
+      </p:nvGrpSpPr>
+      <p:grpSpPr>
+        <a:xfrm>
+          <a:off x="0" y="0"/>
+          <a:ext cx="0" cy="0"/>
+          <a:chOff x="0" y="0"/>
+          <a:chExt cx="0" cy="0"/>
+        </a:xfrm>
+      </p:grpSpPr>
+      <p:sp>
+        <p:nvSpPr>
+          <p:cNvPr id="58" name="Rectangle: Rounded Corners 57">
+            <a:extLst>
+              <a:ext uri="{FF2B5EF4-FFF2-40B4-BE49-F238E27FC236}">
+                <a16:creationId xmlns:a16="http://schemas.microsoft.com/office/drawing/2014/main" id="{5645DFF5-479F-4D2D-9D6D-FB67C9ED26CA}"/>
+              </a:ext>
+            </a:extLst>
+          </p:cNvPr>
+          <p:cNvSpPr/>
+          <p:nvPr/>
+        </p:nvSpPr>
+        <p:spPr>
+          <a:xfrm>
+            <a:off x="851717" y="1637350"/>
+            <a:ext cx="2516155" cy="3340881"/>
+          </a:xfrm>
+          <a:prstGeom prst="roundRect">
+            <a:avLst>
+              <a:gd name="adj" fmla="val 10556"/>
+            </a:avLst>
+          </a:prstGeom>
+          <a:ln>
+            <a:prstDash val="sysDot"/>
+          </a:ln>
+        </p:spPr>
+        <p:style>
+          <a:lnRef idx="2">
+            <a:schemeClr val="accent3"/>
+          </a:lnRef>
+          <a:fillRef idx="1">
+            <a:schemeClr val="lt1"/>
+          </a:fillRef>
+          <a:effectRef idx="0">
+            <a:schemeClr val="accent3"/>
+          </a:effectRef>
+          <a:fontRef idx="minor">
+            <a:schemeClr val="dk1"/>
+          </a:fontRef>
+        </p:style>
+        <p:txBody>
+          <a:bodyPr rtlCol="0" anchor="ctr"/>
+          <a:lstStyle/>
+          <a:p>
+            <a:pPr algn="ctr"/>
+            <a:endParaRPr lang="en-US" sz="1400" dirty="0"/>
+          </a:p>
+        </p:txBody>
+      </p:sp>
+      <p:sp>
+        <p:nvSpPr>
+          <p:cNvPr id="48" name="Rectangle: Rounded Corners 47">
+            <a:extLst>
+              <a:ext uri="{FF2B5EF4-FFF2-40B4-BE49-F238E27FC236}">
+                <a16:creationId xmlns:a16="http://schemas.microsoft.com/office/drawing/2014/main" id="{389A04F2-ACF2-4720-9907-3972B20A917C}"/>
+              </a:ext>
+            </a:extLst>
+          </p:cNvPr>
+          <p:cNvSpPr/>
+          <p:nvPr/>
+        </p:nvSpPr>
+        <p:spPr>
+          <a:xfrm>
+            <a:off x="886165" y="3495003"/>
+            <a:ext cx="2516155" cy="1451001"/>
+          </a:xfrm>
+          <a:prstGeom prst="roundRect">
+            <a:avLst/>
+          </a:prstGeom>
+        </p:spPr>
+        <p:style>
+          <a:lnRef idx="2">
+            <a:schemeClr val="accent3"/>
+          </a:lnRef>
+          <a:fillRef idx="1">
+            <a:schemeClr val="lt1"/>
+          </a:fillRef>
+          <a:effectRef idx="0">
+            <a:schemeClr val="accent3"/>
+          </a:effectRef>
+          <a:fontRef idx="minor">
+            <a:schemeClr val="dk1"/>
+          </a:fontRef>
+        </p:style>
+        <p:txBody>
+          <a:bodyPr rtlCol="0" anchor="ctr"/>
+          <a:lstStyle/>
+          <a:p>
+            <a:pPr algn="ctr"/>
+            <a:endParaRPr lang="en-US" sz="1400" dirty="0"/>
+          </a:p>
+        </p:txBody>
+      </p:sp>
+      <p:sp>
+        <p:nvSpPr>
+          <p:cNvPr id="2" name="Title 1">
+            <a:extLst>
+              <a:ext uri="{FF2B5EF4-FFF2-40B4-BE49-F238E27FC236}">
+                <a16:creationId xmlns:a16="http://schemas.microsoft.com/office/drawing/2014/main" id="{76324050-5C24-46F3-A671-C2DA3A09DCE8}"/>
+              </a:ext>
+            </a:extLst>
+          </p:cNvPr>
+          <p:cNvSpPr>
+            <a:spLocks noGrp="1"/>
+          </p:cNvSpPr>
+          <p:nvPr>
+            <p:ph type="title"/>
+          </p:nvPr>
+        </p:nvSpPr>
+        <p:spPr/>
+        <p:txBody>
+          <a:bodyPr/>
+          <a:lstStyle/>
+          <a:p>
+            <a:r>
+              <a:rPr lang="fr-FR" dirty="0" err="1"/>
+              <a:t>CloudDeploy</a:t>
+            </a:r>
+            <a:endParaRPr lang="fr-FR" dirty="0"/>
+          </a:p>
+        </p:txBody>
+      </p:sp>
+      <p:sp>
+        <p:nvSpPr>
+          <p:cNvPr id="4" name="Slide Number Placeholder 3">
+            <a:extLst>
+              <a:ext uri="{FF2B5EF4-FFF2-40B4-BE49-F238E27FC236}">
+                <a16:creationId xmlns:a16="http://schemas.microsoft.com/office/drawing/2014/main" id="{53B796C5-783C-427C-8892-745D8DA3DE63}"/>
+              </a:ext>
+            </a:extLst>
+          </p:cNvPr>
+          <p:cNvSpPr>
+            <a:spLocks noGrp="1"/>
+          </p:cNvSpPr>
+          <p:nvPr>
+            <p:ph type="sldNum" sz="quarter" idx="4"/>
+          </p:nvPr>
+        </p:nvSpPr>
+        <p:spPr/>
+        <p:txBody>
+          <a:bodyPr/>
+          <a:lstStyle/>
+          <a:p>
+            <a:pPr defTabSz="457200"/>
+            <a:fld id="{FDDD4222-A773-418F-B910-2323D1E47B9A}" type="slidenum">
+              <a:rPr lang="fr-FR" sz="800" smtClean="0">
+                <a:solidFill>
+                  <a:prstClr val="white"/>
+                </a:solidFill>
+              </a:rPr>
+              <a:pPr defTabSz="457200"/>
+              <a:t>14</a:t>
+            </a:fld>
+            <a:endParaRPr lang="fr-FR" sz="800" dirty="0">
+              <a:solidFill>
+                <a:prstClr val="white"/>
+              </a:solidFill>
+            </a:endParaRPr>
+          </a:p>
+        </p:txBody>
+      </p:sp>
+      <p:pic>
+        <p:nvPicPr>
+          <p:cNvPr id="6" name="Graphic 5" descr="Database">
+            <a:extLst>
+              <a:ext uri="{FF2B5EF4-FFF2-40B4-BE49-F238E27FC236}">
+                <a16:creationId xmlns:a16="http://schemas.microsoft.com/office/drawing/2014/main" id="{6751D84D-0A9A-49AA-906E-75AE47EEB888}"/>
+              </a:ext>
+            </a:extLst>
+          </p:cNvPr>
+          <p:cNvPicPr>
+            <a:picLocks noChangeAspect="1"/>
+          </p:cNvPicPr>
+          <p:nvPr/>
+        </p:nvPicPr>
+        <p:blipFill>
+          <a:blip r:embed="rId2">
+            <a:extLst>
+              <a:ext uri="{28A0092B-C50C-407E-A947-70E740481C1C}">
+                <a14:useLocalDpi xmlns:a14="http://schemas.microsoft.com/office/drawing/2010/main" val="0"/>
+              </a:ext>
+              <a:ext uri="{96DAC541-7B7A-43D3-8B79-37D633B846F1}">
+                <asvg:svgBlip xmlns:asvg="http://schemas.microsoft.com/office/drawing/2016/SVG/main" r:embed="rId3"/>
+              </a:ext>
+            </a:extLst>
+          </a:blip>
+          <a:stretch>
+            <a:fillRect/>
+          </a:stretch>
+        </p:blipFill>
+        <p:spPr>
+          <a:xfrm>
+            <a:off x="3008110" y="1374165"/>
+            <a:ext cx="770958" cy="770958"/>
+          </a:xfrm>
+          <a:prstGeom prst="rect">
+            <a:avLst/>
+          </a:prstGeom>
+        </p:spPr>
+      </p:pic>
+      <p:pic>
+        <p:nvPicPr>
+          <p:cNvPr id="10" name="Graphic 9" descr="Paper">
+            <a:extLst>
+              <a:ext uri="{FF2B5EF4-FFF2-40B4-BE49-F238E27FC236}">
+                <a16:creationId xmlns:a16="http://schemas.microsoft.com/office/drawing/2014/main" id="{0CE403AA-2222-4F06-B98F-43149CFE987E}"/>
+              </a:ext>
+            </a:extLst>
+          </p:cNvPr>
+          <p:cNvPicPr>
+            <a:picLocks noChangeAspect="1"/>
+          </p:cNvPicPr>
+          <p:nvPr/>
+        </p:nvPicPr>
+        <p:blipFill>
+          <a:blip r:embed="rId4">
+            <a:extLst>
+              <a:ext uri="{28A0092B-C50C-407E-A947-70E740481C1C}">
+                <a14:useLocalDpi xmlns:a14="http://schemas.microsoft.com/office/drawing/2010/main" val="0"/>
+              </a:ext>
+              <a:ext uri="{96DAC541-7B7A-43D3-8B79-37D633B846F1}">
+                <asvg:svgBlip xmlns:asvg="http://schemas.microsoft.com/office/drawing/2016/SVG/main" r:embed="rId5"/>
+              </a:ext>
+            </a:extLst>
+          </a:blip>
+          <a:stretch>
+            <a:fillRect/>
+          </a:stretch>
+        </p:blipFill>
+        <p:spPr>
+          <a:xfrm>
+            <a:off x="4641157" y="4457327"/>
+            <a:ext cx="914400" cy="914400"/>
+          </a:xfrm>
+          <a:prstGeom prst="rect">
+            <a:avLst/>
+          </a:prstGeom>
+        </p:spPr>
+      </p:pic>
+      <p:pic>
+        <p:nvPicPr>
+          <p:cNvPr id="12" name="Graphic 11" descr="Folder">
+            <a:extLst>
+              <a:ext uri="{FF2B5EF4-FFF2-40B4-BE49-F238E27FC236}">
+                <a16:creationId xmlns:a16="http://schemas.microsoft.com/office/drawing/2014/main" id="{81072E2A-EE9E-4EE3-849D-D50F343C13A9}"/>
+              </a:ext>
+            </a:extLst>
+          </p:cNvPr>
+          <p:cNvPicPr>
+            <a:picLocks noChangeAspect="1"/>
+          </p:cNvPicPr>
+          <p:nvPr/>
+        </p:nvPicPr>
+        <p:blipFill>
+          <a:blip r:embed="rId6">
+            <a:extLst>
+              <a:ext uri="{28A0092B-C50C-407E-A947-70E740481C1C}">
+                <a14:useLocalDpi xmlns:a14="http://schemas.microsoft.com/office/drawing/2010/main" val="0"/>
+              </a:ext>
+              <a:ext uri="{96DAC541-7B7A-43D3-8B79-37D633B846F1}">
+                <asvg:svgBlip xmlns:asvg="http://schemas.microsoft.com/office/drawing/2016/SVG/main" r:embed="rId7"/>
+              </a:ext>
+            </a:extLst>
+          </a:blip>
+          <a:stretch>
+            <a:fillRect/>
+          </a:stretch>
+        </p:blipFill>
+        <p:spPr>
+          <a:xfrm>
+            <a:off x="4379795" y="1448505"/>
+            <a:ext cx="457200" cy="457200"/>
+          </a:xfrm>
+          <a:prstGeom prst="rect">
+            <a:avLst/>
+          </a:prstGeom>
+        </p:spPr>
+      </p:pic>
+      <p:pic>
+        <p:nvPicPr>
+          <p:cNvPr id="14" name="Graphic 13" descr="Open folder">
+            <a:extLst>
+              <a:ext uri="{FF2B5EF4-FFF2-40B4-BE49-F238E27FC236}">
+                <a16:creationId xmlns:a16="http://schemas.microsoft.com/office/drawing/2014/main" id="{440CC2DD-CB2F-4541-AB03-7E4C520D44FF}"/>
+              </a:ext>
+            </a:extLst>
+          </p:cNvPr>
+          <p:cNvPicPr>
+            <a:picLocks noChangeAspect="1"/>
+          </p:cNvPicPr>
+          <p:nvPr/>
+        </p:nvPicPr>
+        <p:blipFill>
+          <a:blip r:embed="rId8">
+            <a:extLst>
+              <a:ext uri="{28A0092B-C50C-407E-A947-70E740481C1C}">
+                <a14:useLocalDpi xmlns:a14="http://schemas.microsoft.com/office/drawing/2010/main" val="0"/>
+              </a:ext>
+              <a:ext uri="{96DAC541-7B7A-43D3-8B79-37D633B846F1}">
+                <asvg:svgBlip xmlns:asvg="http://schemas.microsoft.com/office/drawing/2016/SVG/main" r:embed="rId9"/>
+              </a:ext>
+            </a:extLst>
+          </a:blip>
+          <a:stretch>
+            <a:fillRect/>
+          </a:stretch>
+        </p:blipFill>
+        <p:spPr>
+          <a:xfrm>
+            <a:off x="7738208" y="4575485"/>
+            <a:ext cx="914400" cy="914400"/>
+          </a:xfrm>
+          <a:prstGeom prst="rect">
+            <a:avLst/>
+          </a:prstGeom>
+        </p:spPr>
+      </p:pic>
+      <p:pic>
+        <p:nvPicPr>
+          <p:cNvPr id="16" name="Graphic 15" descr="Briefcase">
+            <a:extLst>
+              <a:ext uri="{FF2B5EF4-FFF2-40B4-BE49-F238E27FC236}">
+                <a16:creationId xmlns:a16="http://schemas.microsoft.com/office/drawing/2014/main" id="{5FCA679E-5346-477E-A2B5-B28C2007D109}"/>
+              </a:ext>
+            </a:extLst>
+          </p:cNvPr>
+          <p:cNvPicPr>
+            <a:picLocks noChangeAspect="1"/>
+          </p:cNvPicPr>
+          <p:nvPr/>
+        </p:nvPicPr>
+        <p:blipFill>
+          <a:blip r:embed="rId10">
+            <a:extLst>
+              <a:ext uri="{28A0092B-C50C-407E-A947-70E740481C1C}">
+                <a14:useLocalDpi xmlns:a14="http://schemas.microsoft.com/office/drawing/2010/main" val="0"/>
+              </a:ext>
+              <a:ext uri="{96DAC541-7B7A-43D3-8B79-37D633B846F1}">
+                <asvg:svgBlip xmlns:asvg="http://schemas.microsoft.com/office/drawing/2016/SVG/main" r:embed="rId11"/>
+              </a:ext>
+            </a:extLst>
+          </a:blip>
+          <a:stretch>
+            <a:fillRect/>
+          </a:stretch>
+        </p:blipFill>
+        <p:spPr>
+          <a:xfrm>
+            <a:off x="7737232" y="2959787"/>
+            <a:ext cx="914400" cy="914400"/>
+          </a:xfrm>
+          <a:prstGeom prst="rect">
+            <a:avLst/>
+          </a:prstGeom>
+        </p:spPr>
+      </p:pic>
+      <p:pic>
+        <p:nvPicPr>
+          <p:cNvPr id="18" name="Graphic 17" descr="Processor">
+            <a:extLst>
+              <a:ext uri="{FF2B5EF4-FFF2-40B4-BE49-F238E27FC236}">
+                <a16:creationId xmlns:a16="http://schemas.microsoft.com/office/drawing/2014/main" id="{75A04DE7-2DB9-4F26-A694-C9DAB534690F}"/>
+              </a:ext>
+            </a:extLst>
+          </p:cNvPr>
+          <p:cNvPicPr>
+            <a:picLocks noChangeAspect="1"/>
+          </p:cNvPicPr>
+          <p:nvPr/>
+        </p:nvPicPr>
+        <p:blipFill>
+          <a:blip r:embed="rId12">
+            <a:extLst>
+              <a:ext uri="{28A0092B-C50C-407E-A947-70E740481C1C}">
+                <a14:useLocalDpi xmlns:a14="http://schemas.microsoft.com/office/drawing/2010/main" val="0"/>
+              </a:ext>
+              <a:ext uri="{96DAC541-7B7A-43D3-8B79-37D633B846F1}">
+                <asvg:svgBlip xmlns:asvg="http://schemas.microsoft.com/office/drawing/2016/SVG/main" r:embed="rId13"/>
+              </a:ext>
+            </a:extLst>
+          </a:blip>
+          <a:stretch>
+            <a:fillRect/>
+          </a:stretch>
+        </p:blipFill>
+        <p:spPr>
+          <a:xfrm>
+            <a:off x="963029" y="3553313"/>
+            <a:ext cx="614400" cy="614400"/>
+          </a:xfrm>
+          <a:prstGeom prst="rect">
+            <a:avLst/>
+          </a:prstGeom>
+        </p:spPr>
+      </p:pic>
+      <p:pic>
+        <p:nvPicPr>
+          <p:cNvPr id="20" name="Graphic 19" descr="Optical disc">
+            <a:extLst>
+              <a:ext uri="{FF2B5EF4-FFF2-40B4-BE49-F238E27FC236}">
+                <a16:creationId xmlns:a16="http://schemas.microsoft.com/office/drawing/2014/main" id="{196DBFA2-7DA2-4A0F-8B85-D5059E957163}"/>
+              </a:ext>
+            </a:extLst>
+          </p:cNvPr>
+          <p:cNvPicPr>
+            <a:picLocks noChangeAspect="1"/>
+          </p:cNvPicPr>
+          <p:nvPr/>
+        </p:nvPicPr>
+        <p:blipFill>
+          <a:blip r:embed="rId14">
+            <a:extLst>
+              <a:ext uri="{28A0092B-C50C-407E-A947-70E740481C1C}">
+                <a14:useLocalDpi xmlns:a14="http://schemas.microsoft.com/office/drawing/2010/main" val="0"/>
+              </a:ext>
+              <a:ext uri="{96DAC541-7B7A-43D3-8B79-37D633B846F1}">
+                <asvg:svgBlip xmlns:asvg="http://schemas.microsoft.com/office/drawing/2016/SVG/main" r:embed="rId15"/>
+              </a:ext>
+            </a:extLst>
+          </a:blip>
+          <a:stretch>
+            <a:fillRect/>
+          </a:stretch>
+        </p:blipFill>
+        <p:spPr>
+          <a:xfrm>
+            <a:off x="964463" y="4220504"/>
+            <a:ext cx="614400" cy="614400"/>
+          </a:xfrm>
+          <a:prstGeom prst="rect">
+            <a:avLst/>
+          </a:prstGeom>
+        </p:spPr>
+      </p:pic>
+      <p:sp>
+        <p:nvSpPr>
+          <p:cNvPr id="21" name="TextBox 20">
+            <a:extLst>
+              <a:ext uri="{FF2B5EF4-FFF2-40B4-BE49-F238E27FC236}">
+                <a16:creationId xmlns:a16="http://schemas.microsoft.com/office/drawing/2014/main" id="{4F87C12C-0DD8-4B86-BC94-DF5A629DD5DA}"/>
+              </a:ext>
+            </a:extLst>
+          </p:cNvPr>
+          <p:cNvSpPr txBox="1"/>
+          <p:nvPr/>
+        </p:nvSpPr>
+        <p:spPr>
+          <a:xfrm>
+            <a:off x="1829682" y="3699583"/>
+            <a:ext cx="1445851" cy="534075"/>
+          </a:xfrm>
+          <a:prstGeom prst="rect">
+            <a:avLst/>
+          </a:prstGeom>
+        </p:spPr>
+        <p:txBody>
+          <a:bodyPr vert="horz" wrap="square" lIns="91440" tIns="45720" rIns="91440" bIns="45720" rtlCol="0">
+            <a:normAutofit/>
+          </a:bodyPr>
+          <a:lstStyle/>
+          <a:p>
+            <a:pPr marL="266700" marR="0" indent="-266700" algn="l" defTabSz="457200" rtl="0" eaLnBrk="1" fontAlgn="auto" latinLnBrk="0" hangingPunct="1">
+              <a:lnSpc>
+                <a:spcPct val="100000"/>
+              </a:lnSpc>
+              <a:spcBef>
+                <a:spcPct val="20000"/>
+              </a:spcBef>
+              <a:spcAft>
+                <a:spcPts val="0"/>
+              </a:spcAft>
+              <a:buClrTx/>
+              <a:buSzTx/>
+              <a:buFont typeface="Arial"/>
+              <a:buChar char="•"/>
+              <a:tabLst/>
+            </a:pPr>
+            <a:r>
+              <a:rPr kumimoji="0" lang="en-US" sz="2200" b="0" i="0" u="none" strike="noStrike" kern="1200" cap="none" spc="0" normalizeH="0" baseline="0" noProof="0" dirty="0">
+                <a:ln>
+                  <a:noFill/>
+                </a:ln>
+                <a:solidFill>
+                  <a:srgbClr val="5A5D5E"/>
+                </a:solidFill>
+                <a:effectLst/>
+                <a:uLnTx/>
+                <a:uFillTx/>
+                <a:latin typeface="+mn-lt"/>
+                <a:ea typeface="+mj-ea"/>
+                <a:cs typeface="+mj-cs"/>
+              </a:rPr>
+              <a:t>Memory</a:t>
+            </a:r>
+          </a:p>
+        </p:txBody>
+      </p:sp>
+      <p:sp>
+        <p:nvSpPr>
+          <p:cNvPr id="22" name="TextBox 21">
+            <a:extLst>
+              <a:ext uri="{FF2B5EF4-FFF2-40B4-BE49-F238E27FC236}">
+                <a16:creationId xmlns:a16="http://schemas.microsoft.com/office/drawing/2014/main" id="{801956EE-2952-4D20-B141-1B4F87928CBF}"/>
+              </a:ext>
+            </a:extLst>
+          </p:cNvPr>
+          <p:cNvSpPr txBox="1"/>
+          <p:nvPr/>
+        </p:nvSpPr>
+        <p:spPr>
+          <a:xfrm>
+            <a:off x="1815032" y="4265623"/>
+            <a:ext cx="1445851" cy="534075"/>
+          </a:xfrm>
+          <a:prstGeom prst="rect">
+            <a:avLst/>
+          </a:prstGeom>
+        </p:spPr>
+        <p:txBody>
+          <a:bodyPr vert="horz" wrap="square" lIns="91440" tIns="45720" rIns="91440" bIns="45720" rtlCol="0">
+            <a:normAutofit/>
+          </a:bodyPr>
+          <a:lstStyle/>
+          <a:p>
+            <a:pPr marL="266700" marR="0" indent="-266700" algn="l" defTabSz="457200" rtl="0" eaLnBrk="1" fontAlgn="auto" latinLnBrk="0" hangingPunct="1">
+              <a:lnSpc>
+                <a:spcPct val="100000"/>
+              </a:lnSpc>
+              <a:spcBef>
+                <a:spcPct val="20000"/>
+              </a:spcBef>
+              <a:spcAft>
+                <a:spcPts val="0"/>
+              </a:spcAft>
+              <a:buClrTx/>
+              <a:buSzTx/>
+              <a:buFont typeface="Arial"/>
+              <a:buChar char="•"/>
+              <a:tabLst/>
+            </a:pPr>
+            <a:r>
+              <a:rPr kumimoji="0" lang="en-US" sz="2200" b="0" i="0" u="none" strike="noStrike" kern="1200" cap="none" spc="0" normalizeH="0" baseline="0" noProof="0" dirty="0">
+                <a:ln>
+                  <a:noFill/>
+                </a:ln>
+                <a:solidFill>
+                  <a:srgbClr val="5A5D5E"/>
+                </a:solidFill>
+                <a:effectLst/>
+                <a:uLnTx/>
+                <a:uFillTx/>
+                <a:latin typeface="+mn-lt"/>
+                <a:ea typeface="+mj-ea"/>
+                <a:cs typeface="+mj-cs"/>
+              </a:rPr>
+              <a:t>Disk</a:t>
+            </a:r>
+          </a:p>
+        </p:txBody>
+      </p:sp>
+      <p:sp>
+        <p:nvSpPr>
+          <p:cNvPr id="23" name="Rectangle 22">
+            <a:extLst>
+              <a:ext uri="{FF2B5EF4-FFF2-40B4-BE49-F238E27FC236}">
+                <a16:creationId xmlns:a16="http://schemas.microsoft.com/office/drawing/2014/main" id="{7FD08BC6-ED44-46A7-A117-338F88187BE4}"/>
+              </a:ext>
+            </a:extLst>
+          </p:cNvPr>
+          <p:cNvSpPr/>
+          <p:nvPr/>
+        </p:nvSpPr>
+        <p:spPr>
+          <a:xfrm>
+            <a:off x="7961035" y="3771011"/>
+            <a:ext cx="466794" cy="369332"/>
+          </a:xfrm>
+          <a:prstGeom prst="rect">
+            <a:avLst/>
+          </a:prstGeom>
+        </p:spPr>
+        <p:txBody>
+          <a:bodyPr wrap="none">
+            <a:spAutoFit/>
+          </a:bodyPr>
+          <a:lstStyle/>
+          <a:p>
+            <a:r>
+              <a:rPr lang="en-US" dirty="0">
+                <a:solidFill>
+                  <a:srgbClr val="5A5D5E"/>
+                </a:solidFill>
+              </a:rPr>
+              <a:t>Zip</a:t>
+            </a:r>
+            <a:endParaRPr lang="en-US" dirty="0"/>
+          </a:p>
+        </p:txBody>
+      </p:sp>
+      <p:pic>
+        <p:nvPicPr>
+          <p:cNvPr id="25" name="Graphic 24" descr="Browser window">
+            <a:extLst>
+              <a:ext uri="{FF2B5EF4-FFF2-40B4-BE49-F238E27FC236}">
+                <a16:creationId xmlns:a16="http://schemas.microsoft.com/office/drawing/2014/main" id="{158886F8-BDCF-46B0-B037-F1613A77EDAF}"/>
+              </a:ext>
+            </a:extLst>
+          </p:cNvPr>
+          <p:cNvPicPr>
+            <a:picLocks noChangeAspect="1"/>
+          </p:cNvPicPr>
+          <p:nvPr/>
+        </p:nvPicPr>
+        <p:blipFill>
+          <a:blip r:embed="rId16">
+            <a:extLst>
+              <a:ext uri="{28A0092B-C50C-407E-A947-70E740481C1C}">
+                <a14:useLocalDpi xmlns:a14="http://schemas.microsoft.com/office/drawing/2010/main" val="0"/>
+              </a:ext>
+              <a:ext uri="{96DAC541-7B7A-43D3-8B79-37D633B846F1}">
+                <asvg:svgBlip xmlns:asvg="http://schemas.microsoft.com/office/drawing/2016/SVG/main" r:embed="rId17"/>
+              </a:ext>
+            </a:extLst>
+          </a:blip>
+          <a:stretch>
+            <a:fillRect/>
+          </a:stretch>
+        </p:blipFill>
+        <p:spPr>
+          <a:xfrm>
+            <a:off x="8321807" y="1230723"/>
+            <a:ext cx="914400" cy="914400"/>
+          </a:xfrm>
+          <a:prstGeom prst="rect">
+            <a:avLst/>
+          </a:prstGeom>
+        </p:spPr>
+      </p:pic>
+      <p:pic>
+        <p:nvPicPr>
+          <p:cNvPr id="27" name="Graphic 26" descr="Ethernet">
+            <a:extLst>
+              <a:ext uri="{FF2B5EF4-FFF2-40B4-BE49-F238E27FC236}">
+                <a16:creationId xmlns:a16="http://schemas.microsoft.com/office/drawing/2014/main" id="{A793F2C4-7D71-4B77-B250-742BD8716CC6}"/>
+              </a:ext>
+            </a:extLst>
+          </p:cNvPr>
+          <p:cNvPicPr>
+            <a:picLocks noChangeAspect="1"/>
+          </p:cNvPicPr>
+          <p:nvPr/>
+        </p:nvPicPr>
+        <p:blipFill>
+          <a:blip r:embed="rId18">
+            <a:extLst>
+              <a:ext uri="{28A0092B-C50C-407E-A947-70E740481C1C}">
+                <a14:useLocalDpi xmlns:a14="http://schemas.microsoft.com/office/drawing/2010/main" val="0"/>
+              </a:ext>
+              <a:ext uri="{96DAC541-7B7A-43D3-8B79-37D633B846F1}">
+                <asvg:svgBlip xmlns:asvg="http://schemas.microsoft.com/office/drawing/2016/SVG/main" r:embed="rId19"/>
+              </a:ext>
+            </a:extLst>
+          </a:blip>
+          <a:stretch>
+            <a:fillRect/>
+          </a:stretch>
+        </p:blipFill>
+        <p:spPr>
+          <a:xfrm>
+            <a:off x="7195471" y="1264301"/>
+            <a:ext cx="914400" cy="914400"/>
+          </a:xfrm>
+          <a:prstGeom prst="rect">
+            <a:avLst/>
+          </a:prstGeom>
+        </p:spPr>
+      </p:pic>
+      <p:sp>
+        <p:nvSpPr>
+          <p:cNvPr id="32" name="Rectangle 31">
+            <a:extLst>
+              <a:ext uri="{FF2B5EF4-FFF2-40B4-BE49-F238E27FC236}">
+                <a16:creationId xmlns:a16="http://schemas.microsoft.com/office/drawing/2014/main" id="{9CFDE7B1-3E8E-4118-8D65-B81130ADD391}"/>
+              </a:ext>
+            </a:extLst>
+          </p:cNvPr>
+          <p:cNvSpPr/>
+          <p:nvPr/>
+        </p:nvSpPr>
+        <p:spPr>
+          <a:xfrm>
+            <a:off x="8498321" y="971121"/>
+            <a:ext cx="561372" cy="369332"/>
+          </a:xfrm>
+          <a:prstGeom prst="rect">
+            <a:avLst/>
+          </a:prstGeom>
+        </p:spPr>
+        <p:txBody>
+          <a:bodyPr wrap="none">
+            <a:spAutoFit/>
+          </a:bodyPr>
+          <a:lstStyle/>
+          <a:p>
+            <a:r>
+              <a:rPr lang="en-US" dirty="0">
+                <a:solidFill>
+                  <a:srgbClr val="5A5D5E"/>
+                </a:solidFill>
+              </a:rPr>
+              <a:t>App</a:t>
+            </a:r>
+            <a:endParaRPr lang="en-US" dirty="0"/>
+          </a:p>
+        </p:txBody>
+      </p:sp>
+      <p:sp>
+        <p:nvSpPr>
+          <p:cNvPr id="33" name="Rectangle 32">
+            <a:extLst>
+              <a:ext uri="{FF2B5EF4-FFF2-40B4-BE49-F238E27FC236}">
+                <a16:creationId xmlns:a16="http://schemas.microsoft.com/office/drawing/2014/main" id="{9369DAAD-3ACF-4385-AC88-8CA225EEB3B5}"/>
+              </a:ext>
+            </a:extLst>
+          </p:cNvPr>
+          <p:cNvSpPr/>
+          <p:nvPr/>
+        </p:nvSpPr>
+        <p:spPr>
+          <a:xfrm>
+            <a:off x="7405648" y="1090548"/>
+            <a:ext cx="494046" cy="369332"/>
+          </a:xfrm>
+          <a:prstGeom prst="rect">
+            <a:avLst/>
+          </a:prstGeom>
+        </p:spPr>
+        <p:txBody>
+          <a:bodyPr wrap="none">
+            <a:spAutoFit/>
+          </a:bodyPr>
+          <a:lstStyle/>
+          <a:p>
+            <a:r>
+              <a:rPr lang="en-US" dirty="0">
+                <a:solidFill>
+                  <a:srgbClr val="5A5D5E"/>
+                </a:solidFill>
+              </a:rPr>
+              <a:t>API</a:t>
+            </a:r>
+            <a:endParaRPr lang="en-US" dirty="0"/>
+          </a:p>
+        </p:txBody>
+      </p:sp>
+      <p:sp>
+        <p:nvSpPr>
+          <p:cNvPr id="34" name="Rectangle 33">
+            <a:extLst>
+              <a:ext uri="{FF2B5EF4-FFF2-40B4-BE49-F238E27FC236}">
+                <a16:creationId xmlns:a16="http://schemas.microsoft.com/office/drawing/2014/main" id="{E18E7A2F-42E2-4034-94AD-53BF116749D4}"/>
+              </a:ext>
+            </a:extLst>
+          </p:cNvPr>
+          <p:cNvSpPr/>
+          <p:nvPr/>
+        </p:nvSpPr>
+        <p:spPr>
+          <a:xfrm>
+            <a:off x="3176136" y="1107099"/>
+            <a:ext cx="452368" cy="369332"/>
+          </a:xfrm>
+          <a:prstGeom prst="rect">
+            <a:avLst/>
+          </a:prstGeom>
+        </p:spPr>
+        <p:txBody>
+          <a:bodyPr wrap="none">
+            <a:spAutoFit/>
+          </a:bodyPr>
+          <a:lstStyle/>
+          <a:p>
+            <a:r>
+              <a:rPr lang="en-US" dirty="0">
+                <a:solidFill>
+                  <a:srgbClr val="5A5D5E"/>
+                </a:solidFill>
+              </a:rPr>
+              <a:t>DB</a:t>
+            </a:r>
+            <a:endParaRPr lang="en-US" dirty="0"/>
+          </a:p>
+        </p:txBody>
+      </p:sp>
+      <p:sp>
+        <p:nvSpPr>
+          <p:cNvPr id="35" name="Rectangle 34">
+            <a:extLst>
+              <a:ext uri="{FF2B5EF4-FFF2-40B4-BE49-F238E27FC236}">
+                <a16:creationId xmlns:a16="http://schemas.microsoft.com/office/drawing/2014/main" id="{BA5A486A-A95B-4A90-8A27-84FD8C6F86AC}"/>
+              </a:ext>
+            </a:extLst>
+          </p:cNvPr>
+          <p:cNvSpPr/>
+          <p:nvPr/>
+        </p:nvSpPr>
+        <p:spPr>
+          <a:xfrm>
+            <a:off x="2654824" y="2867053"/>
+            <a:ext cx="1219629" cy="369332"/>
+          </a:xfrm>
+          <a:prstGeom prst="rect">
+            <a:avLst/>
+          </a:prstGeom>
+        </p:spPr>
+        <p:txBody>
+          <a:bodyPr wrap="none">
+            <a:spAutoFit/>
+          </a:bodyPr>
+          <a:lstStyle/>
+          <a:p>
+            <a:r>
+              <a:rPr lang="en-US" dirty="0">
+                <a:solidFill>
+                  <a:srgbClr val="5A5D5E"/>
+                </a:solidFill>
+              </a:rPr>
+              <a:t>Workspace</a:t>
+            </a:r>
+            <a:endParaRPr lang="en-US" dirty="0"/>
+          </a:p>
+        </p:txBody>
+      </p:sp>
+      <p:sp>
+        <p:nvSpPr>
+          <p:cNvPr id="36" name="Rectangle 35">
+            <a:extLst>
+              <a:ext uri="{FF2B5EF4-FFF2-40B4-BE49-F238E27FC236}">
+                <a16:creationId xmlns:a16="http://schemas.microsoft.com/office/drawing/2014/main" id="{0221727D-BCDC-4E27-8F18-C9BB02B61E82}"/>
+              </a:ext>
+            </a:extLst>
+          </p:cNvPr>
+          <p:cNvSpPr/>
+          <p:nvPr/>
+        </p:nvSpPr>
+        <p:spPr>
+          <a:xfrm>
+            <a:off x="4810291" y="1471292"/>
+            <a:ext cx="1430969" cy="646331"/>
+          </a:xfrm>
+          <a:prstGeom prst="rect">
+            <a:avLst/>
+          </a:prstGeom>
+        </p:spPr>
+        <p:txBody>
+          <a:bodyPr wrap="none">
+            <a:spAutoFit/>
+          </a:bodyPr>
+          <a:lstStyle/>
+          <a:p>
+            <a:r>
+              <a:rPr lang="en-US" dirty="0"/>
+              <a:t>Cloud Model </a:t>
+            </a:r>
+            <a:br>
+              <a:rPr lang="en-US" dirty="0"/>
+            </a:br>
+            <a:r>
+              <a:rPr lang="en-US" dirty="0"/>
+              <a:t>management</a:t>
+            </a:r>
+          </a:p>
+        </p:txBody>
+      </p:sp>
+      <p:pic>
+        <p:nvPicPr>
+          <p:cNvPr id="38" name="Graphic 37" descr="Table">
+            <a:extLst>
+              <a:ext uri="{FF2B5EF4-FFF2-40B4-BE49-F238E27FC236}">
+                <a16:creationId xmlns:a16="http://schemas.microsoft.com/office/drawing/2014/main" id="{C2572366-FEFB-4DEF-9FD6-75E03716E378}"/>
+              </a:ext>
+            </a:extLst>
+          </p:cNvPr>
+          <p:cNvPicPr>
+            <a:picLocks noChangeAspect="1"/>
+          </p:cNvPicPr>
+          <p:nvPr/>
+        </p:nvPicPr>
+        <p:blipFill>
+          <a:blip r:embed="rId20">
+            <a:extLst>
+              <a:ext uri="{28A0092B-C50C-407E-A947-70E740481C1C}">
+                <a14:useLocalDpi xmlns:a14="http://schemas.microsoft.com/office/drawing/2010/main" val="0"/>
+              </a:ext>
+              <a:ext uri="{96DAC541-7B7A-43D3-8B79-37D633B846F1}">
+                <asvg:svgBlip xmlns:asvg="http://schemas.microsoft.com/office/drawing/2016/SVG/main" r:embed="rId21"/>
+              </a:ext>
+            </a:extLst>
+          </a:blip>
+          <a:stretch>
+            <a:fillRect/>
+          </a:stretch>
+        </p:blipFill>
+        <p:spPr>
+          <a:xfrm>
+            <a:off x="3012723" y="3051719"/>
+            <a:ext cx="799551" cy="799551"/>
+          </a:xfrm>
+          <a:prstGeom prst="rect">
+            <a:avLst/>
+          </a:prstGeom>
+        </p:spPr>
+      </p:pic>
+      <p:sp>
+        <p:nvSpPr>
+          <p:cNvPr id="39" name="Rectangle 38">
+            <a:extLst>
+              <a:ext uri="{FF2B5EF4-FFF2-40B4-BE49-F238E27FC236}">
+                <a16:creationId xmlns:a16="http://schemas.microsoft.com/office/drawing/2014/main" id="{B1B038CE-B3DE-4AD9-ACE1-714E413EA2B1}"/>
+              </a:ext>
+            </a:extLst>
+          </p:cNvPr>
+          <p:cNvSpPr/>
+          <p:nvPr/>
+        </p:nvSpPr>
+        <p:spPr>
+          <a:xfrm>
+            <a:off x="4746850" y="5241686"/>
+            <a:ext cx="703013" cy="369332"/>
+          </a:xfrm>
+          <a:prstGeom prst="rect">
+            <a:avLst/>
+          </a:prstGeom>
+        </p:spPr>
+        <p:txBody>
+          <a:bodyPr wrap="none">
+            <a:spAutoFit/>
+          </a:bodyPr>
+          <a:lstStyle/>
+          <a:p>
+            <a:r>
+              <a:rPr lang="en-US" dirty="0">
+                <a:solidFill>
+                  <a:srgbClr val="5A5D5E"/>
+                </a:solidFill>
+              </a:rPr>
+              <a:t>script</a:t>
+            </a:r>
+            <a:endParaRPr lang="en-US" dirty="0"/>
+          </a:p>
+        </p:txBody>
+      </p:sp>
+      <p:pic>
+        <p:nvPicPr>
+          <p:cNvPr id="40" name="Graphic 39" descr="Paper">
+            <a:extLst>
+              <a:ext uri="{FF2B5EF4-FFF2-40B4-BE49-F238E27FC236}">
+                <a16:creationId xmlns:a16="http://schemas.microsoft.com/office/drawing/2014/main" id="{F85D4596-8C99-4C70-A675-AF5C11602825}"/>
+              </a:ext>
+            </a:extLst>
+          </p:cNvPr>
+          <p:cNvPicPr>
+            <a:picLocks noChangeAspect="1"/>
+          </p:cNvPicPr>
+          <p:nvPr/>
+        </p:nvPicPr>
+        <p:blipFill>
+          <a:blip r:embed="rId4">
+            <a:extLst>
+              <a:ext uri="{28A0092B-C50C-407E-A947-70E740481C1C}">
+                <a14:useLocalDpi xmlns:a14="http://schemas.microsoft.com/office/drawing/2010/main" val="0"/>
+              </a:ext>
+              <a:ext uri="{96DAC541-7B7A-43D3-8B79-37D633B846F1}">
+                <asvg:svgBlip xmlns:asvg="http://schemas.microsoft.com/office/drawing/2016/SVG/main" r:embed="rId5"/>
+              </a:ext>
+            </a:extLst>
+          </a:blip>
+          <a:stretch>
+            <a:fillRect/>
+          </a:stretch>
+        </p:blipFill>
+        <p:spPr>
+          <a:xfrm>
+            <a:off x="4593344" y="3120057"/>
+            <a:ext cx="914400" cy="914400"/>
+          </a:xfrm>
+          <a:prstGeom prst="rect">
+            <a:avLst/>
+          </a:prstGeom>
+        </p:spPr>
+      </p:pic>
+      <p:cxnSp>
+        <p:nvCxnSpPr>
+          <p:cNvPr id="43" name="Straight Arrow Connector 42">
+            <a:extLst>
+              <a:ext uri="{FF2B5EF4-FFF2-40B4-BE49-F238E27FC236}">
+                <a16:creationId xmlns:a16="http://schemas.microsoft.com/office/drawing/2014/main" id="{F0769A80-4FBC-4E6C-8815-6ED41FEB8029}"/>
+              </a:ext>
+            </a:extLst>
+          </p:cNvPr>
+          <p:cNvCxnSpPr>
+            <a:cxnSpLocks/>
+          </p:cNvCxnSpPr>
+          <p:nvPr/>
+        </p:nvCxnSpPr>
+        <p:spPr>
+          <a:xfrm flipH="1" flipV="1">
+            <a:off x="3867284" y="3423400"/>
+            <a:ext cx="671050" cy="7341"/>
+          </a:xfrm>
+          <a:prstGeom prst="straightConnector1">
+            <a:avLst/>
+          </a:prstGeom>
+          <a:ln>
+            <a:tailEnd type="triangle"/>
+          </a:ln>
+        </p:spPr>
+        <p:style>
+          <a:lnRef idx="2">
+            <a:schemeClr val="accent1"/>
+          </a:lnRef>
+          <a:fillRef idx="0">
+            <a:schemeClr val="accent1"/>
+          </a:fillRef>
+          <a:effectRef idx="1">
+            <a:schemeClr val="accent1"/>
+          </a:effectRef>
+          <a:fontRef idx="minor">
+            <a:schemeClr val="tx1"/>
+          </a:fontRef>
+        </p:style>
+      </p:cxnSp>
+      <p:cxnSp>
+        <p:nvCxnSpPr>
+          <p:cNvPr id="44" name="Straight Arrow Connector 43">
+            <a:extLst>
+              <a:ext uri="{FF2B5EF4-FFF2-40B4-BE49-F238E27FC236}">
+                <a16:creationId xmlns:a16="http://schemas.microsoft.com/office/drawing/2014/main" id="{CA7431D8-9185-4BD5-9053-8DC6C0C8D893}"/>
+              </a:ext>
+            </a:extLst>
+          </p:cNvPr>
+          <p:cNvCxnSpPr>
+            <a:cxnSpLocks/>
+          </p:cNvCxnSpPr>
+          <p:nvPr/>
+        </p:nvCxnSpPr>
+        <p:spPr>
+          <a:xfrm flipH="1" flipV="1">
+            <a:off x="4971998" y="2178484"/>
+            <a:ext cx="9279" cy="616380"/>
+          </a:xfrm>
+          <a:prstGeom prst="straightConnector1">
+            <a:avLst/>
+          </a:prstGeom>
+          <a:ln>
+            <a:tailEnd type="triangle"/>
+          </a:ln>
+        </p:spPr>
+        <p:style>
+          <a:lnRef idx="2">
+            <a:schemeClr val="accent1"/>
+          </a:lnRef>
+          <a:fillRef idx="0">
+            <a:schemeClr val="accent1"/>
+          </a:fillRef>
+          <a:effectRef idx="1">
+            <a:schemeClr val="accent1"/>
+          </a:effectRef>
+          <a:fontRef idx="minor">
+            <a:schemeClr val="tx1"/>
+          </a:fontRef>
+        </p:style>
+      </p:cxnSp>
+      <p:sp>
+        <p:nvSpPr>
+          <p:cNvPr id="46" name="Rectangle: Rounded Corners 45">
+            <a:extLst>
+              <a:ext uri="{FF2B5EF4-FFF2-40B4-BE49-F238E27FC236}">
+                <a16:creationId xmlns:a16="http://schemas.microsoft.com/office/drawing/2014/main" id="{6E6641FC-4A9A-45DE-9088-F2D28D4484AD}"/>
+              </a:ext>
+            </a:extLst>
+          </p:cNvPr>
+          <p:cNvSpPr/>
+          <p:nvPr/>
+        </p:nvSpPr>
+        <p:spPr>
+          <a:xfrm>
+            <a:off x="5616063" y="2840323"/>
+            <a:ext cx="914400" cy="369332"/>
+          </a:xfrm>
+          <a:prstGeom prst="roundRect">
+            <a:avLst/>
+          </a:prstGeom>
+        </p:spPr>
+        <p:style>
+          <a:lnRef idx="2">
+            <a:schemeClr val="accent3"/>
+          </a:lnRef>
+          <a:fillRef idx="1">
+            <a:schemeClr val="lt1"/>
+          </a:fillRef>
+          <a:effectRef idx="0">
+            <a:schemeClr val="accent3"/>
+          </a:effectRef>
+          <a:fontRef idx="minor">
+            <a:schemeClr val="dk1"/>
+          </a:fontRef>
+        </p:style>
+        <p:txBody>
+          <a:bodyPr rtlCol="0" anchor="ctr"/>
+          <a:lstStyle/>
+          <a:p>
+            <a:pPr algn="ctr"/>
+            <a:r>
+              <a:rPr lang="en-US" sz="1400" dirty="0"/>
+              <a:t>autoload</a:t>
+            </a:r>
+          </a:p>
+        </p:txBody>
+      </p:sp>
+      <p:cxnSp>
+        <p:nvCxnSpPr>
+          <p:cNvPr id="47" name="Straight Arrow Connector 46">
+            <a:extLst>
+              <a:ext uri="{FF2B5EF4-FFF2-40B4-BE49-F238E27FC236}">
+                <a16:creationId xmlns:a16="http://schemas.microsoft.com/office/drawing/2014/main" id="{289F07B4-26CF-4DAE-9D7B-2F7A32E833F0}"/>
+              </a:ext>
+            </a:extLst>
+          </p:cNvPr>
+          <p:cNvCxnSpPr>
+            <a:cxnSpLocks/>
+          </p:cNvCxnSpPr>
+          <p:nvPr/>
+        </p:nvCxnSpPr>
+        <p:spPr>
+          <a:xfrm flipV="1">
+            <a:off x="5651420" y="3552633"/>
+            <a:ext cx="1927132" cy="27429"/>
+          </a:xfrm>
+          <a:prstGeom prst="straightConnector1">
+            <a:avLst/>
+          </a:prstGeom>
+          <a:ln>
+            <a:tailEnd type="triangle"/>
+          </a:ln>
+        </p:spPr>
+        <p:style>
+          <a:lnRef idx="2">
+            <a:schemeClr val="accent1"/>
+          </a:lnRef>
+          <a:fillRef idx="0">
+            <a:schemeClr val="accent1"/>
+          </a:fillRef>
+          <a:effectRef idx="1">
+            <a:schemeClr val="accent1"/>
+          </a:effectRef>
+          <a:fontRef idx="minor">
+            <a:schemeClr val="tx1"/>
+          </a:fontRef>
+        </p:style>
+      </p:cxnSp>
+      <p:grpSp>
+        <p:nvGrpSpPr>
+          <p:cNvPr id="9" name="Group 8">
+            <a:extLst>
+              <a:ext uri="{FF2B5EF4-FFF2-40B4-BE49-F238E27FC236}">
+                <a16:creationId xmlns:a16="http://schemas.microsoft.com/office/drawing/2014/main" id="{B973A330-DAE3-4580-B427-67EDBC05D063}"/>
+              </a:ext>
+            </a:extLst>
+          </p:cNvPr>
+          <p:cNvGrpSpPr/>
+          <p:nvPr/>
+        </p:nvGrpSpPr>
+        <p:grpSpPr>
+          <a:xfrm rot="16200000">
+            <a:off x="7814463" y="2077963"/>
+            <a:ext cx="755945" cy="776672"/>
+            <a:chOff x="8159706" y="3078538"/>
+            <a:chExt cx="1522821" cy="776672"/>
+          </a:xfrm>
+        </p:grpSpPr>
+        <p:cxnSp>
+          <p:nvCxnSpPr>
+            <p:cNvPr id="50" name="Straight Arrow Connector 49">
+              <a:extLst>
+                <a:ext uri="{FF2B5EF4-FFF2-40B4-BE49-F238E27FC236}">
+                  <a16:creationId xmlns:a16="http://schemas.microsoft.com/office/drawing/2014/main" id="{B8821A28-EB70-43DD-8085-F55465F73C92}"/>
+                </a:ext>
+              </a:extLst>
+            </p:cNvPr>
+            <p:cNvCxnSpPr>
+              <a:cxnSpLocks/>
+            </p:cNvCxnSpPr>
+            <p:nvPr/>
+          </p:nvCxnSpPr>
+          <p:spPr>
+            <a:xfrm flipV="1">
+              <a:off x="8183982" y="3078538"/>
+              <a:ext cx="1487844" cy="310414"/>
+            </a:xfrm>
+            <a:prstGeom prst="straightConnector1">
+              <a:avLst/>
+            </a:prstGeom>
+            <a:ln>
+              <a:tailEnd type="triangle"/>
+            </a:ln>
+          </p:spPr>
+          <p:style>
+            <a:lnRef idx="2">
+              <a:schemeClr val="accent1"/>
+            </a:lnRef>
+            <a:fillRef idx="0">
+              <a:schemeClr val="accent1"/>
+            </a:fillRef>
+            <a:effectRef idx="1">
+              <a:schemeClr val="accent1"/>
+            </a:effectRef>
+            <a:fontRef idx="minor">
+              <a:schemeClr val="tx1"/>
+            </a:fontRef>
+          </p:style>
+        </p:cxnSp>
+        <p:cxnSp>
+          <p:nvCxnSpPr>
+            <p:cNvPr id="52" name="Straight Arrow Connector 51">
+              <a:extLst>
+                <a:ext uri="{FF2B5EF4-FFF2-40B4-BE49-F238E27FC236}">
+                  <a16:creationId xmlns:a16="http://schemas.microsoft.com/office/drawing/2014/main" id="{107F310E-E5EE-4C9D-9CAD-59726878D445}"/>
+                </a:ext>
+              </a:extLst>
+            </p:cNvPr>
+            <p:cNvCxnSpPr>
+              <a:cxnSpLocks/>
+            </p:cNvCxnSpPr>
+            <p:nvPr/>
+          </p:nvCxnSpPr>
+          <p:spPr>
+            <a:xfrm>
+              <a:off x="8159706" y="3596246"/>
+              <a:ext cx="1522821" cy="258964"/>
+            </a:xfrm>
+            <a:prstGeom prst="straightConnector1">
+              <a:avLst/>
+            </a:prstGeom>
+            <a:ln>
+              <a:tailEnd type="triangle"/>
+            </a:ln>
+          </p:spPr>
+          <p:style>
+            <a:lnRef idx="2">
+              <a:schemeClr val="accent1"/>
+            </a:lnRef>
+            <a:fillRef idx="0">
+              <a:schemeClr val="accent1"/>
+            </a:fillRef>
+            <a:effectRef idx="1">
+              <a:schemeClr val="accent1"/>
+            </a:effectRef>
+            <a:fontRef idx="minor">
+              <a:schemeClr val="tx1"/>
+            </a:fontRef>
+          </p:style>
+        </p:cxnSp>
+      </p:grpSp>
+      <p:cxnSp>
+        <p:nvCxnSpPr>
+          <p:cNvPr id="55" name="Straight Connector 54">
+            <a:extLst>
+              <a:ext uri="{FF2B5EF4-FFF2-40B4-BE49-F238E27FC236}">
+                <a16:creationId xmlns:a16="http://schemas.microsoft.com/office/drawing/2014/main" id="{869667E8-D458-4B9D-9054-B88AC06111AC}"/>
+              </a:ext>
+            </a:extLst>
+          </p:cNvPr>
+          <p:cNvCxnSpPr>
+            <a:cxnSpLocks/>
+          </p:cNvCxnSpPr>
+          <p:nvPr/>
+        </p:nvCxnSpPr>
+        <p:spPr>
+          <a:xfrm>
+            <a:off x="886165" y="4243934"/>
+            <a:ext cx="10348073" cy="44477"/>
+          </a:xfrm>
+          <a:prstGeom prst="line">
+            <a:avLst/>
+          </a:prstGeom>
+          <a:ln w="9525" cap="flat" cmpd="sng" algn="ctr">
+            <a:solidFill>
+              <a:schemeClr val="dk1"/>
+            </a:solidFill>
+            <a:prstDash val="dash"/>
+            <a:round/>
+            <a:headEnd type="none" w="med" len="med"/>
+            <a:tailEnd type="none" w="med" len="med"/>
+          </a:ln>
+        </p:spPr>
+        <p:style>
+          <a:lnRef idx="0">
+            <a:scrgbClr r="0" g="0" b="0"/>
+          </a:lnRef>
+          <a:fillRef idx="0">
+            <a:scrgbClr r="0" g="0" b="0"/>
+          </a:fillRef>
+          <a:effectRef idx="0">
+            <a:scrgbClr r="0" g="0" b="0"/>
+          </a:effectRef>
+          <a:fontRef idx="minor">
+            <a:schemeClr val="tx1"/>
+          </a:fontRef>
+        </p:style>
+      </p:cxnSp>
+      <p:cxnSp>
+        <p:nvCxnSpPr>
+          <p:cNvPr id="56" name="Straight Arrow Connector 55">
+            <a:extLst>
+              <a:ext uri="{FF2B5EF4-FFF2-40B4-BE49-F238E27FC236}">
+                <a16:creationId xmlns:a16="http://schemas.microsoft.com/office/drawing/2014/main" id="{EEA96135-BF37-4899-9100-B4BDBFF39089}"/>
+              </a:ext>
+            </a:extLst>
+          </p:cNvPr>
+          <p:cNvCxnSpPr>
+            <a:cxnSpLocks/>
+          </p:cNvCxnSpPr>
+          <p:nvPr/>
+        </p:nvCxnSpPr>
+        <p:spPr>
+          <a:xfrm flipV="1">
+            <a:off x="5014832" y="4064613"/>
+            <a:ext cx="0" cy="338089"/>
+          </a:xfrm>
+          <a:prstGeom prst="straightConnector1">
+            <a:avLst/>
+          </a:prstGeom>
+          <a:ln>
+            <a:tailEnd type="triangle"/>
+          </a:ln>
+        </p:spPr>
+        <p:style>
+          <a:lnRef idx="2">
+            <a:schemeClr val="accent1"/>
+          </a:lnRef>
+          <a:fillRef idx="0">
+            <a:schemeClr val="accent1"/>
+          </a:fillRef>
+          <a:effectRef idx="1">
+            <a:schemeClr val="accent1"/>
+          </a:effectRef>
+          <a:fontRef idx="minor">
+            <a:schemeClr val="tx1"/>
+          </a:fontRef>
+        </p:style>
+      </p:cxnSp>
+      <p:sp>
+        <p:nvSpPr>
+          <p:cNvPr id="3" name="Rectangle 2">
+            <a:extLst>
+              <a:ext uri="{FF2B5EF4-FFF2-40B4-BE49-F238E27FC236}">
+                <a16:creationId xmlns:a16="http://schemas.microsoft.com/office/drawing/2014/main" id="{6DC6904C-98EA-4EAE-B40B-518742F55806}"/>
+              </a:ext>
+            </a:extLst>
+          </p:cNvPr>
+          <p:cNvSpPr/>
+          <p:nvPr/>
+        </p:nvSpPr>
+        <p:spPr>
+          <a:xfrm>
+            <a:off x="1017783" y="3096516"/>
+            <a:ext cx="620554" cy="369332"/>
+          </a:xfrm>
+          <a:prstGeom prst="rect">
+            <a:avLst/>
+          </a:prstGeom>
+        </p:spPr>
+        <p:txBody>
+          <a:bodyPr wrap="none">
+            <a:spAutoFit/>
+          </a:bodyPr>
+          <a:lstStyle/>
+          <a:p>
+            <a:r>
+              <a:rPr lang="en-US" dirty="0">
+                <a:solidFill>
+                  <a:srgbClr val="5A5D5E"/>
+                </a:solidFill>
+              </a:rPr>
+              <a:t>Data</a:t>
+            </a:r>
+            <a:endParaRPr lang="en-US" dirty="0"/>
+          </a:p>
+        </p:txBody>
+      </p:sp>
+      <p:pic>
+        <p:nvPicPr>
+          <p:cNvPr id="42" name="Graphic 41" descr="Paper">
+            <a:extLst>
+              <a:ext uri="{FF2B5EF4-FFF2-40B4-BE49-F238E27FC236}">
+                <a16:creationId xmlns:a16="http://schemas.microsoft.com/office/drawing/2014/main" id="{A46997CC-F8C0-437E-8F67-D798036CB56C}"/>
+              </a:ext>
+            </a:extLst>
+          </p:cNvPr>
+          <p:cNvPicPr>
+            <a:picLocks noChangeAspect="1"/>
+          </p:cNvPicPr>
+          <p:nvPr/>
+        </p:nvPicPr>
+        <p:blipFill>
+          <a:blip r:embed="rId4">
+            <a:extLst>
+              <a:ext uri="{28A0092B-C50C-407E-A947-70E740481C1C}">
+                <a14:useLocalDpi xmlns:a14="http://schemas.microsoft.com/office/drawing/2010/main" val="0"/>
+              </a:ext>
+              <a:ext uri="{96DAC541-7B7A-43D3-8B79-37D633B846F1}">
+                <asvg:svgBlip xmlns:asvg="http://schemas.microsoft.com/office/drawing/2016/SVG/main" r:embed="rId5"/>
+              </a:ext>
+            </a:extLst>
+          </a:blip>
+          <a:stretch>
+            <a:fillRect/>
+          </a:stretch>
+        </p:blipFill>
+        <p:spPr>
+          <a:xfrm>
+            <a:off x="2896777" y="4460571"/>
+            <a:ext cx="914400" cy="914400"/>
+          </a:xfrm>
+          <a:prstGeom prst="rect">
+            <a:avLst/>
+          </a:prstGeom>
+        </p:spPr>
+      </p:pic>
+      <p:sp>
+        <p:nvSpPr>
+          <p:cNvPr id="45" name="Rectangle 44">
+            <a:extLst>
+              <a:ext uri="{FF2B5EF4-FFF2-40B4-BE49-F238E27FC236}">
+                <a16:creationId xmlns:a16="http://schemas.microsoft.com/office/drawing/2014/main" id="{BF21BB9F-F153-4D20-A4B1-2D0D90C7D26D}"/>
+              </a:ext>
+            </a:extLst>
+          </p:cNvPr>
+          <p:cNvSpPr/>
+          <p:nvPr/>
+        </p:nvSpPr>
+        <p:spPr>
+          <a:xfrm>
+            <a:off x="3065911" y="4851318"/>
+            <a:ext cx="530658" cy="369332"/>
+          </a:xfrm>
+          <a:prstGeom prst="rect">
+            <a:avLst/>
+          </a:prstGeom>
+        </p:spPr>
+        <p:txBody>
+          <a:bodyPr wrap="none">
+            <a:spAutoFit/>
+          </a:bodyPr>
+          <a:lstStyle/>
+          <a:p>
+            <a:r>
+              <a:rPr lang="en-US" dirty="0">
+                <a:solidFill>
+                  <a:srgbClr val="5A5D5E"/>
+                </a:solidFill>
+              </a:rPr>
+              <a:t>.csv</a:t>
+            </a:r>
+            <a:endParaRPr lang="en-US" dirty="0"/>
+          </a:p>
+        </p:txBody>
+      </p:sp>
+      <p:sp>
+        <p:nvSpPr>
+          <p:cNvPr id="17" name="Rectangle 16">
+            <a:extLst>
+              <a:ext uri="{FF2B5EF4-FFF2-40B4-BE49-F238E27FC236}">
+                <a16:creationId xmlns:a16="http://schemas.microsoft.com/office/drawing/2014/main" id="{23945155-1FC2-443C-9414-9016CA379E3D}"/>
+              </a:ext>
+            </a:extLst>
+          </p:cNvPr>
+          <p:cNvSpPr/>
+          <p:nvPr/>
+        </p:nvSpPr>
+        <p:spPr>
+          <a:xfrm>
+            <a:off x="5603259" y="4640674"/>
+            <a:ext cx="2802730" cy="646331"/>
+          </a:xfrm>
+          <a:prstGeom prst="rect">
+            <a:avLst/>
+          </a:prstGeom>
+        </p:spPr>
+        <p:txBody>
+          <a:bodyPr wrap="square">
+            <a:spAutoFit/>
+          </a:bodyPr>
+          <a:lstStyle/>
+          <a:p>
+            <a:r>
+              <a:rPr lang="en-US" dirty="0"/>
+              <a:t>Local File</a:t>
+            </a:r>
+            <a:br>
+              <a:rPr lang="en-US" dirty="0"/>
+            </a:br>
+            <a:r>
+              <a:rPr lang="en-US" dirty="0"/>
+              <a:t>management</a:t>
+            </a:r>
+          </a:p>
+        </p:txBody>
+      </p:sp>
+      <p:sp>
+        <p:nvSpPr>
+          <p:cNvPr id="19" name="Rectangle 18">
+            <a:extLst>
+              <a:ext uri="{FF2B5EF4-FFF2-40B4-BE49-F238E27FC236}">
+                <a16:creationId xmlns:a16="http://schemas.microsoft.com/office/drawing/2014/main" id="{4F4A0732-93EB-47DF-B14C-B47C00572094}"/>
+              </a:ext>
+            </a:extLst>
+          </p:cNvPr>
+          <p:cNvSpPr/>
+          <p:nvPr/>
+        </p:nvSpPr>
+        <p:spPr>
+          <a:xfrm>
+            <a:off x="4509908" y="2855651"/>
+            <a:ext cx="1095172" cy="369332"/>
+          </a:xfrm>
+          <a:prstGeom prst="rect">
+            <a:avLst/>
+          </a:prstGeom>
+        </p:spPr>
+        <p:txBody>
+          <a:bodyPr wrap="none">
+            <a:spAutoFit/>
+          </a:bodyPr>
+          <a:lstStyle/>
+          <a:p>
+            <a:r>
+              <a:rPr lang="en-US" dirty="0">
+                <a:solidFill>
+                  <a:srgbClr val="5A5D5E"/>
+                </a:solidFill>
+              </a:rPr>
+              <a:t>Functions</a:t>
+            </a:r>
+            <a:endParaRPr lang="en-US" dirty="0"/>
+          </a:p>
+        </p:txBody>
+      </p:sp>
+      <p:cxnSp>
+        <p:nvCxnSpPr>
+          <p:cNvPr id="51" name="Straight Connector 50">
+            <a:extLst>
+              <a:ext uri="{FF2B5EF4-FFF2-40B4-BE49-F238E27FC236}">
+                <a16:creationId xmlns:a16="http://schemas.microsoft.com/office/drawing/2014/main" id="{F768FF71-3323-448B-A19E-FF2C60CAD366}"/>
+              </a:ext>
+            </a:extLst>
+          </p:cNvPr>
+          <p:cNvCxnSpPr>
+            <a:cxnSpLocks/>
+          </p:cNvCxnSpPr>
+          <p:nvPr/>
+        </p:nvCxnSpPr>
+        <p:spPr>
+          <a:xfrm>
+            <a:off x="851717" y="2487225"/>
+            <a:ext cx="10379147" cy="43953"/>
+          </a:xfrm>
+          <a:prstGeom prst="line">
+            <a:avLst/>
+          </a:prstGeom>
+          <a:ln w="9525" cap="flat" cmpd="sng" algn="ctr">
+            <a:solidFill>
+              <a:schemeClr val="dk1"/>
+            </a:solidFill>
+            <a:prstDash val="dash"/>
+            <a:round/>
+            <a:headEnd type="none" w="med" len="med"/>
+            <a:tailEnd type="none" w="med" len="med"/>
+          </a:ln>
+        </p:spPr>
+        <p:style>
+          <a:lnRef idx="0">
+            <a:scrgbClr r="0" g="0" b="0"/>
+          </a:lnRef>
+          <a:fillRef idx="0">
+            <a:scrgbClr r="0" g="0" b="0"/>
+          </a:fillRef>
+          <a:effectRef idx="0">
+            <a:scrgbClr r="0" g="0" b="0"/>
+          </a:effectRef>
+          <a:fontRef idx="minor">
+            <a:schemeClr val="tx1"/>
+          </a:fontRef>
+        </p:style>
+      </p:cxnSp>
+      <p:cxnSp>
+        <p:nvCxnSpPr>
+          <p:cNvPr id="53" name="Straight Arrow Connector 52">
+            <a:extLst>
+              <a:ext uri="{FF2B5EF4-FFF2-40B4-BE49-F238E27FC236}">
+                <a16:creationId xmlns:a16="http://schemas.microsoft.com/office/drawing/2014/main" id="{E7F889AC-A043-45A0-A4C1-0FCD1C8065F8}"/>
+              </a:ext>
+            </a:extLst>
+          </p:cNvPr>
+          <p:cNvCxnSpPr>
+            <a:cxnSpLocks/>
+          </p:cNvCxnSpPr>
+          <p:nvPr/>
+        </p:nvCxnSpPr>
+        <p:spPr>
+          <a:xfrm flipH="1" flipV="1">
+            <a:off x="3393041" y="2178374"/>
+            <a:ext cx="9279" cy="616380"/>
+          </a:xfrm>
+          <a:prstGeom prst="straightConnector1">
+            <a:avLst/>
+          </a:prstGeom>
+          <a:ln>
+            <a:tailEnd type="triangle"/>
+          </a:ln>
+        </p:spPr>
+        <p:style>
+          <a:lnRef idx="2">
+            <a:schemeClr val="accent1"/>
+          </a:lnRef>
+          <a:fillRef idx="0">
+            <a:schemeClr val="accent1"/>
+          </a:fillRef>
+          <a:effectRef idx="1">
+            <a:schemeClr val="accent1"/>
+          </a:effectRef>
+          <a:fontRef idx="minor">
+            <a:schemeClr val="tx1"/>
+          </a:fontRef>
+        </p:style>
+      </p:cxnSp>
+      <p:pic>
+        <p:nvPicPr>
+          <p:cNvPr id="54" name="Picture 53">
+            <a:extLst>
+              <a:ext uri="{FF2B5EF4-FFF2-40B4-BE49-F238E27FC236}">
+                <a16:creationId xmlns:a16="http://schemas.microsoft.com/office/drawing/2014/main" id="{01D8EBAD-4A23-4F16-8151-7D3871EF6C38}"/>
+              </a:ext>
+            </a:extLst>
+          </p:cNvPr>
+          <p:cNvPicPr>
+            <a:picLocks noChangeAspect="1"/>
+          </p:cNvPicPr>
+          <p:nvPr/>
+        </p:nvPicPr>
+        <p:blipFill rotWithShape="1">
+          <a:blip r:embed="rId22">
+            <a:extLst>
+              <a:ext uri="{28A0092B-C50C-407E-A947-70E740481C1C}">
+                <a14:useLocalDpi xmlns:a14="http://schemas.microsoft.com/office/drawing/2010/main" val="0"/>
+              </a:ext>
+            </a:extLst>
+          </a:blip>
+          <a:srcRect b="41069"/>
+          <a:stretch/>
+        </p:blipFill>
+        <p:spPr>
+          <a:xfrm>
+            <a:off x="954435" y="1738419"/>
+            <a:ext cx="962223" cy="643584"/>
+          </a:xfrm>
+          <a:prstGeom prst="rect">
+            <a:avLst/>
+          </a:prstGeom>
+        </p:spPr>
+      </p:pic>
+      <p:sp>
+        <p:nvSpPr>
+          <p:cNvPr id="57" name="TextBox 56">
+            <a:extLst>
+              <a:ext uri="{FF2B5EF4-FFF2-40B4-BE49-F238E27FC236}">
+                <a16:creationId xmlns:a16="http://schemas.microsoft.com/office/drawing/2014/main" id="{D9033393-97A4-42DA-9147-38D24A0FFC2E}"/>
+              </a:ext>
+            </a:extLst>
+          </p:cNvPr>
+          <p:cNvSpPr txBox="1"/>
+          <p:nvPr/>
+        </p:nvSpPr>
+        <p:spPr>
+          <a:xfrm>
+            <a:off x="1083482" y="1859541"/>
+            <a:ext cx="1721355" cy="596701"/>
+          </a:xfrm>
+          <a:prstGeom prst="rect">
+            <a:avLst/>
+          </a:prstGeom>
+        </p:spPr>
+        <p:txBody>
+          <a:bodyPr vert="horz" wrap="square" lIns="91440" tIns="45720" rIns="91440" bIns="45720" rtlCol="0">
+            <a:normAutofit/>
+          </a:bodyPr>
+          <a:lstStyle/>
+          <a:p>
+            <a:pPr marL="0" marR="0" lvl="0" indent="0" algn="ctr" defTabSz="457200" rtl="0" eaLnBrk="1" fontAlgn="auto" latinLnBrk="0" hangingPunct="1">
+              <a:lnSpc>
+                <a:spcPct val="100000"/>
+              </a:lnSpc>
+              <a:spcBef>
+                <a:spcPct val="20000"/>
+              </a:spcBef>
+              <a:spcAft>
+                <a:spcPts val="0"/>
+              </a:spcAft>
+              <a:buClrTx/>
+              <a:buSzTx/>
+              <a:buFontTx/>
+              <a:buNone/>
+              <a:tabLst/>
+              <a:defRPr/>
+            </a:pPr>
+            <a:r>
+              <a:rPr kumimoji="0" lang="en-GB" sz="3200" b="1" i="0" u="none" strike="noStrike" kern="1200" cap="none" spc="0" normalizeH="0" baseline="0" noProof="0" dirty="0">
+                <a:ln>
+                  <a:noFill/>
+                </a:ln>
+                <a:solidFill>
+                  <a:srgbClr val="1C5E9A"/>
+                </a:solidFill>
+                <a:effectLst/>
+                <a:uLnTx/>
+                <a:uFillTx/>
+                <a:latin typeface="Calibri"/>
+                <a:ea typeface="+mn-ea"/>
+                <a:cs typeface="+mn-cs"/>
+              </a:rPr>
+              <a:t>Analytics</a:t>
+            </a:r>
+          </a:p>
+        </p:txBody>
+      </p:sp>
+    </p:spTree>
+    <p:extLst>
+      <p:ext uri="{BB962C8B-B14F-4D97-AF65-F5344CB8AC3E}">
+        <p14:creationId xmlns:p14="http://schemas.microsoft.com/office/powerpoint/2010/main" val="372762394"/>
+      </p:ext>
+    </p:extLst>
+  </p:cSld>
+  <p:clrMapOvr>
+    <a:masterClrMapping/>
+  </p:clrMapOvr>
+</p:sld>
+</file>
+
+<file path=ppt/slides/slide15.xml><?xml version="1.0" encoding="utf-8"?>
+<p:sld xmlns:a="http://schemas.openxmlformats.org/drawingml/2006/main" xmlns:r="http://schemas.openxmlformats.org/officeDocument/2006/relationships" xmlns:p="http://schemas.openxmlformats.org/presentationml/2006/main">
+  <p:cSld>
+    <p:spTree>
+      <p:nvGrpSpPr>
+        <p:cNvPr id="1" name=""/>
+        <p:cNvGrpSpPr/>
+        <p:nvPr/>
+      </p:nvGrpSpPr>
+      <p:grpSpPr>
+        <a:xfrm>
+          <a:off x="0" y="0"/>
+          <a:ext cx="0" cy="0"/>
+          <a:chOff x="0" y="0"/>
+          <a:chExt cx="0" cy="0"/>
+        </a:xfrm>
+      </p:grpSpPr>
+      <p:sp>
+        <p:nvSpPr>
+          <p:cNvPr id="2" name="Title 1">
+            <a:extLst>
+              <a:ext uri="{FF2B5EF4-FFF2-40B4-BE49-F238E27FC236}">
+                <a16:creationId xmlns:a16="http://schemas.microsoft.com/office/drawing/2014/main" id="{BA930468-2468-4CA8-BA4C-C797398CA3BE}"/>
+              </a:ext>
+            </a:extLst>
+          </p:cNvPr>
+          <p:cNvSpPr>
+            <a:spLocks noGrp="1"/>
+          </p:cNvSpPr>
+          <p:nvPr>
+            <p:ph type="title"/>
+          </p:nvPr>
+        </p:nvSpPr>
+        <p:spPr/>
+        <p:txBody>
+          <a:bodyPr/>
+          <a:lstStyle/>
+          <a:p>
+            <a:r>
+              <a:rPr lang="en-US" dirty="0"/>
+              <a:t>Desktop &amp; Cloud data import</a:t>
+            </a:r>
+          </a:p>
+        </p:txBody>
+      </p:sp>
+      <p:sp>
+        <p:nvSpPr>
+          <p:cNvPr id="3" name="Text Placeholder 2">
+            <a:extLst>
+              <a:ext uri="{FF2B5EF4-FFF2-40B4-BE49-F238E27FC236}">
+                <a16:creationId xmlns:a16="http://schemas.microsoft.com/office/drawing/2014/main" id="{2A75F902-CAC8-442C-97DE-9578833EB262}"/>
+              </a:ext>
+            </a:extLst>
+          </p:cNvPr>
+          <p:cNvSpPr>
+            <a:spLocks noGrp="1"/>
+          </p:cNvSpPr>
+          <p:nvPr>
+            <p:ph type="body" sz="quarter" idx="13"/>
+          </p:nvPr>
+        </p:nvSpPr>
+        <p:spPr/>
+        <p:txBody>
+          <a:bodyPr>
+            <a:normAutofit lnSpcReduction="10000"/>
+          </a:bodyPr>
+          <a:lstStyle/>
+          <a:p>
+            <a:r>
+              <a:rPr lang="en-GB" sz="2800" b="1" dirty="0">
+                <a:solidFill>
+                  <a:srgbClr val="1C5E9A"/>
+                </a:solidFill>
+                <a:latin typeface="Calibri"/>
+              </a:rPr>
+              <a:t>Analytics</a:t>
+            </a:r>
+            <a:r>
+              <a:rPr lang="en-US" dirty="0"/>
+              <a:t> Server </a:t>
+            </a:r>
+          </a:p>
+        </p:txBody>
+      </p:sp>
+      <p:sp>
+        <p:nvSpPr>
+          <p:cNvPr id="4" name="Text Placeholder 3">
+            <a:extLst>
+              <a:ext uri="{FF2B5EF4-FFF2-40B4-BE49-F238E27FC236}">
+                <a16:creationId xmlns:a16="http://schemas.microsoft.com/office/drawing/2014/main" id="{3FACE8EF-D489-41CC-9D9A-37B5B1C50BDE}"/>
+              </a:ext>
+            </a:extLst>
+          </p:cNvPr>
+          <p:cNvSpPr>
+            <a:spLocks noGrp="1"/>
+          </p:cNvSpPr>
+          <p:nvPr>
+            <p:ph type="body" sz="quarter" idx="15"/>
+          </p:nvPr>
+        </p:nvSpPr>
+        <p:spPr/>
+        <p:txBody>
+          <a:bodyPr/>
+          <a:lstStyle/>
+          <a:p>
+            <a:endParaRPr lang="en-US"/>
+          </a:p>
+        </p:txBody>
+      </p:sp>
+      <p:pic>
+        <p:nvPicPr>
+          <p:cNvPr id="5" name="Picture 4">
+            <a:extLst>
+              <a:ext uri="{FF2B5EF4-FFF2-40B4-BE49-F238E27FC236}">
+                <a16:creationId xmlns:a16="http://schemas.microsoft.com/office/drawing/2014/main" id="{338282A7-2830-4B03-B9E8-2C6DD568E1A6}"/>
+              </a:ext>
+            </a:extLst>
+          </p:cNvPr>
+          <p:cNvPicPr>
+            <a:picLocks noChangeAspect="1"/>
+          </p:cNvPicPr>
+          <p:nvPr/>
+        </p:nvPicPr>
+        <p:blipFill>
+          <a:blip r:embed="rId2"/>
+          <a:stretch>
+            <a:fillRect/>
+          </a:stretch>
+        </p:blipFill>
+        <p:spPr>
+          <a:xfrm>
+            <a:off x="3269147" y="1410391"/>
+            <a:ext cx="2597579" cy="2048673"/>
+          </a:xfrm>
+          <a:prstGeom prst="rect">
+            <a:avLst/>
+          </a:prstGeom>
+        </p:spPr>
+      </p:pic>
+      <p:pic>
+        <p:nvPicPr>
+          <p:cNvPr id="6" name="Graphic 5" descr="Laptop">
+            <a:extLst>
+              <a:ext uri="{FF2B5EF4-FFF2-40B4-BE49-F238E27FC236}">
+                <a16:creationId xmlns:a16="http://schemas.microsoft.com/office/drawing/2014/main" id="{1D43F551-9082-46E4-85A7-ADF7E3FDA92C}"/>
+              </a:ext>
+            </a:extLst>
+          </p:cNvPr>
+          <p:cNvPicPr>
+            <a:picLocks noChangeAspect="1"/>
+          </p:cNvPicPr>
+          <p:nvPr/>
+        </p:nvPicPr>
+        <p:blipFill>
+          <a:blip r:embed="rId3">
+            <a:extLst>
+              <a:ext uri="{28A0092B-C50C-407E-A947-70E740481C1C}">
+                <a14:useLocalDpi xmlns:a14="http://schemas.microsoft.com/office/drawing/2010/main" val="0"/>
+              </a:ext>
+              <a:ext uri="{96DAC541-7B7A-43D3-8B79-37D633B846F1}">
+                <asvg:svgBlip xmlns:asvg="http://schemas.microsoft.com/office/drawing/2016/SVG/main" r:embed="rId4"/>
+              </a:ext>
+            </a:extLst>
+          </a:blip>
+          <a:stretch>
+            <a:fillRect/>
+          </a:stretch>
+        </p:blipFill>
+        <p:spPr>
+          <a:xfrm>
+            <a:off x="772366" y="2003899"/>
+            <a:ext cx="914400" cy="914400"/>
+          </a:xfrm>
+          <a:prstGeom prst="rect">
+            <a:avLst/>
+          </a:prstGeom>
+        </p:spPr>
+      </p:pic>
+      <p:cxnSp>
+        <p:nvCxnSpPr>
+          <p:cNvPr id="7" name="Straight Arrow Connector 6">
+            <a:extLst>
+              <a:ext uri="{FF2B5EF4-FFF2-40B4-BE49-F238E27FC236}">
+                <a16:creationId xmlns:a16="http://schemas.microsoft.com/office/drawing/2014/main" id="{1436A8D8-BD04-498A-922D-40F51B410A34}"/>
+              </a:ext>
+            </a:extLst>
+          </p:cNvPr>
+          <p:cNvCxnSpPr>
+            <a:cxnSpLocks/>
+          </p:cNvCxnSpPr>
+          <p:nvPr/>
+        </p:nvCxnSpPr>
+        <p:spPr>
+          <a:xfrm>
+            <a:off x="1965639" y="2417474"/>
+            <a:ext cx="947494" cy="0"/>
+          </a:xfrm>
+          <a:prstGeom prst="straightConnector1">
+            <a:avLst/>
+          </a:prstGeom>
+          <a:ln>
+            <a:tailEnd type="triangle"/>
+          </a:ln>
+        </p:spPr>
+        <p:style>
+          <a:lnRef idx="2">
+            <a:schemeClr val="accent1"/>
+          </a:lnRef>
+          <a:fillRef idx="0">
+            <a:schemeClr val="accent1"/>
+          </a:fillRef>
+          <a:effectRef idx="1">
+            <a:schemeClr val="accent1"/>
+          </a:effectRef>
+          <a:fontRef idx="minor">
+            <a:schemeClr val="tx1"/>
+          </a:fontRef>
+        </p:style>
+      </p:cxnSp>
+      <p:pic>
+        <p:nvPicPr>
+          <p:cNvPr id="9" name="Picture 8">
+            <a:extLst>
+              <a:ext uri="{FF2B5EF4-FFF2-40B4-BE49-F238E27FC236}">
+                <a16:creationId xmlns:a16="http://schemas.microsoft.com/office/drawing/2014/main" id="{F49150EA-F4B4-4CE4-BB87-2E9AC5265421}"/>
+              </a:ext>
+            </a:extLst>
+          </p:cNvPr>
+          <p:cNvPicPr>
+            <a:picLocks noChangeAspect="1"/>
+          </p:cNvPicPr>
+          <p:nvPr/>
+        </p:nvPicPr>
+        <p:blipFill>
+          <a:blip r:embed="rId5"/>
+          <a:stretch>
+            <a:fillRect/>
+          </a:stretch>
+        </p:blipFill>
+        <p:spPr>
+          <a:xfrm>
+            <a:off x="3269147" y="4113953"/>
+            <a:ext cx="2597396" cy="1878051"/>
+          </a:xfrm>
+          <a:prstGeom prst="rect">
+            <a:avLst/>
+          </a:prstGeom>
+        </p:spPr>
+      </p:pic>
+      <p:pic>
+        <p:nvPicPr>
+          <p:cNvPr id="10" name="Graphic 9" descr="Database">
+            <a:extLst>
+              <a:ext uri="{FF2B5EF4-FFF2-40B4-BE49-F238E27FC236}">
+                <a16:creationId xmlns:a16="http://schemas.microsoft.com/office/drawing/2014/main" id="{1E694A6F-20F3-4EB1-8910-72AC8FCB02F7}"/>
+              </a:ext>
+            </a:extLst>
+          </p:cNvPr>
+          <p:cNvPicPr>
+            <a:picLocks noChangeAspect="1"/>
+          </p:cNvPicPr>
+          <p:nvPr/>
+        </p:nvPicPr>
+        <p:blipFill>
+          <a:blip r:embed="rId6">
+            <a:extLst>
+              <a:ext uri="{28A0092B-C50C-407E-A947-70E740481C1C}">
+                <a14:useLocalDpi xmlns:a14="http://schemas.microsoft.com/office/drawing/2010/main" val="0"/>
+              </a:ext>
+              <a:ext uri="{96DAC541-7B7A-43D3-8B79-37D633B846F1}">
+                <asvg:svgBlip xmlns:asvg="http://schemas.microsoft.com/office/drawing/2016/SVG/main" r:embed="rId7"/>
+              </a:ext>
+            </a:extLst>
+          </a:blip>
+          <a:stretch>
+            <a:fillRect/>
+          </a:stretch>
+        </p:blipFill>
+        <p:spPr>
+          <a:xfrm>
+            <a:off x="6639903" y="3109364"/>
+            <a:ext cx="1478657" cy="1478657"/>
+          </a:xfrm>
+          <a:prstGeom prst="rect">
+            <a:avLst/>
+          </a:prstGeom>
+        </p:spPr>
+      </p:pic>
+      <p:pic>
+        <p:nvPicPr>
+          <p:cNvPr id="11" name="Graphic 10" descr="Cloud">
+            <a:extLst>
+              <a:ext uri="{FF2B5EF4-FFF2-40B4-BE49-F238E27FC236}">
+                <a16:creationId xmlns:a16="http://schemas.microsoft.com/office/drawing/2014/main" id="{AAA426E3-D85C-4CEF-B853-515F103CC8A2}"/>
+              </a:ext>
+            </a:extLst>
+          </p:cNvPr>
+          <p:cNvPicPr>
+            <a:picLocks noChangeAspect="1"/>
+          </p:cNvPicPr>
+          <p:nvPr/>
+        </p:nvPicPr>
+        <p:blipFill>
+          <a:blip r:embed="rId8">
+            <a:extLst>
+              <a:ext uri="{28A0092B-C50C-407E-A947-70E740481C1C}">
+                <a14:useLocalDpi xmlns:a14="http://schemas.microsoft.com/office/drawing/2010/main" val="0"/>
+              </a:ext>
+              <a:ext uri="{96DAC541-7B7A-43D3-8B79-37D633B846F1}">
+                <asvg:svgBlip xmlns:asvg="http://schemas.microsoft.com/office/drawing/2016/SVG/main" r:embed="rId9"/>
+              </a:ext>
+            </a:extLst>
+          </a:blip>
+          <a:stretch>
+            <a:fillRect/>
+          </a:stretch>
+        </p:blipFill>
+        <p:spPr>
+          <a:xfrm>
+            <a:off x="772366" y="4701309"/>
+            <a:ext cx="914400" cy="914400"/>
+          </a:xfrm>
+          <a:prstGeom prst="rect">
+            <a:avLst/>
+          </a:prstGeom>
+        </p:spPr>
+      </p:pic>
+      <p:cxnSp>
+        <p:nvCxnSpPr>
+          <p:cNvPr id="12" name="Straight Arrow Connector 11">
+            <a:extLst>
+              <a:ext uri="{FF2B5EF4-FFF2-40B4-BE49-F238E27FC236}">
+                <a16:creationId xmlns:a16="http://schemas.microsoft.com/office/drawing/2014/main" id="{5DF037D0-831E-49EE-83CB-1990C058DD4F}"/>
+              </a:ext>
+            </a:extLst>
+          </p:cNvPr>
+          <p:cNvCxnSpPr>
+            <a:cxnSpLocks/>
+          </p:cNvCxnSpPr>
+          <p:nvPr/>
+        </p:nvCxnSpPr>
+        <p:spPr>
+          <a:xfrm>
+            <a:off x="1915013" y="5158509"/>
+            <a:ext cx="947494" cy="0"/>
+          </a:xfrm>
+          <a:prstGeom prst="straightConnector1">
+            <a:avLst/>
+          </a:prstGeom>
+          <a:ln>
+            <a:tailEnd type="triangle"/>
+          </a:ln>
+        </p:spPr>
+        <p:style>
+          <a:lnRef idx="2">
+            <a:schemeClr val="accent1"/>
+          </a:lnRef>
+          <a:fillRef idx="0">
+            <a:schemeClr val="accent1"/>
+          </a:fillRef>
+          <a:effectRef idx="1">
+            <a:schemeClr val="accent1"/>
+          </a:effectRef>
+          <a:fontRef idx="minor">
+            <a:schemeClr val="tx1"/>
+          </a:fontRef>
+        </p:style>
+      </p:cxnSp>
+      <p:cxnSp>
+        <p:nvCxnSpPr>
+          <p:cNvPr id="13" name="Straight Arrow Connector 12">
+            <a:extLst>
+              <a:ext uri="{FF2B5EF4-FFF2-40B4-BE49-F238E27FC236}">
+                <a16:creationId xmlns:a16="http://schemas.microsoft.com/office/drawing/2014/main" id="{F41307A8-6293-4A1D-9CA0-77A188A7B79D}"/>
+              </a:ext>
+            </a:extLst>
+          </p:cNvPr>
+          <p:cNvCxnSpPr>
+            <a:cxnSpLocks/>
+          </p:cNvCxnSpPr>
+          <p:nvPr/>
+        </p:nvCxnSpPr>
+        <p:spPr>
+          <a:xfrm>
+            <a:off x="6010308" y="2434727"/>
+            <a:ext cx="819370" cy="674637"/>
+          </a:xfrm>
+          <a:prstGeom prst="straightConnector1">
+            <a:avLst/>
+          </a:prstGeom>
+          <a:ln>
+            <a:tailEnd type="triangle"/>
+          </a:ln>
+        </p:spPr>
+        <p:style>
+          <a:lnRef idx="2">
+            <a:schemeClr val="accent1"/>
+          </a:lnRef>
+          <a:fillRef idx="0">
+            <a:schemeClr val="accent1"/>
+          </a:fillRef>
+          <a:effectRef idx="1">
+            <a:schemeClr val="accent1"/>
+          </a:effectRef>
+          <a:fontRef idx="minor">
+            <a:schemeClr val="tx1"/>
+          </a:fontRef>
+        </p:style>
+      </p:cxnSp>
+      <p:cxnSp>
+        <p:nvCxnSpPr>
+          <p:cNvPr id="14" name="Straight Arrow Connector 13">
+            <a:extLst>
+              <a:ext uri="{FF2B5EF4-FFF2-40B4-BE49-F238E27FC236}">
+                <a16:creationId xmlns:a16="http://schemas.microsoft.com/office/drawing/2014/main" id="{2E3A893E-5FF6-48D3-891E-B0FC5562AE7A}"/>
+              </a:ext>
+            </a:extLst>
+          </p:cNvPr>
+          <p:cNvCxnSpPr>
+            <a:cxnSpLocks/>
+          </p:cNvCxnSpPr>
+          <p:nvPr/>
+        </p:nvCxnSpPr>
+        <p:spPr>
+          <a:xfrm flipV="1">
+            <a:off x="6010308" y="4396633"/>
+            <a:ext cx="748615" cy="779129"/>
+          </a:xfrm>
+          <a:prstGeom prst="straightConnector1">
+            <a:avLst/>
+          </a:prstGeom>
+          <a:ln>
+            <a:tailEnd type="triangle"/>
+          </a:ln>
+        </p:spPr>
+        <p:style>
+          <a:lnRef idx="2">
+            <a:schemeClr val="accent1"/>
+          </a:lnRef>
+          <a:fillRef idx="0">
+            <a:schemeClr val="accent1"/>
+          </a:fillRef>
+          <a:effectRef idx="1">
+            <a:schemeClr val="accent1"/>
+          </a:effectRef>
+          <a:fontRef idx="minor">
+            <a:schemeClr val="tx1"/>
+          </a:fontRef>
+        </p:style>
+      </p:cxnSp>
+      <p:pic>
+        <p:nvPicPr>
+          <p:cNvPr id="20" name="Picture 19">
+            <a:extLst>
+              <a:ext uri="{FF2B5EF4-FFF2-40B4-BE49-F238E27FC236}">
+                <a16:creationId xmlns:a16="http://schemas.microsoft.com/office/drawing/2014/main" id="{98B73468-5F40-4FDF-BB3F-1095C2120982}"/>
+              </a:ext>
+            </a:extLst>
+          </p:cNvPr>
+          <p:cNvPicPr>
+            <a:picLocks noChangeAspect="1"/>
+          </p:cNvPicPr>
+          <p:nvPr/>
+        </p:nvPicPr>
+        <p:blipFill rotWithShape="1">
+          <a:blip r:embed="rId10">
+            <a:extLst>
+              <a:ext uri="{28A0092B-C50C-407E-A947-70E740481C1C}">
+                <a14:useLocalDpi xmlns:a14="http://schemas.microsoft.com/office/drawing/2010/main" val="0"/>
+              </a:ext>
+            </a:extLst>
+          </a:blip>
+          <a:srcRect b="41069"/>
+          <a:stretch/>
+        </p:blipFill>
+        <p:spPr>
+          <a:xfrm>
+            <a:off x="8118560" y="3550508"/>
+            <a:ext cx="962223" cy="643584"/>
+          </a:xfrm>
+          <a:prstGeom prst="rect">
+            <a:avLst/>
+          </a:prstGeom>
+        </p:spPr>
+      </p:pic>
+      <p:sp>
+        <p:nvSpPr>
+          <p:cNvPr id="21" name="TextBox 20">
+            <a:extLst>
+              <a:ext uri="{FF2B5EF4-FFF2-40B4-BE49-F238E27FC236}">
+                <a16:creationId xmlns:a16="http://schemas.microsoft.com/office/drawing/2014/main" id="{492D67F4-7ACC-463F-B0A1-C8353E962B48}"/>
+              </a:ext>
+            </a:extLst>
+          </p:cNvPr>
+          <p:cNvSpPr txBox="1"/>
+          <p:nvPr/>
+        </p:nvSpPr>
+        <p:spPr>
+          <a:xfrm>
+            <a:off x="8247607" y="3671630"/>
+            <a:ext cx="1721355" cy="596701"/>
+          </a:xfrm>
+          <a:prstGeom prst="rect">
+            <a:avLst/>
+          </a:prstGeom>
+        </p:spPr>
+        <p:txBody>
+          <a:bodyPr vert="horz" wrap="square" lIns="91440" tIns="45720" rIns="91440" bIns="45720" rtlCol="0">
+            <a:normAutofit/>
+          </a:bodyPr>
+          <a:lstStyle/>
+          <a:p>
+            <a:pPr marL="0" marR="0" lvl="0" indent="0" algn="ctr" defTabSz="457200" rtl="0" eaLnBrk="1" fontAlgn="auto" latinLnBrk="0" hangingPunct="1">
+              <a:lnSpc>
+                <a:spcPct val="100000"/>
+              </a:lnSpc>
+              <a:spcBef>
+                <a:spcPct val="20000"/>
+              </a:spcBef>
+              <a:spcAft>
+                <a:spcPts val="0"/>
+              </a:spcAft>
+              <a:buClrTx/>
+              <a:buSzTx/>
+              <a:buFontTx/>
+              <a:buNone/>
+              <a:tabLst/>
+              <a:defRPr/>
+            </a:pPr>
+            <a:r>
+              <a:rPr kumimoji="0" lang="en-GB" sz="3200" b="1" i="0" u="none" strike="noStrike" kern="1200" cap="none" spc="0" normalizeH="0" baseline="0" noProof="0" dirty="0">
+                <a:ln>
+                  <a:noFill/>
+                </a:ln>
+                <a:solidFill>
+                  <a:srgbClr val="1C5E9A"/>
+                </a:solidFill>
+                <a:effectLst/>
+                <a:uLnTx/>
+                <a:uFillTx/>
+                <a:latin typeface="Calibri"/>
+                <a:ea typeface="+mn-ea"/>
+                <a:cs typeface="+mn-cs"/>
+              </a:rPr>
+              <a:t>Analytics</a:t>
+            </a:r>
+          </a:p>
+        </p:txBody>
+      </p:sp>
+    </p:spTree>
+    <p:extLst>
+      <p:ext uri="{BB962C8B-B14F-4D97-AF65-F5344CB8AC3E}">
+        <p14:creationId xmlns:p14="http://schemas.microsoft.com/office/powerpoint/2010/main" val="2085395855"/>
+      </p:ext>
+    </p:extLst>
+  </p:cSld>
+  <p:clrMapOvr>
+    <a:masterClrMapping/>
+  </p:clrMapOvr>
+</p:sld>
+</file>
+
+<file path=ppt/slides/slide16.xml><?xml version="1.0" encoding="utf-8"?>
+<p:sld xmlns:a="http://schemas.openxmlformats.org/drawingml/2006/main" xmlns:r="http://schemas.openxmlformats.org/officeDocument/2006/relationships" xmlns:p="http://schemas.openxmlformats.org/presentationml/2006/main">
+  <p:cSld>
+    <p:spTree>
+      <p:nvGrpSpPr>
+        <p:cNvPr id="1" name=""/>
+        <p:cNvGrpSpPr/>
+        <p:nvPr/>
+      </p:nvGrpSpPr>
+      <p:grpSpPr>
+        <a:xfrm>
+          <a:off x="0" y="0"/>
+          <a:ext cx="0" cy="0"/>
+          <a:chOff x="0" y="0"/>
+          <a:chExt cx="0" cy="0"/>
+        </a:xfrm>
+      </p:grpSpPr>
+      <p:sp>
+        <p:nvSpPr>
+          <p:cNvPr id="2" name="Title 1">
+            <a:extLst>
+              <a:ext uri="{FF2B5EF4-FFF2-40B4-BE49-F238E27FC236}">
                 <a16:creationId xmlns:a16="http://schemas.microsoft.com/office/drawing/2014/main" id="{10537C13-5D1A-467D-AAC3-597B8DBE0249}"/>
               </a:ext>
             </a:extLst>
@@ -9307,7 +12791,7 @@
           <p:nvPr>
             <p:extLst>
               <p:ext uri="{D42A27DB-BD31-4B8C-83A1-F6EECF244321}">
-                <p14:modId xmlns:p14="http://schemas.microsoft.com/office/powerpoint/2010/main" val="25299729"/>
+                <p14:modId xmlns:p14="http://schemas.microsoft.com/office/powerpoint/2010/main" val="2801086581"/>
               </p:ext>
             </p:extLst>
           </p:nvPr>
@@ -9644,7 +13128,7 @@
                         <a:rPr lang="en-US" sz="1600" dirty="0">
                           <a:effectLst/>
                         </a:rPr>
-                        <a:t>/dataset/cars</a:t>
+                        <a:t>/dataset/{dataset}</a:t>
                       </a:r>
                     </a:p>
                   </a:txBody>
@@ -9727,7 +13211,7 @@
                         <a:rPr lang="en-US" sz="1600" dirty="0">
                           <a:effectLst/>
                         </a:rPr>
-                        <a:t>/dataset/cars</a:t>
+                        <a:t>/dataset/{dataset}</a:t>
                       </a:r>
                     </a:p>
                   </a:txBody>
@@ -9810,7 +13294,7 @@
                         <a:rPr lang="en-US" sz="1600" dirty="0">
                           <a:effectLst/>
                         </a:rPr>
-                        <a:t>/orders/cars</a:t>
+                        <a:t>/dataset/{dataset}</a:t>
                       </a:r>
                     </a:p>
                   </a:txBody>
@@ -9877,7 +13361,7 @@
           <p:cNvPr id="2" name="Title 1">
             <a:extLst>
               <a:ext uri="{FF2B5EF4-FFF2-40B4-BE49-F238E27FC236}">
-                <a16:creationId xmlns:a16="http://schemas.microsoft.com/office/drawing/2014/main" id="{ACD48AE2-143C-48E8-A382-296BB5375D24}"/>
+                <a16:creationId xmlns:a16="http://schemas.microsoft.com/office/drawing/2014/main" id="{63E254C6-36C3-4A6F-9DA5-218E48D4C146}"/>
               </a:ext>
             </a:extLst>
           </p:cNvPr>
@@ -9902,7 +13386,7 @@
           <p:cNvPr id="3" name="Text Placeholder 2">
             <a:extLst>
               <a:ext uri="{FF2B5EF4-FFF2-40B4-BE49-F238E27FC236}">
-                <a16:creationId xmlns:a16="http://schemas.microsoft.com/office/drawing/2014/main" id="{F5AB9B03-7EBA-4730-BE21-6E829704F2C3}"/>
+                <a16:creationId xmlns:a16="http://schemas.microsoft.com/office/drawing/2014/main" id="{D40A86A5-0F1C-4591-8DAD-5808CBF7001E}"/>
               </a:ext>
             </a:extLst>
           </p:cNvPr>
@@ -9927,7 +13411,7 @@
           <p:cNvPr id="4" name="Text Placeholder 3">
             <a:extLst>
               <a:ext uri="{FF2B5EF4-FFF2-40B4-BE49-F238E27FC236}">
-                <a16:creationId xmlns:a16="http://schemas.microsoft.com/office/drawing/2014/main" id="{B83A6B20-853D-46D7-A56A-077533785195}"/>
+                <a16:creationId xmlns:a16="http://schemas.microsoft.com/office/drawing/2014/main" id="{C91755C1-C3A6-4828-B1D6-15D371D72AB6}"/>
               </a:ext>
             </a:extLst>
           </p:cNvPr>
@@ -9952,7 +13436,7 @@
           <p:cNvPr id="5" name="Picture 4">
             <a:extLst>
               <a:ext uri="{FF2B5EF4-FFF2-40B4-BE49-F238E27FC236}">
-                <a16:creationId xmlns:a16="http://schemas.microsoft.com/office/drawing/2014/main" id="{7AF5E4A7-1BE5-405A-8595-832572B8ABD4}"/>
+                <a16:creationId xmlns:a16="http://schemas.microsoft.com/office/drawing/2014/main" id="{5A1CD7A8-B505-48E9-AA88-C017268DCBD0}"/>
               </a:ext>
             </a:extLst>
           </p:cNvPr>
@@ -9969,8 +13453,38 @@
         </p:blipFill>
         <p:spPr>
           <a:xfrm>
-            <a:off x="0" y="190500"/>
-            <a:ext cx="12192000" cy="6477000"/>
+            <a:off x="2381389" y="932389"/>
+            <a:ext cx="7442004" cy="5304734"/>
+          </a:xfrm>
+          <a:prstGeom prst="rect">
+            <a:avLst/>
+          </a:prstGeom>
+        </p:spPr>
+      </p:pic>
+      <p:pic>
+        <p:nvPicPr>
+          <p:cNvPr id="6" name="Picture 5">
+            <a:extLst>
+              <a:ext uri="{FF2B5EF4-FFF2-40B4-BE49-F238E27FC236}">
+                <a16:creationId xmlns:a16="http://schemas.microsoft.com/office/drawing/2014/main" id="{83898AEE-7495-4BB8-B461-FCCC3BEFC9A3}"/>
+              </a:ext>
+            </a:extLst>
+          </p:cNvPr>
+          <p:cNvPicPr>
+            <a:picLocks noChangeAspect="1"/>
+          </p:cNvPicPr>
+          <p:nvPr/>
+        </p:nvPicPr>
+        <p:blipFill>
+          <a:blip r:embed="rId3"/>
+          <a:stretch>
+            <a:fillRect/>
+          </a:stretch>
+        </p:blipFill>
+        <p:spPr>
+          <a:xfrm>
+            <a:off x="1236701" y="932389"/>
+            <a:ext cx="9718597" cy="5304734"/>
           </a:xfrm>
           <a:prstGeom prst="rect">
             <a:avLst/>
@@ -9980,7 +13494,7 @@
     </p:spTree>
     <p:extLst>
       <p:ext uri="{BB962C8B-B14F-4D97-AF65-F5344CB8AC3E}">
-        <p14:creationId xmlns:p14="http://schemas.microsoft.com/office/powerpoint/2010/main" val="955228003"/>
+        <p14:creationId xmlns:p14="http://schemas.microsoft.com/office/powerpoint/2010/main" val="2820881878"/>
       </p:ext>
     </p:extLst>
   </p:cSld>
@@ -10012,7 +13526,7 @@
           <p:cNvPr id="2" name="Title 1">
             <a:extLst>
               <a:ext uri="{FF2B5EF4-FFF2-40B4-BE49-F238E27FC236}">
-                <a16:creationId xmlns:a16="http://schemas.microsoft.com/office/drawing/2014/main" id="{1961A492-7F6C-4D06-ACA0-9508B15C5D61}"/>
+                <a16:creationId xmlns:a16="http://schemas.microsoft.com/office/drawing/2014/main" id="{E015F0D4-9CD7-4304-B9F1-8C0C2A81DFB0}"/>
               </a:ext>
             </a:extLst>
           </p:cNvPr>
@@ -10028,7 +13542,10 @@
           <a:bodyPr/>
           <a:lstStyle/>
           <a:p>
-            <a:endParaRPr lang="en-US"/>
+            <a:r>
+              <a:rPr lang="en-US" dirty="0"/>
+              <a:t>V2</a:t>
+            </a:r>
           </a:p>
         </p:txBody>
       </p:sp>
@@ -10037,7 +13554,7 @@
           <p:cNvPr id="3" name="Text Placeholder 2">
             <a:extLst>
               <a:ext uri="{FF2B5EF4-FFF2-40B4-BE49-F238E27FC236}">
-                <a16:creationId xmlns:a16="http://schemas.microsoft.com/office/drawing/2014/main" id="{BF316CF0-5C72-451E-B66F-6C0BD3751FF1}"/>
+                <a16:creationId xmlns:a16="http://schemas.microsoft.com/office/drawing/2014/main" id="{4A1DF39B-51D2-4DE3-8226-4A59AA1EC1D4}"/>
               </a:ext>
             </a:extLst>
           </p:cNvPr>
@@ -10045,7 +13562,7 @@
             <a:spLocks noGrp="1"/>
           </p:cNvSpPr>
           <p:nvPr>
-            <p:ph type="body" sz="quarter" idx="13"/>
+            <p:ph type="body" sz="quarter" idx="17"/>
           </p:nvPr>
         </p:nvSpPr>
         <p:spPr/>
@@ -10053,7 +13570,11 @@
           <a:bodyPr/>
           <a:lstStyle/>
           <a:p>
-            <a:endParaRPr lang="en-US"/>
+            <a:r>
+              <a:rPr lang="en-US" dirty="0" err="1"/>
+              <a:t>FastAPI</a:t>
+            </a:r>
+            <a:endParaRPr lang="en-US" dirty="0"/>
           </a:p>
         </p:txBody>
       </p:sp>
@@ -10062,7 +13583,7 @@
           <p:cNvPr id="4" name="Text Placeholder 3">
             <a:extLst>
               <a:ext uri="{FF2B5EF4-FFF2-40B4-BE49-F238E27FC236}">
-                <a16:creationId xmlns:a16="http://schemas.microsoft.com/office/drawing/2014/main" id="{D7708E8C-92F9-427F-9152-E16775EF6186}"/>
+                <a16:creationId xmlns:a16="http://schemas.microsoft.com/office/drawing/2014/main" id="{3587CE43-27DC-4861-981C-53EA7C2212ED}"/>
               </a:ext>
             </a:extLst>
           </p:cNvPr>
@@ -10082,40 +13603,10 @@
           </a:p>
         </p:txBody>
       </p:sp>
-      <p:pic>
-        <p:nvPicPr>
-          <p:cNvPr id="5" name="Picture 4">
-            <a:extLst>
-              <a:ext uri="{FF2B5EF4-FFF2-40B4-BE49-F238E27FC236}">
-                <a16:creationId xmlns:a16="http://schemas.microsoft.com/office/drawing/2014/main" id="{C008D711-2C4C-4056-BCE1-BE822414FCEC}"/>
-              </a:ext>
-            </a:extLst>
-          </p:cNvPr>
-          <p:cNvPicPr>
-            <a:picLocks noChangeAspect="1"/>
-          </p:cNvPicPr>
-          <p:nvPr/>
-        </p:nvPicPr>
-        <p:blipFill>
-          <a:blip r:embed="rId2"/>
-          <a:stretch>
-            <a:fillRect/>
-          </a:stretch>
-        </p:blipFill>
-        <p:spPr>
-          <a:xfrm>
-            <a:off x="0" y="190500"/>
-            <a:ext cx="12192000" cy="6477000"/>
-          </a:xfrm>
-          <a:prstGeom prst="rect">
-            <a:avLst/>
-          </a:prstGeom>
-        </p:spPr>
-      </p:pic>
     </p:spTree>
     <p:extLst>
       <p:ext uri="{BB962C8B-B14F-4D97-AF65-F5344CB8AC3E}">
-        <p14:creationId xmlns:p14="http://schemas.microsoft.com/office/powerpoint/2010/main" val="3288279522"/>
+        <p14:creationId xmlns:p14="http://schemas.microsoft.com/office/powerpoint/2010/main" val="177551633"/>
       </p:ext>
     </p:extLst>
   </p:cSld>
@@ -10144,10 +13635,10 @@
       </p:grpSpPr>
       <p:sp>
         <p:nvSpPr>
-          <p:cNvPr id="2" name="Title 1">
+          <p:cNvPr id="2" name="Slide Number Placeholder 1">
             <a:extLst>
               <a:ext uri="{FF2B5EF4-FFF2-40B4-BE49-F238E27FC236}">
-                <a16:creationId xmlns:a16="http://schemas.microsoft.com/office/drawing/2014/main" id="{B552F78A-0815-4C75-BDEA-2FAA69B0AFC3}"/>
+                <a16:creationId xmlns:a16="http://schemas.microsoft.com/office/drawing/2014/main" id="{FEF30F8E-A3DD-4432-8AEB-7B73BE242D3C}"/>
               </a:ext>
             </a:extLst>
           </p:cNvPr>
@@ -10155,7 +13646,7 @@
             <a:spLocks noGrp="1"/>
           </p:cNvSpPr>
           <p:nvPr>
-            <p:ph type="title"/>
+            <p:ph type="sldNum" sz="quarter" idx="12"/>
           </p:nvPr>
         </p:nvSpPr>
         <p:spPr/>
@@ -10163,66 +13654,30 @@
           <a:bodyPr/>
           <a:lstStyle/>
           <a:p>
-            <a:endParaRPr lang="en-US"/>
-          </a:p>
-        </p:txBody>
-      </p:sp>
-      <p:sp>
-        <p:nvSpPr>
-          <p:cNvPr id="3" name="Text Placeholder 2">
-            <a:extLst>
-              <a:ext uri="{FF2B5EF4-FFF2-40B4-BE49-F238E27FC236}">
-                <a16:creationId xmlns:a16="http://schemas.microsoft.com/office/drawing/2014/main" id="{3AC0A76E-4D38-44C2-A458-9F9FEE212FA6}"/>
-              </a:ext>
-            </a:extLst>
-          </p:cNvPr>
-          <p:cNvSpPr>
-            <a:spLocks noGrp="1"/>
-          </p:cNvSpPr>
-          <p:nvPr>
-            <p:ph type="body" sz="quarter" idx="13"/>
-          </p:nvPr>
-        </p:nvSpPr>
-        <p:spPr/>
-        <p:txBody>
-          <a:bodyPr/>
-          <a:lstStyle/>
-          <a:p>
-            <a:endParaRPr lang="en-US"/>
-          </a:p>
-        </p:txBody>
-      </p:sp>
-      <p:sp>
-        <p:nvSpPr>
-          <p:cNvPr id="4" name="Text Placeholder 3">
-            <a:extLst>
-              <a:ext uri="{FF2B5EF4-FFF2-40B4-BE49-F238E27FC236}">
-                <a16:creationId xmlns:a16="http://schemas.microsoft.com/office/drawing/2014/main" id="{A19B8ABB-04AD-4C26-BB8C-6E034D531480}"/>
-              </a:ext>
-            </a:extLst>
-          </p:cNvPr>
-          <p:cNvSpPr>
-            <a:spLocks noGrp="1"/>
-          </p:cNvSpPr>
-          <p:nvPr>
-            <p:ph type="body" sz="quarter" idx="15"/>
-          </p:nvPr>
-        </p:nvSpPr>
-        <p:spPr/>
-        <p:txBody>
-          <a:bodyPr/>
-          <a:lstStyle/>
-          <a:p>
-            <a:endParaRPr lang="en-US"/>
+            <a:pPr defTabSz="457200"/>
+            <a:fld id="{9E147C03-B8B3-3544-B7F9-38CD85427598}" type="slidenum">
+              <a:rPr lang="en-GB" smtClean="0">
+                <a:solidFill>
+                  <a:srgbClr val="484A4B"/>
+                </a:solidFill>
+              </a:rPr>
+              <a:pPr defTabSz="457200"/>
+              <a:t>5</a:t>
+            </a:fld>
+            <a:endParaRPr lang="en-GB">
+              <a:solidFill>
+                <a:srgbClr val="484A4B"/>
+              </a:solidFill>
+            </a:endParaRPr>
           </a:p>
         </p:txBody>
       </p:sp>
       <p:pic>
         <p:nvPicPr>
-          <p:cNvPr id="5" name="Picture 4">
+          <p:cNvPr id="3" name="Picture 2">
             <a:extLst>
               <a:ext uri="{FF2B5EF4-FFF2-40B4-BE49-F238E27FC236}">
-                <a16:creationId xmlns:a16="http://schemas.microsoft.com/office/drawing/2014/main" id="{D5596268-2CEB-4D4C-BAC4-F636393DC08F}"/>
+                <a16:creationId xmlns:a16="http://schemas.microsoft.com/office/drawing/2014/main" id="{E07E5852-594D-498A-A34C-D7A6371289A3}"/>
               </a:ext>
             </a:extLst>
           </p:cNvPr>
@@ -10239,38 +13694,8 @@
         </p:blipFill>
         <p:spPr>
           <a:xfrm>
-            <a:off x="0" y="190500"/>
-            <a:ext cx="12192000" cy="6477000"/>
-          </a:xfrm>
-          <a:prstGeom prst="rect">
-            <a:avLst/>
-          </a:prstGeom>
-        </p:spPr>
-      </p:pic>
-      <p:pic>
-        <p:nvPicPr>
-          <p:cNvPr id="6" name="Picture 5">
-            <a:extLst>
-              <a:ext uri="{FF2B5EF4-FFF2-40B4-BE49-F238E27FC236}">
-                <a16:creationId xmlns:a16="http://schemas.microsoft.com/office/drawing/2014/main" id="{4E65484E-1ECA-4C58-ADE6-F1B2AA13543E}"/>
-              </a:ext>
-            </a:extLst>
-          </p:cNvPr>
-          <p:cNvPicPr>
-            <a:picLocks noChangeAspect="1"/>
-          </p:cNvPicPr>
-          <p:nvPr/>
-        </p:nvPicPr>
-        <p:blipFill>
-          <a:blip r:embed="rId3"/>
-          <a:stretch>
-            <a:fillRect/>
-          </a:stretch>
-        </p:blipFill>
-        <p:spPr>
-          <a:xfrm>
-            <a:off x="0" y="203629"/>
-            <a:ext cx="12192000" cy="6477000"/>
+            <a:off x="2634919" y="948558"/>
+            <a:ext cx="6922162" cy="4960883"/>
           </a:xfrm>
           <a:prstGeom prst="rect">
             <a:avLst/>
@@ -10280,7 +13705,7 @@
     </p:spTree>
     <p:extLst>
       <p:ext uri="{BB962C8B-B14F-4D97-AF65-F5344CB8AC3E}">
-        <p14:creationId xmlns:p14="http://schemas.microsoft.com/office/powerpoint/2010/main" val="3292125580"/>
+        <p14:creationId xmlns:p14="http://schemas.microsoft.com/office/powerpoint/2010/main" val="3902313134"/>
       </p:ext>
     </p:extLst>
   </p:cSld>
@@ -10309,10 +13734,10 @@
       </p:grpSpPr>
       <p:sp>
         <p:nvSpPr>
-          <p:cNvPr id="2" name="Title 1">
+          <p:cNvPr id="2" name="Slide Number Placeholder 1">
             <a:extLst>
               <a:ext uri="{FF2B5EF4-FFF2-40B4-BE49-F238E27FC236}">
-                <a16:creationId xmlns:a16="http://schemas.microsoft.com/office/drawing/2014/main" id="{11742883-9D13-4672-8E6B-CFFEF78578E2}"/>
+                <a16:creationId xmlns:a16="http://schemas.microsoft.com/office/drawing/2014/main" id="{D4C2AC9C-D39D-4952-9AE3-4A934519F458}"/>
               </a:ext>
             </a:extLst>
           </p:cNvPr>
@@ -10320,7 +13745,7 @@
             <a:spLocks noGrp="1"/>
           </p:cNvSpPr>
           <p:nvPr>
-            <p:ph type="title"/>
+            <p:ph type="sldNum" sz="quarter" idx="12"/>
           </p:nvPr>
         </p:nvSpPr>
         <p:spPr/>
@@ -10328,66 +13753,30 @@
           <a:bodyPr/>
           <a:lstStyle/>
           <a:p>
-            <a:endParaRPr lang="en-US"/>
-          </a:p>
-        </p:txBody>
-      </p:sp>
-      <p:sp>
-        <p:nvSpPr>
-          <p:cNvPr id="3" name="Text Placeholder 2">
-            <a:extLst>
-              <a:ext uri="{FF2B5EF4-FFF2-40B4-BE49-F238E27FC236}">
-                <a16:creationId xmlns:a16="http://schemas.microsoft.com/office/drawing/2014/main" id="{914E9308-03A8-4A75-AF4E-F048E92B9AA6}"/>
-              </a:ext>
-            </a:extLst>
-          </p:cNvPr>
-          <p:cNvSpPr>
-            <a:spLocks noGrp="1"/>
-          </p:cNvSpPr>
-          <p:nvPr>
-            <p:ph type="body" sz="quarter" idx="13"/>
-          </p:nvPr>
-        </p:nvSpPr>
-        <p:spPr/>
-        <p:txBody>
-          <a:bodyPr/>
-          <a:lstStyle/>
-          <a:p>
-            <a:endParaRPr lang="en-US"/>
-          </a:p>
-        </p:txBody>
-      </p:sp>
-      <p:sp>
-        <p:nvSpPr>
-          <p:cNvPr id="4" name="Text Placeholder 3">
-            <a:extLst>
-              <a:ext uri="{FF2B5EF4-FFF2-40B4-BE49-F238E27FC236}">
-                <a16:creationId xmlns:a16="http://schemas.microsoft.com/office/drawing/2014/main" id="{02645A9B-7472-4075-9C27-F003785056D9}"/>
-              </a:ext>
-            </a:extLst>
-          </p:cNvPr>
-          <p:cNvSpPr>
-            <a:spLocks noGrp="1"/>
-          </p:cNvSpPr>
-          <p:nvPr>
-            <p:ph type="body" sz="quarter" idx="15"/>
-          </p:nvPr>
-        </p:nvSpPr>
-        <p:spPr/>
-        <p:txBody>
-          <a:bodyPr/>
-          <a:lstStyle/>
-          <a:p>
-            <a:endParaRPr lang="en-US"/>
+            <a:pPr defTabSz="457200"/>
+            <a:fld id="{9E147C03-B8B3-3544-B7F9-38CD85427598}" type="slidenum">
+              <a:rPr lang="en-GB" smtClean="0">
+                <a:solidFill>
+                  <a:srgbClr val="484A4B"/>
+                </a:solidFill>
+              </a:rPr>
+              <a:pPr defTabSz="457200"/>
+              <a:t>6</a:t>
+            </a:fld>
+            <a:endParaRPr lang="en-GB">
+              <a:solidFill>
+                <a:srgbClr val="484A4B"/>
+              </a:solidFill>
+            </a:endParaRPr>
           </a:p>
         </p:txBody>
       </p:sp>
       <p:pic>
         <p:nvPicPr>
-          <p:cNvPr id="5" name="Picture 4">
+          <p:cNvPr id="3" name="Picture 2">
             <a:extLst>
               <a:ext uri="{FF2B5EF4-FFF2-40B4-BE49-F238E27FC236}">
-                <a16:creationId xmlns:a16="http://schemas.microsoft.com/office/drawing/2014/main" id="{9C2A7549-4319-4C2E-A7B7-9CB3F7D16118}"/>
+                <a16:creationId xmlns:a16="http://schemas.microsoft.com/office/drawing/2014/main" id="{1FE4D10E-06B7-46D7-A533-9ABC31A7C9CE}"/>
               </a:ext>
             </a:extLst>
           </p:cNvPr>
@@ -10415,7 +13804,7 @@
     </p:spTree>
     <p:extLst>
       <p:ext uri="{BB962C8B-B14F-4D97-AF65-F5344CB8AC3E}">
-        <p14:creationId xmlns:p14="http://schemas.microsoft.com/office/powerpoint/2010/main" val="2921345303"/>
+        <p14:creationId xmlns:p14="http://schemas.microsoft.com/office/powerpoint/2010/main" val="295737883"/>
       </p:ext>
     </p:extLst>
   </p:cSld>
@@ -10444,10 +13833,10 @@
       </p:grpSpPr>
       <p:sp>
         <p:nvSpPr>
-          <p:cNvPr id="2" name="Title 1">
+          <p:cNvPr id="2" name="Slide Number Placeholder 1">
             <a:extLst>
               <a:ext uri="{FF2B5EF4-FFF2-40B4-BE49-F238E27FC236}">
-                <a16:creationId xmlns:a16="http://schemas.microsoft.com/office/drawing/2014/main" id="{63E254C6-36C3-4A6F-9DA5-218E48D4C146}"/>
+                <a16:creationId xmlns:a16="http://schemas.microsoft.com/office/drawing/2014/main" id="{3167F94C-4094-4E53-B193-5033882FC0C5}"/>
               </a:ext>
             </a:extLst>
           </p:cNvPr>
@@ -10455,7 +13844,7 @@
             <a:spLocks noGrp="1"/>
           </p:cNvSpPr>
           <p:nvPr>
-            <p:ph type="title"/>
+            <p:ph type="sldNum" sz="quarter" idx="12"/>
           </p:nvPr>
         </p:nvSpPr>
         <p:spPr/>
@@ -10463,66 +13852,30 @@
           <a:bodyPr/>
           <a:lstStyle/>
           <a:p>
-            <a:endParaRPr lang="en-US"/>
-          </a:p>
-        </p:txBody>
-      </p:sp>
-      <p:sp>
-        <p:nvSpPr>
-          <p:cNvPr id="3" name="Text Placeholder 2">
-            <a:extLst>
-              <a:ext uri="{FF2B5EF4-FFF2-40B4-BE49-F238E27FC236}">
-                <a16:creationId xmlns:a16="http://schemas.microsoft.com/office/drawing/2014/main" id="{D40A86A5-0F1C-4591-8DAD-5808CBF7001E}"/>
-              </a:ext>
-            </a:extLst>
-          </p:cNvPr>
-          <p:cNvSpPr>
-            <a:spLocks noGrp="1"/>
-          </p:cNvSpPr>
-          <p:nvPr>
-            <p:ph type="body" sz="quarter" idx="13"/>
-          </p:nvPr>
-        </p:nvSpPr>
-        <p:spPr/>
-        <p:txBody>
-          <a:bodyPr/>
-          <a:lstStyle/>
-          <a:p>
-            <a:endParaRPr lang="en-US"/>
-          </a:p>
-        </p:txBody>
-      </p:sp>
-      <p:sp>
-        <p:nvSpPr>
-          <p:cNvPr id="4" name="Text Placeholder 3">
-            <a:extLst>
-              <a:ext uri="{FF2B5EF4-FFF2-40B4-BE49-F238E27FC236}">
-                <a16:creationId xmlns:a16="http://schemas.microsoft.com/office/drawing/2014/main" id="{C91755C1-C3A6-4828-B1D6-15D371D72AB6}"/>
-              </a:ext>
-            </a:extLst>
-          </p:cNvPr>
-          <p:cNvSpPr>
-            <a:spLocks noGrp="1"/>
-          </p:cNvSpPr>
-          <p:nvPr>
-            <p:ph type="body" sz="quarter" idx="15"/>
-          </p:nvPr>
-        </p:nvSpPr>
-        <p:spPr/>
-        <p:txBody>
-          <a:bodyPr/>
-          <a:lstStyle/>
-          <a:p>
-            <a:endParaRPr lang="en-US"/>
+            <a:pPr defTabSz="457200"/>
+            <a:fld id="{9E147C03-B8B3-3544-B7F9-38CD85427598}" type="slidenum">
+              <a:rPr lang="en-GB" smtClean="0">
+                <a:solidFill>
+                  <a:srgbClr val="484A4B"/>
+                </a:solidFill>
+              </a:rPr>
+              <a:pPr defTabSz="457200"/>
+              <a:t>7</a:t>
+            </a:fld>
+            <a:endParaRPr lang="en-GB">
+              <a:solidFill>
+                <a:srgbClr val="484A4B"/>
+              </a:solidFill>
+            </a:endParaRPr>
           </a:p>
         </p:txBody>
       </p:sp>
       <p:pic>
         <p:nvPicPr>
-          <p:cNvPr id="5" name="Picture 4">
+          <p:cNvPr id="3" name="Picture 2">
             <a:extLst>
               <a:ext uri="{FF2B5EF4-FFF2-40B4-BE49-F238E27FC236}">
-                <a16:creationId xmlns:a16="http://schemas.microsoft.com/office/drawing/2014/main" id="{5A1CD7A8-B505-48E9-AA88-C017268DCBD0}"/>
+                <a16:creationId xmlns:a16="http://schemas.microsoft.com/office/drawing/2014/main" id="{18458AB7-5DC5-4FDF-A276-D22FDAF2236F}"/>
               </a:ext>
             </a:extLst>
           </p:cNvPr>
@@ -10539,8 +13892,8 @@
         </p:blipFill>
         <p:spPr>
           <a:xfrm>
-            <a:off x="2381389" y="932389"/>
-            <a:ext cx="7442004" cy="5304734"/>
+            <a:off x="0" y="190500"/>
+            <a:ext cx="12192000" cy="6477000"/>
           </a:xfrm>
           <a:prstGeom prst="rect">
             <a:avLst/>
@@ -10550,7 +13903,7 @@
     </p:spTree>
     <p:extLst>
       <p:ext uri="{BB962C8B-B14F-4D97-AF65-F5344CB8AC3E}">
-        <p14:creationId xmlns:p14="http://schemas.microsoft.com/office/powerpoint/2010/main" val="2820881878"/>
+        <p14:creationId xmlns:p14="http://schemas.microsoft.com/office/powerpoint/2010/main" val="3575558249"/>
       </p:ext>
     </p:extLst>
   </p:cSld>
@@ -10579,103 +13932,10 @@
       </p:grpSpPr>
       <p:sp>
         <p:nvSpPr>
-          <p:cNvPr id="58" name="Rectangle: Rounded Corners 57">
+          <p:cNvPr id="2" name="Title 1">
             <a:extLst>
               <a:ext uri="{FF2B5EF4-FFF2-40B4-BE49-F238E27FC236}">
-                <a16:creationId xmlns:a16="http://schemas.microsoft.com/office/drawing/2014/main" id="{5645DFF5-479F-4D2D-9D6D-FB67C9ED26CA}"/>
-              </a:ext>
-            </a:extLst>
-          </p:cNvPr>
-          <p:cNvSpPr/>
-          <p:nvPr/>
-        </p:nvSpPr>
-        <p:spPr>
-          <a:xfrm>
-            <a:off x="851717" y="1637350"/>
-            <a:ext cx="2516155" cy="3340881"/>
-          </a:xfrm>
-          <a:prstGeom prst="roundRect">
-            <a:avLst>
-              <a:gd name="adj" fmla="val 10556"/>
-            </a:avLst>
-          </a:prstGeom>
-          <a:ln>
-            <a:prstDash val="sysDot"/>
-          </a:ln>
-        </p:spPr>
-        <p:style>
-          <a:lnRef idx="2">
-            <a:schemeClr val="accent3"/>
-          </a:lnRef>
-          <a:fillRef idx="1">
-            <a:schemeClr val="lt1"/>
-          </a:fillRef>
-          <a:effectRef idx="0">
-            <a:schemeClr val="accent3"/>
-          </a:effectRef>
-          <a:fontRef idx="minor">
-            <a:schemeClr val="dk1"/>
-          </a:fontRef>
-        </p:style>
-        <p:txBody>
-          <a:bodyPr rtlCol="0" anchor="ctr"/>
-          <a:lstStyle/>
-          <a:p>
-            <a:pPr algn="ctr"/>
-            <a:endParaRPr lang="en-US" sz="1400" dirty="0"/>
-          </a:p>
-        </p:txBody>
-      </p:sp>
-      <p:sp>
-        <p:nvSpPr>
-          <p:cNvPr id="48" name="Rectangle: Rounded Corners 47">
-            <a:extLst>
-              <a:ext uri="{FF2B5EF4-FFF2-40B4-BE49-F238E27FC236}">
-                <a16:creationId xmlns:a16="http://schemas.microsoft.com/office/drawing/2014/main" id="{389A04F2-ACF2-4720-9907-3972B20A917C}"/>
-              </a:ext>
-            </a:extLst>
-          </p:cNvPr>
-          <p:cNvSpPr/>
-          <p:nvPr/>
-        </p:nvSpPr>
-        <p:spPr>
-          <a:xfrm>
-            <a:off x="886165" y="3495003"/>
-            <a:ext cx="2516155" cy="1451001"/>
-          </a:xfrm>
-          <a:prstGeom prst="roundRect">
-            <a:avLst/>
-          </a:prstGeom>
-        </p:spPr>
-        <p:style>
-          <a:lnRef idx="2">
-            <a:schemeClr val="accent3"/>
-          </a:lnRef>
-          <a:fillRef idx="1">
-            <a:schemeClr val="lt1"/>
-          </a:fillRef>
-          <a:effectRef idx="0">
-            <a:schemeClr val="accent3"/>
-          </a:effectRef>
-          <a:fontRef idx="minor">
-            <a:schemeClr val="dk1"/>
-          </a:fontRef>
-        </p:style>
-        <p:txBody>
-          <a:bodyPr rtlCol="0" anchor="ctr"/>
-          <a:lstStyle/>
-          <a:p>
-            <a:pPr algn="ctr"/>
-            <a:endParaRPr lang="en-US" sz="1400" dirty="0"/>
-          </a:p>
-        </p:txBody>
-      </p:sp>
-      <p:sp>
-        <p:nvSpPr>
-          <p:cNvPr id="2" name="Title 1">
-            <a:extLst>
-              <a:ext uri="{FF2B5EF4-FFF2-40B4-BE49-F238E27FC236}">
-                <a16:creationId xmlns:a16="http://schemas.microsoft.com/office/drawing/2014/main" id="{76324050-5C24-46F3-A671-C2DA3A09DCE8}"/>
+                <a16:creationId xmlns:a16="http://schemas.microsoft.com/office/drawing/2014/main" id="{E015F0D4-9CD7-4304-B9F1-8C0C2A81DFB0}"/>
               </a:ext>
             </a:extLst>
           </p:cNvPr>
@@ -10692,19 +13952,18 @@
           <a:lstStyle/>
           <a:p>
             <a:r>
-              <a:rPr lang="fr-FR" dirty="0" err="1"/>
-              <a:t>CloudDeploy</a:t>
-            </a:r>
-            <a:endParaRPr lang="fr-FR" dirty="0"/>
-          </a:p>
-        </p:txBody>
-      </p:sp>
-      <p:sp>
-        <p:nvSpPr>
-          <p:cNvPr id="4" name="Slide Number Placeholder 3">
+              <a:rPr lang="en-US" dirty="0"/>
+              <a:t>V1</a:t>
+            </a:r>
+          </a:p>
+        </p:txBody>
+      </p:sp>
+      <p:sp>
+        <p:nvSpPr>
+          <p:cNvPr id="3" name="Text Placeholder 2">
             <a:extLst>
               <a:ext uri="{FF2B5EF4-FFF2-40B4-BE49-F238E27FC236}">
-                <a16:creationId xmlns:a16="http://schemas.microsoft.com/office/drawing/2014/main" id="{53B796C5-783C-427C-8892-745D8DA3DE63}"/>
+                <a16:creationId xmlns:a16="http://schemas.microsoft.com/office/drawing/2014/main" id="{4A1DF39B-51D2-4DE3-8226-4A59AA1EC1D4}"/>
               </a:ext>
             </a:extLst>
           </p:cNvPr>
@@ -10712,7 +13971,7 @@
             <a:spLocks noGrp="1"/>
           </p:cNvSpPr>
           <p:nvPr>
-            <p:ph type="sldNum" sz="quarter" idx="4"/>
+            <p:ph type="body" sz="quarter" idx="17"/>
           </p:nvPr>
         </p:nvSpPr>
         <p:spPr/>
@@ -10720,1650 +13979,47 @@
           <a:bodyPr/>
           <a:lstStyle/>
           <a:p>
-            <a:pPr defTabSz="457200"/>
-            <a:fld id="{FDDD4222-A773-418F-B910-2323D1E47B9A}" type="slidenum">
-              <a:rPr lang="fr-FR" sz="800" smtClean="0">
-                <a:solidFill>
-                  <a:prstClr val="white"/>
-                </a:solidFill>
-              </a:rPr>
-              <a:pPr defTabSz="457200"/>
-              <a:t>8</a:t>
-            </a:fld>
-            <a:endParaRPr lang="fr-FR" sz="800" dirty="0">
-              <a:solidFill>
-                <a:prstClr val="white"/>
-              </a:solidFill>
-            </a:endParaRPr>
-          </a:p>
-        </p:txBody>
-      </p:sp>
-      <p:pic>
-        <p:nvPicPr>
-          <p:cNvPr id="6" name="Graphic 5" descr="Database">
+            <a:r>
+              <a:rPr lang="en-US" dirty="0"/>
+              <a:t>Flask &amp; </a:t>
+            </a:r>
+            <a:r>
+              <a:rPr lang="en-US" dirty="0" err="1"/>
+              <a:t>Connexion</a:t>
+            </a:r>
+            <a:endParaRPr lang="en-US" dirty="0"/>
+          </a:p>
+        </p:txBody>
+      </p:sp>
+      <p:sp>
+        <p:nvSpPr>
+          <p:cNvPr id="4" name="Text Placeholder 3">
             <a:extLst>
               <a:ext uri="{FF2B5EF4-FFF2-40B4-BE49-F238E27FC236}">
-                <a16:creationId xmlns:a16="http://schemas.microsoft.com/office/drawing/2014/main" id="{6751D84D-0A9A-49AA-906E-75AE47EEB888}"/>
+                <a16:creationId xmlns:a16="http://schemas.microsoft.com/office/drawing/2014/main" id="{3587CE43-27DC-4861-981C-53EA7C2212ED}"/>
               </a:ext>
             </a:extLst>
           </p:cNvPr>
-          <p:cNvPicPr>
-            <a:picLocks noChangeAspect="1"/>
-          </p:cNvPicPr>
-          <p:nvPr/>
-        </p:nvPicPr>
-        <p:blipFill>
-          <a:blip r:embed="rId2">
-            <a:extLst>
-              <a:ext uri="{28A0092B-C50C-407E-A947-70E740481C1C}">
-                <a14:useLocalDpi xmlns:a14="http://schemas.microsoft.com/office/drawing/2010/main" val="0"/>
-              </a:ext>
-              <a:ext uri="{96DAC541-7B7A-43D3-8B79-37D633B846F1}">
-                <asvg:svgBlip xmlns:asvg="http://schemas.microsoft.com/office/drawing/2016/SVG/main" r:embed="rId3"/>
-              </a:ext>
-            </a:extLst>
-          </a:blip>
-          <a:stretch>
-            <a:fillRect/>
-          </a:stretch>
-        </p:blipFill>
-        <p:spPr>
-          <a:xfrm>
-            <a:off x="3008110" y="1374165"/>
-            <a:ext cx="770958" cy="770958"/>
-          </a:xfrm>
-          <a:prstGeom prst="rect">
-            <a:avLst/>
-          </a:prstGeom>
-        </p:spPr>
-      </p:pic>
-      <p:pic>
-        <p:nvPicPr>
-          <p:cNvPr id="10" name="Graphic 9" descr="Paper">
-            <a:extLst>
-              <a:ext uri="{FF2B5EF4-FFF2-40B4-BE49-F238E27FC236}">
-                <a16:creationId xmlns:a16="http://schemas.microsoft.com/office/drawing/2014/main" id="{0CE403AA-2222-4F06-B98F-43149CFE987E}"/>
-              </a:ext>
-            </a:extLst>
-          </p:cNvPr>
-          <p:cNvPicPr>
-            <a:picLocks noChangeAspect="1"/>
-          </p:cNvPicPr>
-          <p:nvPr/>
-        </p:nvPicPr>
-        <p:blipFill>
-          <a:blip r:embed="rId4">
-            <a:extLst>
-              <a:ext uri="{28A0092B-C50C-407E-A947-70E740481C1C}">
-                <a14:useLocalDpi xmlns:a14="http://schemas.microsoft.com/office/drawing/2010/main" val="0"/>
-              </a:ext>
-              <a:ext uri="{96DAC541-7B7A-43D3-8B79-37D633B846F1}">
-                <asvg:svgBlip xmlns:asvg="http://schemas.microsoft.com/office/drawing/2016/SVG/main" r:embed="rId5"/>
-              </a:ext>
-            </a:extLst>
-          </a:blip>
-          <a:stretch>
-            <a:fillRect/>
-          </a:stretch>
-        </p:blipFill>
-        <p:spPr>
-          <a:xfrm>
-            <a:off x="4641157" y="4457327"/>
-            <a:ext cx="914400" cy="914400"/>
-          </a:xfrm>
-          <a:prstGeom prst="rect">
-            <a:avLst/>
-          </a:prstGeom>
-        </p:spPr>
-      </p:pic>
-      <p:pic>
-        <p:nvPicPr>
-          <p:cNvPr id="12" name="Graphic 11" descr="Folder">
-            <a:extLst>
-              <a:ext uri="{FF2B5EF4-FFF2-40B4-BE49-F238E27FC236}">
-                <a16:creationId xmlns:a16="http://schemas.microsoft.com/office/drawing/2014/main" id="{81072E2A-EE9E-4EE3-849D-D50F343C13A9}"/>
-              </a:ext>
-            </a:extLst>
-          </p:cNvPr>
-          <p:cNvPicPr>
-            <a:picLocks noChangeAspect="1"/>
-          </p:cNvPicPr>
-          <p:nvPr/>
-        </p:nvPicPr>
-        <p:blipFill>
-          <a:blip r:embed="rId6">
-            <a:extLst>
-              <a:ext uri="{28A0092B-C50C-407E-A947-70E740481C1C}">
-                <a14:useLocalDpi xmlns:a14="http://schemas.microsoft.com/office/drawing/2010/main" val="0"/>
-              </a:ext>
-              <a:ext uri="{96DAC541-7B7A-43D3-8B79-37D633B846F1}">
-                <asvg:svgBlip xmlns:asvg="http://schemas.microsoft.com/office/drawing/2016/SVG/main" r:embed="rId7"/>
-              </a:ext>
-            </a:extLst>
-          </a:blip>
-          <a:stretch>
-            <a:fillRect/>
-          </a:stretch>
-        </p:blipFill>
-        <p:spPr>
-          <a:xfrm>
-            <a:off x="4379795" y="1448505"/>
-            <a:ext cx="457200" cy="457200"/>
-          </a:xfrm>
-          <a:prstGeom prst="rect">
-            <a:avLst/>
-          </a:prstGeom>
-        </p:spPr>
-      </p:pic>
-      <p:pic>
-        <p:nvPicPr>
-          <p:cNvPr id="14" name="Graphic 13" descr="Open folder">
-            <a:extLst>
-              <a:ext uri="{FF2B5EF4-FFF2-40B4-BE49-F238E27FC236}">
-                <a16:creationId xmlns:a16="http://schemas.microsoft.com/office/drawing/2014/main" id="{440CC2DD-CB2F-4541-AB03-7E4C520D44FF}"/>
-              </a:ext>
-            </a:extLst>
-          </p:cNvPr>
-          <p:cNvPicPr>
-            <a:picLocks noChangeAspect="1"/>
-          </p:cNvPicPr>
-          <p:nvPr/>
-        </p:nvPicPr>
-        <p:blipFill>
-          <a:blip r:embed="rId8">
-            <a:extLst>
-              <a:ext uri="{28A0092B-C50C-407E-A947-70E740481C1C}">
-                <a14:useLocalDpi xmlns:a14="http://schemas.microsoft.com/office/drawing/2010/main" val="0"/>
-              </a:ext>
-              <a:ext uri="{96DAC541-7B7A-43D3-8B79-37D633B846F1}">
-                <asvg:svgBlip xmlns:asvg="http://schemas.microsoft.com/office/drawing/2016/SVG/main" r:embed="rId9"/>
-              </a:ext>
-            </a:extLst>
-          </a:blip>
-          <a:stretch>
-            <a:fillRect/>
-          </a:stretch>
-        </p:blipFill>
-        <p:spPr>
-          <a:xfrm>
-            <a:off x="7738208" y="4575485"/>
-            <a:ext cx="914400" cy="914400"/>
-          </a:xfrm>
-          <a:prstGeom prst="rect">
-            <a:avLst/>
-          </a:prstGeom>
-        </p:spPr>
-      </p:pic>
-      <p:pic>
-        <p:nvPicPr>
-          <p:cNvPr id="16" name="Graphic 15" descr="Briefcase">
-            <a:extLst>
-              <a:ext uri="{FF2B5EF4-FFF2-40B4-BE49-F238E27FC236}">
-                <a16:creationId xmlns:a16="http://schemas.microsoft.com/office/drawing/2014/main" id="{5FCA679E-5346-477E-A2B5-B28C2007D109}"/>
-              </a:ext>
-            </a:extLst>
-          </p:cNvPr>
-          <p:cNvPicPr>
-            <a:picLocks noChangeAspect="1"/>
-          </p:cNvPicPr>
-          <p:nvPr/>
-        </p:nvPicPr>
-        <p:blipFill>
-          <a:blip r:embed="rId10">
-            <a:extLst>
-              <a:ext uri="{28A0092B-C50C-407E-A947-70E740481C1C}">
-                <a14:useLocalDpi xmlns:a14="http://schemas.microsoft.com/office/drawing/2010/main" val="0"/>
-              </a:ext>
-              <a:ext uri="{96DAC541-7B7A-43D3-8B79-37D633B846F1}">
-                <asvg:svgBlip xmlns:asvg="http://schemas.microsoft.com/office/drawing/2016/SVG/main" r:embed="rId11"/>
-              </a:ext>
-            </a:extLst>
-          </a:blip>
-          <a:stretch>
-            <a:fillRect/>
-          </a:stretch>
-        </p:blipFill>
-        <p:spPr>
-          <a:xfrm>
-            <a:off x="7737232" y="2959787"/>
-            <a:ext cx="914400" cy="914400"/>
-          </a:xfrm>
-          <a:prstGeom prst="rect">
-            <a:avLst/>
-          </a:prstGeom>
-        </p:spPr>
-      </p:pic>
-      <p:pic>
-        <p:nvPicPr>
-          <p:cNvPr id="18" name="Graphic 17" descr="Processor">
-            <a:extLst>
-              <a:ext uri="{FF2B5EF4-FFF2-40B4-BE49-F238E27FC236}">
-                <a16:creationId xmlns:a16="http://schemas.microsoft.com/office/drawing/2014/main" id="{75A04DE7-2DB9-4F26-A694-C9DAB534690F}"/>
-              </a:ext>
-            </a:extLst>
-          </p:cNvPr>
-          <p:cNvPicPr>
-            <a:picLocks noChangeAspect="1"/>
-          </p:cNvPicPr>
-          <p:nvPr/>
-        </p:nvPicPr>
-        <p:blipFill>
-          <a:blip r:embed="rId12">
-            <a:extLst>
-              <a:ext uri="{28A0092B-C50C-407E-A947-70E740481C1C}">
-                <a14:useLocalDpi xmlns:a14="http://schemas.microsoft.com/office/drawing/2010/main" val="0"/>
-              </a:ext>
-              <a:ext uri="{96DAC541-7B7A-43D3-8B79-37D633B846F1}">
-                <asvg:svgBlip xmlns:asvg="http://schemas.microsoft.com/office/drawing/2016/SVG/main" r:embed="rId13"/>
-              </a:ext>
-            </a:extLst>
-          </a:blip>
-          <a:stretch>
-            <a:fillRect/>
-          </a:stretch>
-        </p:blipFill>
-        <p:spPr>
-          <a:xfrm>
-            <a:off x="963029" y="3553313"/>
-            <a:ext cx="614400" cy="614400"/>
-          </a:xfrm>
-          <a:prstGeom prst="rect">
-            <a:avLst/>
-          </a:prstGeom>
-        </p:spPr>
-      </p:pic>
-      <p:pic>
-        <p:nvPicPr>
-          <p:cNvPr id="20" name="Graphic 19" descr="Optical disc">
-            <a:extLst>
-              <a:ext uri="{FF2B5EF4-FFF2-40B4-BE49-F238E27FC236}">
-                <a16:creationId xmlns:a16="http://schemas.microsoft.com/office/drawing/2014/main" id="{196DBFA2-7DA2-4A0F-8B85-D5059E957163}"/>
-              </a:ext>
-            </a:extLst>
-          </p:cNvPr>
-          <p:cNvPicPr>
-            <a:picLocks noChangeAspect="1"/>
-          </p:cNvPicPr>
-          <p:nvPr/>
-        </p:nvPicPr>
-        <p:blipFill>
-          <a:blip r:embed="rId14">
-            <a:extLst>
-              <a:ext uri="{28A0092B-C50C-407E-A947-70E740481C1C}">
-                <a14:useLocalDpi xmlns:a14="http://schemas.microsoft.com/office/drawing/2010/main" val="0"/>
-              </a:ext>
-              <a:ext uri="{96DAC541-7B7A-43D3-8B79-37D633B846F1}">
-                <asvg:svgBlip xmlns:asvg="http://schemas.microsoft.com/office/drawing/2016/SVG/main" r:embed="rId15"/>
-              </a:ext>
-            </a:extLst>
-          </a:blip>
-          <a:stretch>
-            <a:fillRect/>
-          </a:stretch>
-        </p:blipFill>
-        <p:spPr>
-          <a:xfrm>
-            <a:off x="964463" y="4220504"/>
-            <a:ext cx="614400" cy="614400"/>
-          </a:xfrm>
-          <a:prstGeom prst="rect">
-            <a:avLst/>
-          </a:prstGeom>
-        </p:spPr>
-      </p:pic>
-      <p:sp>
-        <p:nvSpPr>
-          <p:cNvPr id="21" name="TextBox 20">
-            <a:extLst>
-              <a:ext uri="{FF2B5EF4-FFF2-40B4-BE49-F238E27FC236}">
-                <a16:creationId xmlns:a16="http://schemas.microsoft.com/office/drawing/2014/main" id="{4F87C12C-0DD8-4B86-BC94-DF5A629DD5DA}"/>
-              </a:ext>
-            </a:extLst>
-          </p:cNvPr>
-          <p:cNvSpPr txBox="1"/>
-          <p:nvPr/>
-        </p:nvSpPr>
-        <p:spPr>
-          <a:xfrm>
-            <a:off x="1829682" y="3699583"/>
-            <a:ext cx="1445851" cy="534075"/>
-          </a:xfrm>
-          <a:prstGeom prst="rect">
-            <a:avLst/>
-          </a:prstGeom>
-        </p:spPr>
-        <p:txBody>
-          <a:bodyPr vert="horz" wrap="square" lIns="91440" tIns="45720" rIns="91440" bIns="45720" rtlCol="0">
-            <a:normAutofit/>
-          </a:bodyPr>
+          <p:cNvSpPr>
+            <a:spLocks noGrp="1"/>
+          </p:cNvSpPr>
+          <p:nvPr>
+            <p:ph type="body" sz="quarter" idx="15"/>
+          </p:nvPr>
+        </p:nvSpPr>
+        <p:spPr/>
+        <p:txBody>
+          <a:bodyPr/>
           <a:lstStyle/>
           <a:p>
-            <a:pPr marL="266700" marR="0" indent="-266700" algn="l" defTabSz="457200" rtl="0" eaLnBrk="1" fontAlgn="auto" latinLnBrk="0" hangingPunct="1">
-              <a:lnSpc>
-                <a:spcPct val="100000"/>
-              </a:lnSpc>
-              <a:spcBef>
-                <a:spcPct val="20000"/>
-              </a:spcBef>
-              <a:spcAft>
-                <a:spcPts val="0"/>
-              </a:spcAft>
-              <a:buClrTx/>
-              <a:buSzTx/>
-              <a:buFont typeface="Arial"/>
-              <a:buChar char="•"/>
-              <a:tabLst/>
-            </a:pPr>
-            <a:r>
-              <a:rPr kumimoji="0" lang="en-US" sz="2200" b="0" i="0" u="none" strike="noStrike" kern="1200" cap="none" spc="0" normalizeH="0" baseline="0" noProof="0" dirty="0">
-                <a:ln>
-                  <a:noFill/>
-                </a:ln>
-                <a:solidFill>
-                  <a:srgbClr val="5A5D5E"/>
-                </a:solidFill>
-                <a:effectLst/>
-                <a:uLnTx/>
-                <a:uFillTx/>
-                <a:latin typeface="+mn-lt"/>
-                <a:ea typeface="+mj-ea"/>
-                <a:cs typeface="+mj-cs"/>
-              </a:rPr>
-              <a:t>Memory</a:t>
-            </a:r>
-          </a:p>
-        </p:txBody>
-      </p:sp>
-      <p:sp>
-        <p:nvSpPr>
-          <p:cNvPr id="22" name="TextBox 21">
-            <a:extLst>
-              <a:ext uri="{FF2B5EF4-FFF2-40B4-BE49-F238E27FC236}">
-                <a16:creationId xmlns:a16="http://schemas.microsoft.com/office/drawing/2014/main" id="{801956EE-2952-4D20-B141-1B4F87928CBF}"/>
-              </a:ext>
-            </a:extLst>
-          </p:cNvPr>
-          <p:cNvSpPr txBox="1"/>
-          <p:nvPr/>
-        </p:nvSpPr>
-        <p:spPr>
-          <a:xfrm>
-            <a:off x="1815032" y="4265623"/>
-            <a:ext cx="1445851" cy="534075"/>
-          </a:xfrm>
-          <a:prstGeom prst="rect">
-            <a:avLst/>
-          </a:prstGeom>
-        </p:spPr>
-        <p:txBody>
-          <a:bodyPr vert="horz" wrap="square" lIns="91440" tIns="45720" rIns="91440" bIns="45720" rtlCol="0">
-            <a:normAutofit/>
-          </a:bodyPr>
-          <a:lstStyle/>
-          <a:p>
-            <a:pPr marL="266700" marR="0" indent="-266700" algn="l" defTabSz="457200" rtl="0" eaLnBrk="1" fontAlgn="auto" latinLnBrk="0" hangingPunct="1">
-              <a:lnSpc>
-                <a:spcPct val="100000"/>
-              </a:lnSpc>
-              <a:spcBef>
-                <a:spcPct val="20000"/>
-              </a:spcBef>
-              <a:spcAft>
-                <a:spcPts val="0"/>
-              </a:spcAft>
-              <a:buClrTx/>
-              <a:buSzTx/>
-              <a:buFont typeface="Arial"/>
-              <a:buChar char="•"/>
-              <a:tabLst/>
-            </a:pPr>
-            <a:r>
-              <a:rPr kumimoji="0" lang="en-US" sz="2200" b="0" i="0" u="none" strike="noStrike" kern="1200" cap="none" spc="0" normalizeH="0" baseline="0" noProof="0" dirty="0">
-                <a:ln>
-                  <a:noFill/>
-                </a:ln>
-                <a:solidFill>
-                  <a:srgbClr val="5A5D5E"/>
-                </a:solidFill>
-                <a:effectLst/>
-                <a:uLnTx/>
-                <a:uFillTx/>
-                <a:latin typeface="+mn-lt"/>
-                <a:ea typeface="+mj-ea"/>
-                <a:cs typeface="+mj-cs"/>
-              </a:rPr>
-              <a:t>Disk</a:t>
-            </a:r>
-          </a:p>
-        </p:txBody>
-      </p:sp>
-      <p:sp>
-        <p:nvSpPr>
-          <p:cNvPr id="23" name="Rectangle 22">
-            <a:extLst>
-              <a:ext uri="{FF2B5EF4-FFF2-40B4-BE49-F238E27FC236}">
-                <a16:creationId xmlns:a16="http://schemas.microsoft.com/office/drawing/2014/main" id="{7FD08BC6-ED44-46A7-A117-338F88187BE4}"/>
-              </a:ext>
-            </a:extLst>
-          </p:cNvPr>
-          <p:cNvSpPr/>
-          <p:nvPr/>
-        </p:nvSpPr>
-        <p:spPr>
-          <a:xfrm>
-            <a:off x="7961035" y="3771011"/>
-            <a:ext cx="466794" cy="369332"/>
-          </a:xfrm>
-          <a:prstGeom prst="rect">
-            <a:avLst/>
-          </a:prstGeom>
-        </p:spPr>
-        <p:txBody>
-          <a:bodyPr wrap="none">
-            <a:spAutoFit/>
-          </a:bodyPr>
-          <a:lstStyle/>
-          <a:p>
-            <a:r>
-              <a:rPr lang="en-US" dirty="0">
-                <a:solidFill>
-                  <a:srgbClr val="5A5D5E"/>
-                </a:solidFill>
-              </a:rPr>
-              <a:t>Zip</a:t>
-            </a:r>
-            <a:endParaRPr lang="en-US" dirty="0"/>
-          </a:p>
-        </p:txBody>
-      </p:sp>
-      <p:pic>
-        <p:nvPicPr>
-          <p:cNvPr id="25" name="Graphic 24" descr="Browser window">
-            <a:extLst>
-              <a:ext uri="{FF2B5EF4-FFF2-40B4-BE49-F238E27FC236}">
-                <a16:creationId xmlns:a16="http://schemas.microsoft.com/office/drawing/2014/main" id="{158886F8-BDCF-46B0-B037-F1613A77EDAF}"/>
-              </a:ext>
-            </a:extLst>
-          </p:cNvPr>
-          <p:cNvPicPr>
-            <a:picLocks noChangeAspect="1"/>
-          </p:cNvPicPr>
-          <p:nvPr/>
-        </p:nvPicPr>
-        <p:blipFill>
-          <a:blip r:embed="rId16">
-            <a:extLst>
-              <a:ext uri="{28A0092B-C50C-407E-A947-70E740481C1C}">
-                <a14:useLocalDpi xmlns:a14="http://schemas.microsoft.com/office/drawing/2010/main" val="0"/>
-              </a:ext>
-              <a:ext uri="{96DAC541-7B7A-43D3-8B79-37D633B846F1}">
-                <asvg:svgBlip xmlns:asvg="http://schemas.microsoft.com/office/drawing/2016/SVG/main" r:embed="rId17"/>
-              </a:ext>
-            </a:extLst>
-          </a:blip>
-          <a:stretch>
-            <a:fillRect/>
-          </a:stretch>
-        </p:blipFill>
-        <p:spPr>
-          <a:xfrm>
-            <a:off x="8321807" y="1230723"/>
-            <a:ext cx="914400" cy="914400"/>
-          </a:xfrm>
-          <a:prstGeom prst="rect">
-            <a:avLst/>
-          </a:prstGeom>
-        </p:spPr>
-      </p:pic>
-      <p:pic>
-        <p:nvPicPr>
-          <p:cNvPr id="27" name="Graphic 26" descr="Ethernet">
-            <a:extLst>
-              <a:ext uri="{FF2B5EF4-FFF2-40B4-BE49-F238E27FC236}">
-                <a16:creationId xmlns:a16="http://schemas.microsoft.com/office/drawing/2014/main" id="{A793F2C4-7D71-4B77-B250-742BD8716CC6}"/>
-              </a:ext>
-            </a:extLst>
-          </p:cNvPr>
-          <p:cNvPicPr>
-            <a:picLocks noChangeAspect="1"/>
-          </p:cNvPicPr>
-          <p:nvPr/>
-        </p:nvPicPr>
-        <p:blipFill>
-          <a:blip r:embed="rId18">
-            <a:extLst>
-              <a:ext uri="{28A0092B-C50C-407E-A947-70E740481C1C}">
-                <a14:useLocalDpi xmlns:a14="http://schemas.microsoft.com/office/drawing/2010/main" val="0"/>
-              </a:ext>
-              <a:ext uri="{96DAC541-7B7A-43D3-8B79-37D633B846F1}">
-                <asvg:svgBlip xmlns:asvg="http://schemas.microsoft.com/office/drawing/2016/SVG/main" r:embed="rId19"/>
-              </a:ext>
-            </a:extLst>
-          </a:blip>
-          <a:stretch>
-            <a:fillRect/>
-          </a:stretch>
-        </p:blipFill>
-        <p:spPr>
-          <a:xfrm>
-            <a:off x="7195471" y="1264301"/>
-            <a:ext cx="914400" cy="914400"/>
-          </a:xfrm>
-          <a:prstGeom prst="rect">
-            <a:avLst/>
-          </a:prstGeom>
-        </p:spPr>
-      </p:pic>
-      <p:sp>
-        <p:nvSpPr>
-          <p:cNvPr id="32" name="Rectangle 31">
-            <a:extLst>
-              <a:ext uri="{FF2B5EF4-FFF2-40B4-BE49-F238E27FC236}">
-                <a16:creationId xmlns:a16="http://schemas.microsoft.com/office/drawing/2014/main" id="{9CFDE7B1-3E8E-4118-8D65-B81130ADD391}"/>
-              </a:ext>
-            </a:extLst>
-          </p:cNvPr>
-          <p:cNvSpPr/>
-          <p:nvPr/>
-        </p:nvSpPr>
-        <p:spPr>
-          <a:xfrm>
-            <a:off x="8498321" y="971121"/>
-            <a:ext cx="561372" cy="369332"/>
-          </a:xfrm>
-          <a:prstGeom prst="rect">
-            <a:avLst/>
-          </a:prstGeom>
-        </p:spPr>
-        <p:txBody>
-          <a:bodyPr wrap="none">
-            <a:spAutoFit/>
-          </a:bodyPr>
-          <a:lstStyle/>
-          <a:p>
-            <a:r>
-              <a:rPr lang="en-US" dirty="0">
-                <a:solidFill>
-                  <a:srgbClr val="5A5D5E"/>
-                </a:solidFill>
-              </a:rPr>
-              <a:t>App</a:t>
-            </a:r>
-            <a:endParaRPr lang="en-US" dirty="0"/>
-          </a:p>
-        </p:txBody>
-      </p:sp>
-      <p:sp>
-        <p:nvSpPr>
-          <p:cNvPr id="33" name="Rectangle 32">
-            <a:extLst>
-              <a:ext uri="{FF2B5EF4-FFF2-40B4-BE49-F238E27FC236}">
-                <a16:creationId xmlns:a16="http://schemas.microsoft.com/office/drawing/2014/main" id="{9369DAAD-3ACF-4385-AC88-8CA225EEB3B5}"/>
-              </a:ext>
-            </a:extLst>
-          </p:cNvPr>
-          <p:cNvSpPr/>
-          <p:nvPr/>
-        </p:nvSpPr>
-        <p:spPr>
-          <a:xfrm>
-            <a:off x="7405648" y="1090548"/>
-            <a:ext cx="494046" cy="369332"/>
-          </a:xfrm>
-          <a:prstGeom prst="rect">
-            <a:avLst/>
-          </a:prstGeom>
-        </p:spPr>
-        <p:txBody>
-          <a:bodyPr wrap="none">
-            <a:spAutoFit/>
-          </a:bodyPr>
-          <a:lstStyle/>
-          <a:p>
-            <a:r>
-              <a:rPr lang="en-US" dirty="0">
-                <a:solidFill>
-                  <a:srgbClr val="5A5D5E"/>
-                </a:solidFill>
-              </a:rPr>
-              <a:t>API</a:t>
-            </a:r>
-            <a:endParaRPr lang="en-US" dirty="0"/>
-          </a:p>
-        </p:txBody>
-      </p:sp>
-      <p:sp>
-        <p:nvSpPr>
-          <p:cNvPr id="34" name="Rectangle 33">
-            <a:extLst>
-              <a:ext uri="{FF2B5EF4-FFF2-40B4-BE49-F238E27FC236}">
-                <a16:creationId xmlns:a16="http://schemas.microsoft.com/office/drawing/2014/main" id="{E18E7A2F-42E2-4034-94AD-53BF116749D4}"/>
-              </a:ext>
-            </a:extLst>
-          </p:cNvPr>
-          <p:cNvSpPr/>
-          <p:nvPr/>
-        </p:nvSpPr>
-        <p:spPr>
-          <a:xfrm>
-            <a:off x="3176136" y="1107099"/>
-            <a:ext cx="452368" cy="369332"/>
-          </a:xfrm>
-          <a:prstGeom prst="rect">
-            <a:avLst/>
-          </a:prstGeom>
-        </p:spPr>
-        <p:txBody>
-          <a:bodyPr wrap="none">
-            <a:spAutoFit/>
-          </a:bodyPr>
-          <a:lstStyle/>
-          <a:p>
-            <a:r>
-              <a:rPr lang="en-US" dirty="0">
-                <a:solidFill>
-                  <a:srgbClr val="5A5D5E"/>
-                </a:solidFill>
-              </a:rPr>
-              <a:t>DB</a:t>
-            </a:r>
-            <a:endParaRPr lang="en-US" dirty="0"/>
-          </a:p>
-        </p:txBody>
-      </p:sp>
-      <p:sp>
-        <p:nvSpPr>
-          <p:cNvPr id="35" name="Rectangle 34">
-            <a:extLst>
-              <a:ext uri="{FF2B5EF4-FFF2-40B4-BE49-F238E27FC236}">
-                <a16:creationId xmlns:a16="http://schemas.microsoft.com/office/drawing/2014/main" id="{BA5A486A-A95B-4A90-8A27-84FD8C6F86AC}"/>
-              </a:ext>
-            </a:extLst>
-          </p:cNvPr>
-          <p:cNvSpPr/>
-          <p:nvPr/>
-        </p:nvSpPr>
-        <p:spPr>
-          <a:xfrm>
-            <a:off x="2654824" y="2867053"/>
-            <a:ext cx="1219629" cy="369332"/>
-          </a:xfrm>
-          <a:prstGeom prst="rect">
-            <a:avLst/>
-          </a:prstGeom>
-        </p:spPr>
-        <p:txBody>
-          <a:bodyPr wrap="none">
-            <a:spAutoFit/>
-          </a:bodyPr>
-          <a:lstStyle/>
-          <a:p>
-            <a:r>
-              <a:rPr lang="en-US" dirty="0">
-                <a:solidFill>
-                  <a:srgbClr val="5A5D5E"/>
-                </a:solidFill>
-              </a:rPr>
-              <a:t>Workspace</a:t>
-            </a:r>
-            <a:endParaRPr lang="en-US" dirty="0"/>
-          </a:p>
-        </p:txBody>
-      </p:sp>
-      <p:sp>
-        <p:nvSpPr>
-          <p:cNvPr id="36" name="Rectangle 35">
-            <a:extLst>
-              <a:ext uri="{FF2B5EF4-FFF2-40B4-BE49-F238E27FC236}">
-                <a16:creationId xmlns:a16="http://schemas.microsoft.com/office/drawing/2014/main" id="{0221727D-BCDC-4E27-8F18-C9BB02B61E82}"/>
-              </a:ext>
-            </a:extLst>
-          </p:cNvPr>
-          <p:cNvSpPr/>
-          <p:nvPr/>
-        </p:nvSpPr>
-        <p:spPr>
-          <a:xfrm>
-            <a:off x="4810291" y="1471292"/>
-            <a:ext cx="1430969" cy="646331"/>
-          </a:xfrm>
-          <a:prstGeom prst="rect">
-            <a:avLst/>
-          </a:prstGeom>
-        </p:spPr>
-        <p:txBody>
-          <a:bodyPr wrap="none">
-            <a:spAutoFit/>
-          </a:bodyPr>
-          <a:lstStyle/>
-          <a:p>
-            <a:r>
-              <a:rPr lang="en-US" dirty="0"/>
-              <a:t>Cloud Model </a:t>
-            </a:r>
-            <a:br>
-              <a:rPr lang="en-US" dirty="0"/>
-            </a:br>
-            <a:r>
-              <a:rPr lang="en-US" dirty="0"/>
-              <a:t>management</a:t>
-            </a:r>
-          </a:p>
-        </p:txBody>
-      </p:sp>
-      <p:pic>
-        <p:nvPicPr>
-          <p:cNvPr id="38" name="Graphic 37" descr="Table">
-            <a:extLst>
-              <a:ext uri="{FF2B5EF4-FFF2-40B4-BE49-F238E27FC236}">
-                <a16:creationId xmlns:a16="http://schemas.microsoft.com/office/drawing/2014/main" id="{C2572366-FEFB-4DEF-9FD6-75E03716E378}"/>
-              </a:ext>
-            </a:extLst>
-          </p:cNvPr>
-          <p:cNvPicPr>
-            <a:picLocks noChangeAspect="1"/>
-          </p:cNvPicPr>
-          <p:nvPr/>
-        </p:nvPicPr>
-        <p:blipFill>
-          <a:blip r:embed="rId20">
-            <a:extLst>
-              <a:ext uri="{28A0092B-C50C-407E-A947-70E740481C1C}">
-                <a14:useLocalDpi xmlns:a14="http://schemas.microsoft.com/office/drawing/2010/main" val="0"/>
-              </a:ext>
-              <a:ext uri="{96DAC541-7B7A-43D3-8B79-37D633B846F1}">
-                <asvg:svgBlip xmlns:asvg="http://schemas.microsoft.com/office/drawing/2016/SVG/main" r:embed="rId21"/>
-              </a:ext>
-            </a:extLst>
-          </a:blip>
-          <a:stretch>
-            <a:fillRect/>
-          </a:stretch>
-        </p:blipFill>
-        <p:spPr>
-          <a:xfrm>
-            <a:off x="3012723" y="3051719"/>
-            <a:ext cx="799551" cy="799551"/>
-          </a:xfrm>
-          <a:prstGeom prst="rect">
-            <a:avLst/>
-          </a:prstGeom>
-        </p:spPr>
-      </p:pic>
-      <p:sp>
-        <p:nvSpPr>
-          <p:cNvPr id="39" name="Rectangle 38">
-            <a:extLst>
-              <a:ext uri="{FF2B5EF4-FFF2-40B4-BE49-F238E27FC236}">
-                <a16:creationId xmlns:a16="http://schemas.microsoft.com/office/drawing/2014/main" id="{B1B038CE-B3DE-4AD9-ACE1-714E413EA2B1}"/>
-              </a:ext>
-            </a:extLst>
-          </p:cNvPr>
-          <p:cNvSpPr/>
-          <p:nvPr/>
-        </p:nvSpPr>
-        <p:spPr>
-          <a:xfrm>
-            <a:off x="4810291" y="4848074"/>
-            <a:ext cx="545342" cy="369332"/>
-          </a:xfrm>
-          <a:prstGeom prst="rect">
-            <a:avLst/>
-          </a:prstGeom>
-        </p:spPr>
-        <p:txBody>
-          <a:bodyPr wrap="none">
-            <a:spAutoFit/>
-          </a:bodyPr>
-          <a:lstStyle/>
-          <a:p>
-            <a:r>
-              <a:rPr lang="en-US" dirty="0">
-                <a:solidFill>
-                  <a:srgbClr val="5A5D5E"/>
-                </a:solidFill>
-              </a:rPr>
-              <a:t>.</a:t>
-            </a:r>
-            <a:r>
-              <a:rPr lang="en-US" dirty="0" err="1">
-                <a:solidFill>
-                  <a:srgbClr val="5A5D5E"/>
-                </a:solidFill>
-              </a:rPr>
-              <a:t>sce</a:t>
-            </a:r>
-            <a:endParaRPr lang="en-US" dirty="0"/>
-          </a:p>
-        </p:txBody>
-      </p:sp>
-      <p:pic>
-        <p:nvPicPr>
-          <p:cNvPr id="40" name="Graphic 39" descr="Paper">
-            <a:extLst>
-              <a:ext uri="{FF2B5EF4-FFF2-40B4-BE49-F238E27FC236}">
-                <a16:creationId xmlns:a16="http://schemas.microsoft.com/office/drawing/2014/main" id="{F85D4596-8C99-4C70-A675-AF5C11602825}"/>
-              </a:ext>
-            </a:extLst>
-          </p:cNvPr>
-          <p:cNvPicPr>
-            <a:picLocks noChangeAspect="1"/>
-          </p:cNvPicPr>
-          <p:nvPr/>
-        </p:nvPicPr>
-        <p:blipFill>
-          <a:blip r:embed="rId4">
-            <a:extLst>
-              <a:ext uri="{28A0092B-C50C-407E-A947-70E740481C1C}">
-                <a14:useLocalDpi xmlns:a14="http://schemas.microsoft.com/office/drawing/2010/main" val="0"/>
-              </a:ext>
-              <a:ext uri="{96DAC541-7B7A-43D3-8B79-37D633B846F1}">
-                <asvg:svgBlip xmlns:asvg="http://schemas.microsoft.com/office/drawing/2016/SVG/main" r:embed="rId5"/>
-              </a:ext>
-            </a:extLst>
-          </a:blip>
-          <a:stretch>
-            <a:fillRect/>
-          </a:stretch>
-        </p:blipFill>
-        <p:spPr>
-          <a:xfrm>
-            <a:off x="4593344" y="3120057"/>
-            <a:ext cx="914400" cy="914400"/>
-          </a:xfrm>
-          <a:prstGeom prst="rect">
-            <a:avLst/>
-          </a:prstGeom>
-        </p:spPr>
-      </p:pic>
-      <p:sp>
-        <p:nvSpPr>
-          <p:cNvPr id="41" name="Rectangle 40">
-            <a:extLst>
-              <a:ext uri="{FF2B5EF4-FFF2-40B4-BE49-F238E27FC236}">
-                <a16:creationId xmlns:a16="http://schemas.microsoft.com/office/drawing/2014/main" id="{9F379C33-C2FA-448B-B542-F2CF5752160C}"/>
-              </a:ext>
-            </a:extLst>
-          </p:cNvPr>
-          <p:cNvSpPr/>
-          <p:nvPr/>
-        </p:nvSpPr>
-        <p:spPr>
-          <a:xfrm>
-            <a:off x="4762478" y="3510804"/>
-            <a:ext cx="482824" cy="369332"/>
-          </a:xfrm>
-          <a:prstGeom prst="rect">
-            <a:avLst/>
-          </a:prstGeom>
-        </p:spPr>
-        <p:txBody>
-          <a:bodyPr wrap="none">
-            <a:spAutoFit/>
-          </a:bodyPr>
-          <a:lstStyle/>
-          <a:p>
-            <a:r>
-              <a:rPr lang="en-US" dirty="0">
-                <a:solidFill>
-                  <a:srgbClr val="5A5D5E"/>
-                </a:solidFill>
-              </a:rPr>
-              <a:t>.sci</a:t>
-            </a:r>
-            <a:endParaRPr lang="en-US" dirty="0"/>
-          </a:p>
-        </p:txBody>
-      </p:sp>
-      <p:cxnSp>
-        <p:nvCxnSpPr>
-          <p:cNvPr id="43" name="Straight Arrow Connector 42">
-            <a:extLst>
-              <a:ext uri="{FF2B5EF4-FFF2-40B4-BE49-F238E27FC236}">
-                <a16:creationId xmlns:a16="http://schemas.microsoft.com/office/drawing/2014/main" id="{F0769A80-4FBC-4E6C-8815-6ED41FEB8029}"/>
-              </a:ext>
-            </a:extLst>
-          </p:cNvPr>
-          <p:cNvCxnSpPr>
-            <a:cxnSpLocks/>
-          </p:cNvCxnSpPr>
-          <p:nvPr/>
-        </p:nvCxnSpPr>
-        <p:spPr>
-          <a:xfrm flipH="1" flipV="1">
-            <a:off x="3867284" y="3423400"/>
-            <a:ext cx="671050" cy="7341"/>
-          </a:xfrm>
-          <a:prstGeom prst="straightConnector1">
-            <a:avLst/>
-          </a:prstGeom>
-          <a:ln>
-            <a:tailEnd type="triangle"/>
-          </a:ln>
-        </p:spPr>
-        <p:style>
-          <a:lnRef idx="2">
-            <a:schemeClr val="accent1"/>
-          </a:lnRef>
-          <a:fillRef idx="0">
-            <a:schemeClr val="accent1"/>
-          </a:fillRef>
-          <a:effectRef idx="1">
-            <a:schemeClr val="accent1"/>
-          </a:effectRef>
-          <a:fontRef idx="minor">
-            <a:schemeClr val="tx1"/>
-          </a:fontRef>
-        </p:style>
-      </p:cxnSp>
-      <p:cxnSp>
-        <p:nvCxnSpPr>
-          <p:cNvPr id="44" name="Straight Arrow Connector 43">
-            <a:extLst>
-              <a:ext uri="{FF2B5EF4-FFF2-40B4-BE49-F238E27FC236}">
-                <a16:creationId xmlns:a16="http://schemas.microsoft.com/office/drawing/2014/main" id="{CA7431D8-9185-4BD5-9053-8DC6C0C8D893}"/>
-              </a:ext>
-            </a:extLst>
-          </p:cNvPr>
-          <p:cNvCxnSpPr>
-            <a:cxnSpLocks/>
-          </p:cNvCxnSpPr>
-          <p:nvPr/>
-        </p:nvCxnSpPr>
-        <p:spPr>
-          <a:xfrm flipH="1" flipV="1">
-            <a:off x="4971998" y="2178484"/>
-            <a:ext cx="9279" cy="616380"/>
-          </a:xfrm>
-          <a:prstGeom prst="straightConnector1">
-            <a:avLst/>
-          </a:prstGeom>
-          <a:ln>
-            <a:tailEnd type="triangle"/>
-          </a:ln>
-        </p:spPr>
-        <p:style>
-          <a:lnRef idx="2">
-            <a:schemeClr val="accent1"/>
-          </a:lnRef>
-          <a:fillRef idx="0">
-            <a:schemeClr val="accent1"/>
-          </a:fillRef>
-          <a:effectRef idx="1">
-            <a:schemeClr val="accent1"/>
-          </a:effectRef>
-          <a:fontRef idx="minor">
-            <a:schemeClr val="tx1"/>
-          </a:fontRef>
-        </p:style>
-      </p:cxnSp>
-      <p:sp>
-        <p:nvSpPr>
-          <p:cNvPr id="46" name="Rectangle: Rounded Corners 45">
-            <a:extLst>
-              <a:ext uri="{FF2B5EF4-FFF2-40B4-BE49-F238E27FC236}">
-                <a16:creationId xmlns:a16="http://schemas.microsoft.com/office/drawing/2014/main" id="{6E6641FC-4A9A-45DE-9088-F2D28D4484AD}"/>
-              </a:ext>
-            </a:extLst>
-          </p:cNvPr>
-          <p:cNvSpPr/>
-          <p:nvPr/>
-        </p:nvSpPr>
-        <p:spPr>
-          <a:xfrm>
-            <a:off x="5616063" y="2840323"/>
-            <a:ext cx="914400" cy="369332"/>
-          </a:xfrm>
-          <a:prstGeom prst="roundRect">
-            <a:avLst/>
-          </a:prstGeom>
-        </p:spPr>
-        <p:style>
-          <a:lnRef idx="2">
-            <a:schemeClr val="accent3"/>
-          </a:lnRef>
-          <a:fillRef idx="1">
-            <a:schemeClr val="lt1"/>
-          </a:fillRef>
-          <a:effectRef idx="0">
-            <a:schemeClr val="accent3"/>
-          </a:effectRef>
-          <a:fontRef idx="minor">
-            <a:schemeClr val="dk1"/>
-          </a:fontRef>
-        </p:style>
-        <p:txBody>
-          <a:bodyPr rtlCol="0" anchor="ctr"/>
-          <a:lstStyle/>
-          <a:p>
-            <a:pPr algn="ctr"/>
-            <a:r>
-              <a:rPr lang="en-US" sz="1400" dirty="0"/>
-              <a:t>autoload</a:t>
-            </a:r>
-          </a:p>
-        </p:txBody>
-      </p:sp>
-      <p:cxnSp>
-        <p:nvCxnSpPr>
-          <p:cNvPr id="47" name="Straight Arrow Connector 46">
-            <a:extLst>
-              <a:ext uri="{FF2B5EF4-FFF2-40B4-BE49-F238E27FC236}">
-                <a16:creationId xmlns:a16="http://schemas.microsoft.com/office/drawing/2014/main" id="{289F07B4-26CF-4DAE-9D7B-2F7A32E833F0}"/>
-              </a:ext>
-            </a:extLst>
-          </p:cNvPr>
-          <p:cNvCxnSpPr>
-            <a:cxnSpLocks/>
-          </p:cNvCxnSpPr>
-          <p:nvPr/>
-        </p:nvCxnSpPr>
-        <p:spPr>
-          <a:xfrm flipV="1">
-            <a:off x="5651420" y="3552633"/>
-            <a:ext cx="1927132" cy="27429"/>
-          </a:xfrm>
-          <a:prstGeom prst="straightConnector1">
-            <a:avLst/>
-          </a:prstGeom>
-          <a:ln>
-            <a:tailEnd type="triangle"/>
-          </a:ln>
-        </p:spPr>
-        <p:style>
-          <a:lnRef idx="2">
-            <a:schemeClr val="accent1"/>
-          </a:lnRef>
-          <a:fillRef idx="0">
-            <a:schemeClr val="accent1"/>
-          </a:fillRef>
-          <a:effectRef idx="1">
-            <a:schemeClr val="accent1"/>
-          </a:effectRef>
-          <a:fontRef idx="minor">
-            <a:schemeClr val="tx1"/>
-          </a:fontRef>
-        </p:style>
-      </p:cxnSp>
-      <p:grpSp>
-        <p:nvGrpSpPr>
-          <p:cNvPr id="9" name="Group 8">
-            <a:extLst>
-              <a:ext uri="{FF2B5EF4-FFF2-40B4-BE49-F238E27FC236}">
-                <a16:creationId xmlns:a16="http://schemas.microsoft.com/office/drawing/2014/main" id="{B973A330-DAE3-4580-B427-67EDBC05D063}"/>
-              </a:ext>
-            </a:extLst>
-          </p:cNvPr>
-          <p:cNvGrpSpPr/>
-          <p:nvPr/>
-        </p:nvGrpSpPr>
-        <p:grpSpPr>
-          <a:xfrm rot="16200000">
-            <a:off x="7814463" y="2077963"/>
-            <a:ext cx="755945" cy="776672"/>
-            <a:chOff x="8159706" y="3078538"/>
-            <a:chExt cx="1522821" cy="776672"/>
-          </a:xfrm>
-        </p:grpSpPr>
-        <p:cxnSp>
-          <p:nvCxnSpPr>
-            <p:cNvPr id="50" name="Straight Arrow Connector 49">
-              <a:extLst>
-                <a:ext uri="{FF2B5EF4-FFF2-40B4-BE49-F238E27FC236}">
-                  <a16:creationId xmlns:a16="http://schemas.microsoft.com/office/drawing/2014/main" id="{B8821A28-EB70-43DD-8085-F55465F73C92}"/>
-                </a:ext>
-              </a:extLst>
-            </p:cNvPr>
-            <p:cNvCxnSpPr>
-              <a:cxnSpLocks/>
-            </p:cNvCxnSpPr>
-            <p:nvPr/>
-          </p:nvCxnSpPr>
-          <p:spPr>
-            <a:xfrm flipV="1">
-              <a:off x="8183982" y="3078538"/>
-              <a:ext cx="1487844" cy="310414"/>
-            </a:xfrm>
-            <a:prstGeom prst="straightConnector1">
-              <a:avLst/>
-            </a:prstGeom>
-            <a:ln>
-              <a:tailEnd type="triangle"/>
-            </a:ln>
-          </p:spPr>
-          <p:style>
-            <a:lnRef idx="2">
-              <a:schemeClr val="accent1"/>
-            </a:lnRef>
-            <a:fillRef idx="0">
-              <a:schemeClr val="accent1"/>
-            </a:fillRef>
-            <a:effectRef idx="1">
-              <a:schemeClr val="accent1"/>
-            </a:effectRef>
-            <a:fontRef idx="minor">
-              <a:schemeClr val="tx1"/>
-            </a:fontRef>
-          </p:style>
-        </p:cxnSp>
-        <p:cxnSp>
-          <p:nvCxnSpPr>
-            <p:cNvPr id="52" name="Straight Arrow Connector 51">
-              <a:extLst>
-                <a:ext uri="{FF2B5EF4-FFF2-40B4-BE49-F238E27FC236}">
-                  <a16:creationId xmlns:a16="http://schemas.microsoft.com/office/drawing/2014/main" id="{107F310E-E5EE-4C9D-9CAD-59726878D445}"/>
-                </a:ext>
-              </a:extLst>
-            </p:cNvPr>
-            <p:cNvCxnSpPr>
-              <a:cxnSpLocks/>
-            </p:cNvCxnSpPr>
-            <p:nvPr/>
-          </p:nvCxnSpPr>
-          <p:spPr>
-            <a:xfrm>
-              <a:off x="8159706" y="3596246"/>
-              <a:ext cx="1522821" cy="258964"/>
-            </a:xfrm>
-            <a:prstGeom prst="straightConnector1">
-              <a:avLst/>
-            </a:prstGeom>
-            <a:ln>
-              <a:tailEnd type="triangle"/>
-            </a:ln>
-          </p:spPr>
-          <p:style>
-            <a:lnRef idx="2">
-              <a:schemeClr val="accent1"/>
-            </a:lnRef>
-            <a:fillRef idx="0">
-              <a:schemeClr val="accent1"/>
-            </a:fillRef>
-            <a:effectRef idx="1">
-              <a:schemeClr val="accent1"/>
-            </a:effectRef>
-            <a:fontRef idx="minor">
-              <a:schemeClr val="tx1"/>
-            </a:fontRef>
-          </p:style>
-        </p:cxnSp>
-      </p:grpSp>
-      <p:cxnSp>
-        <p:nvCxnSpPr>
-          <p:cNvPr id="55" name="Straight Connector 54">
-            <a:extLst>
-              <a:ext uri="{FF2B5EF4-FFF2-40B4-BE49-F238E27FC236}">
-                <a16:creationId xmlns:a16="http://schemas.microsoft.com/office/drawing/2014/main" id="{869667E8-D458-4B9D-9054-B88AC06111AC}"/>
-              </a:ext>
-            </a:extLst>
-          </p:cNvPr>
-          <p:cNvCxnSpPr>
-            <a:cxnSpLocks/>
-          </p:cNvCxnSpPr>
-          <p:nvPr/>
-        </p:nvCxnSpPr>
-        <p:spPr>
-          <a:xfrm>
-            <a:off x="886165" y="4243934"/>
-            <a:ext cx="10348073" cy="44477"/>
-          </a:xfrm>
-          <a:prstGeom prst="line">
-            <a:avLst/>
-          </a:prstGeom>
-          <a:ln w="9525" cap="flat" cmpd="sng" algn="ctr">
-            <a:solidFill>
-              <a:schemeClr val="dk1"/>
-            </a:solidFill>
-            <a:prstDash val="dash"/>
-            <a:round/>
-            <a:headEnd type="none" w="med" len="med"/>
-            <a:tailEnd type="none" w="med" len="med"/>
-          </a:ln>
-        </p:spPr>
-        <p:style>
-          <a:lnRef idx="0">
-            <a:scrgbClr r="0" g="0" b="0"/>
-          </a:lnRef>
-          <a:fillRef idx="0">
-            <a:scrgbClr r="0" g="0" b="0"/>
-          </a:fillRef>
-          <a:effectRef idx="0">
-            <a:scrgbClr r="0" g="0" b="0"/>
-          </a:effectRef>
-          <a:fontRef idx="minor">
-            <a:schemeClr val="tx1"/>
-          </a:fontRef>
-        </p:style>
-      </p:cxnSp>
-      <p:cxnSp>
-        <p:nvCxnSpPr>
-          <p:cNvPr id="56" name="Straight Arrow Connector 55">
-            <a:extLst>
-              <a:ext uri="{FF2B5EF4-FFF2-40B4-BE49-F238E27FC236}">
-                <a16:creationId xmlns:a16="http://schemas.microsoft.com/office/drawing/2014/main" id="{EEA96135-BF37-4899-9100-B4BDBFF39089}"/>
-              </a:ext>
-            </a:extLst>
-          </p:cNvPr>
-          <p:cNvCxnSpPr>
-            <a:cxnSpLocks/>
-          </p:cNvCxnSpPr>
-          <p:nvPr/>
-        </p:nvCxnSpPr>
-        <p:spPr>
-          <a:xfrm flipV="1">
-            <a:off x="5014832" y="4064613"/>
-            <a:ext cx="0" cy="338089"/>
-          </a:xfrm>
-          <a:prstGeom prst="straightConnector1">
-            <a:avLst/>
-          </a:prstGeom>
-          <a:ln>
-            <a:tailEnd type="triangle"/>
-          </a:ln>
-        </p:spPr>
-        <p:style>
-          <a:lnRef idx="2">
-            <a:schemeClr val="accent1"/>
-          </a:lnRef>
-          <a:fillRef idx="0">
-            <a:schemeClr val="accent1"/>
-          </a:fillRef>
-          <a:effectRef idx="1">
-            <a:schemeClr val="accent1"/>
-          </a:effectRef>
-          <a:fontRef idx="minor">
-            <a:schemeClr val="tx1"/>
-          </a:fontRef>
-        </p:style>
-      </p:cxnSp>
-      <p:sp>
-        <p:nvSpPr>
-          <p:cNvPr id="3" name="Rectangle 2">
-            <a:extLst>
-              <a:ext uri="{FF2B5EF4-FFF2-40B4-BE49-F238E27FC236}">
-                <a16:creationId xmlns:a16="http://schemas.microsoft.com/office/drawing/2014/main" id="{6DC6904C-98EA-4EAE-B40B-518742F55806}"/>
-              </a:ext>
-            </a:extLst>
-          </p:cNvPr>
-          <p:cNvSpPr/>
-          <p:nvPr/>
-        </p:nvSpPr>
-        <p:spPr>
-          <a:xfrm>
-            <a:off x="1017783" y="3096516"/>
-            <a:ext cx="620554" cy="369332"/>
-          </a:xfrm>
-          <a:prstGeom prst="rect">
-            <a:avLst/>
-          </a:prstGeom>
-        </p:spPr>
-        <p:txBody>
-          <a:bodyPr wrap="none">
-            <a:spAutoFit/>
-          </a:bodyPr>
-          <a:lstStyle/>
-          <a:p>
-            <a:r>
-              <a:rPr lang="en-US" dirty="0">
-                <a:solidFill>
-                  <a:srgbClr val="5A5D5E"/>
-                </a:solidFill>
-              </a:rPr>
-              <a:t>Data</a:t>
-            </a:r>
-            <a:endParaRPr lang="en-US" dirty="0"/>
-          </a:p>
-        </p:txBody>
-      </p:sp>
-      <p:pic>
-        <p:nvPicPr>
-          <p:cNvPr id="42" name="Graphic 41" descr="Paper">
-            <a:extLst>
-              <a:ext uri="{FF2B5EF4-FFF2-40B4-BE49-F238E27FC236}">
-                <a16:creationId xmlns:a16="http://schemas.microsoft.com/office/drawing/2014/main" id="{A46997CC-F8C0-437E-8F67-D798036CB56C}"/>
-              </a:ext>
-            </a:extLst>
-          </p:cNvPr>
-          <p:cNvPicPr>
-            <a:picLocks noChangeAspect="1"/>
-          </p:cNvPicPr>
-          <p:nvPr/>
-        </p:nvPicPr>
-        <p:blipFill>
-          <a:blip r:embed="rId4">
-            <a:extLst>
-              <a:ext uri="{28A0092B-C50C-407E-A947-70E740481C1C}">
-                <a14:useLocalDpi xmlns:a14="http://schemas.microsoft.com/office/drawing/2010/main" val="0"/>
-              </a:ext>
-              <a:ext uri="{96DAC541-7B7A-43D3-8B79-37D633B846F1}">
-                <asvg:svgBlip xmlns:asvg="http://schemas.microsoft.com/office/drawing/2016/SVG/main" r:embed="rId5"/>
-              </a:ext>
-            </a:extLst>
-          </a:blip>
-          <a:stretch>
-            <a:fillRect/>
-          </a:stretch>
-        </p:blipFill>
-        <p:spPr>
-          <a:xfrm>
-            <a:off x="2896777" y="4460571"/>
-            <a:ext cx="914400" cy="914400"/>
-          </a:xfrm>
-          <a:prstGeom prst="rect">
-            <a:avLst/>
-          </a:prstGeom>
-        </p:spPr>
-      </p:pic>
-      <p:sp>
-        <p:nvSpPr>
-          <p:cNvPr id="45" name="Rectangle 44">
-            <a:extLst>
-              <a:ext uri="{FF2B5EF4-FFF2-40B4-BE49-F238E27FC236}">
-                <a16:creationId xmlns:a16="http://schemas.microsoft.com/office/drawing/2014/main" id="{BF21BB9F-F153-4D20-A4B1-2D0D90C7D26D}"/>
-              </a:ext>
-            </a:extLst>
-          </p:cNvPr>
-          <p:cNvSpPr/>
-          <p:nvPr/>
-        </p:nvSpPr>
-        <p:spPr>
-          <a:xfrm>
-            <a:off x="3065911" y="4851318"/>
-            <a:ext cx="530658" cy="369332"/>
-          </a:xfrm>
-          <a:prstGeom prst="rect">
-            <a:avLst/>
-          </a:prstGeom>
-        </p:spPr>
-        <p:txBody>
-          <a:bodyPr wrap="none">
-            <a:spAutoFit/>
-          </a:bodyPr>
-          <a:lstStyle/>
-          <a:p>
-            <a:r>
-              <a:rPr lang="en-US" dirty="0">
-                <a:solidFill>
-                  <a:srgbClr val="5A5D5E"/>
-                </a:solidFill>
-              </a:rPr>
-              <a:t>.csv</a:t>
-            </a:r>
-            <a:endParaRPr lang="en-US" dirty="0"/>
-          </a:p>
-        </p:txBody>
-      </p:sp>
-      <p:sp>
-        <p:nvSpPr>
-          <p:cNvPr id="17" name="Rectangle 16">
-            <a:extLst>
-              <a:ext uri="{FF2B5EF4-FFF2-40B4-BE49-F238E27FC236}">
-                <a16:creationId xmlns:a16="http://schemas.microsoft.com/office/drawing/2014/main" id="{23945155-1FC2-443C-9414-9016CA379E3D}"/>
-              </a:ext>
-            </a:extLst>
-          </p:cNvPr>
-          <p:cNvSpPr/>
-          <p:nvPr/>
-        </p:nvSpPr>
-        <p:spPr>
-          <a:xfrm>
-            <a:off x="5603259" y="4640674"/>
-            <a:ext cx="2802730" cy="646331"/>
-          </a:xfrm>
-          <a:prstGeom prst="rect">
-            <a:avLst/>
-          </a:prstGeom>
-        </p:spPr>
-        <p:txBody>
-          <a:bodyPr wrap="square">
-            <a:spAutoFit/>
-          </a:bodyPr>
-          <a:lstStyle/>
-          <a:p>
-            <a:r>
-              <a:rPr lang="en-US" dirty="0"/>
-              <a:t>Local File</a:t>
-            </a:r>
-            <a:br>
-              <a:rPr lang="en-US" dirty="0"/>
-            </a:br>
-            <a:r>
-              <a:rPr lang="en-US" dirty="0"/>
-              <a:t>management</a:t>
-            </a:r>
-          </a:p>
-        </p:txBody>
-      </p:sp>
-      <p:sp>
-        <p:nvSpPr>
-          <p:cNvPr id="19" name="Rectangle 18">
-            <a:extLst>
-              <a:ext uri="{FF2B5EF4-FFF2-40B4-BE49-F238E27FC236}">
-                <a16:creationId xmlns:a16="http://schemas.microsoft.com/office/drawing/2014/main" id="{4F4A0732-93EB-47DF-B14C-B47C00572094}"/>
-              </a:ext>
-            </a:extLst>
-          </p:cNvPr>
-          <p:cNvSpPr/>
-          <p:nvPr/>
-        </p:nvSpPr>
-        <p:spPr>
-          <a:xfrm>
-            <a:off x="4302737" y="2863240"/>
-            <a:ext cx="1095172" cy="369332"/>
-          </a:xfrm>
-          <a:prstGeom prst="rect">
-            <a:avLst/>
-          </a:prstGeom>
-        </p:spPr>
-        <p:txBody>
-          <a:bodyPr wrap="none">
-            <a:spAutoFit/>
-          </a:bodyPr>
-          <a:lstStyle/>
-          <a:p>
-            <a:r>
-              <a:rPr lang="en-US" dirty="0">
-                <a:solidFill>
-                  <a:srgbClr val="5A5D5E"/>
-                </a:solidFill>
-              </a:rPr>
-              <a:t>Functions</a:t>
-            </a:r>
-            <a:endParaRPr lang="en-US" dirty="0"/>
-          </a:p>
-        </p:txBody>
-      </p:sp>
-      <p:cxnSp>
-        <p:nvCxnSpPr>
-          <p:cNvPr id="51" name="Straight Connector 50">
-            <a:extLst>
-              <a:ext uri="{FF2B5EF4-FFF2-40B4-BE49-F238E27FC236}">
-                <a16:creationId xmlns:a16="http://schemas.microsoft.com/office/drawing/2014/main" id="{F768FF71-3323-448B-A19E-FF2C60CAD366}"/>
-              </a:ext>
-            </a:extLst>
-          </p:cNvPr>
-          <p:cNvCxnSpPr>
-            <a:cxnSpLocks/>
-          </p:cNvCxnSpPr>
-          <p:nvPr/>
-        </p:nvCxnSpPr>
-        <p:spPr>
-          <a:xfrm>
-            <a:off x="851717" y="2487225"/>
-            <a:ext cx="10379147" cy="43953"/>
-          </a:xfrm>
-          <a:prstGeom prst="line">
-            <a:avLst/>
-          </a:prstGeom>
-          <a:ln w="9525" cap="flat" cmpd="sng" algn="ctr">
-            <a:solidFill>
-              <a:schemeClr val="dk1"/>
-            </a:solidFill>
-            <a:prstDash val="dash"/>
-            <a:round/>
-            <a:headEnd type="none" w="med" len="med"/>
-            <a:tailEnd type="none" w="med" len="med"/>
-          </a:ln>
-        </p:spPr>
-        <p:style>
-          <a:lnRef idx="0">
-            <a:scrgbClr r="0" g="0" b="0"/>
-          </a:lnRef>
-          <a:fillRef idx="0">
-            <a:scrgbClr r="0" g="0" b="0"/>
-          </a:fillRef>
-          <a:effectRef idx="0">
-            <a:scrgbClr r="0" g="0" b="0"/>
-          </a:effectRef>
-          <a:fontRef idx="minor">
-            <a:schemeClr val="tx1"/>
-          </a:fontRef>
-        </p:style>
-      </p:cxnSp>
-      <p:cxnSp>
-        <p:nvCxnSpPr>
-          <p:cNvPr id="53" name="Straight Arrow Connector 52">
-            <a:extLst>
-              <a:ext uri="{FF2B5EF4-FFF2-40B4-BE49-F238E27FC236}">
-                <a16:creationId xmlns:a16="http://schemas.microsoft.com/office/drawing/2014/main" id="{E7F889AC-A043-45A0-A4C1-0FCD1C8065F8}"/>
-              </a:ext>
-            </a:extLst>
-          </p:cNvPr>
-          <p:cNvCxnSpPr>
-            <a:cxnSpLocks/>
-          </p:cNvCxnSpPr>
-          <p:nvPr/>
-        </p:nvCxnSpPr>
-        <p:spPr>
-          <a:xfrm flipH="1" flipV="1">
-            <a:off x="3393041" y="2178374"/>
-            <a:ext cx="9279" cy="616380"/>
-          </a:xfrm>
-          <a:prstGeom prst="straightConnector1">
-            <a:avLst/>
-          </a:prstGeom>
-          <a:ln>
-            <a:tailEnd type="triangle"/>
-          </a:ln>
-        </p:spPr>
-        <p:style>
-          <a:lnRef idx="2">
-            <a:schemeClr val="accent1"/>
-          </a:lnRef>
-          <a:fillRef idx="0">
-            <a:schemeClr val="accent1"/>
-          </a:fillRef>
-          <a:effectRef idx="1">
-            <a:schemeClr val="accent1"/>
-          </a:effectRef>
-          <a:fontRef idx="minor">
-            <a:schemeClr val="tx1"/>
-          </a:fontRef>
-        </p:style>
-      </p:cxnSp>
-      <p:pic>
-        <p:nvPicPr>
-          <p:cNvPr id="54" name="Picture 53">
-            <a:extLst>
-              <a:ext uri="{FF2B5EF4-FFF2-40B4-BE49-F238E27FC236}">
-                <a16:creationId xmlns:a16="http://schemas.microsoft.com/office/drawing/2014/main" id="{01D8EBAD-4A23-4F16-8151-7D3871EF6C38}"/>
-              </a:ext>
-            </a:extLst>
-          </p:cNvPr>
-          <p:cNvPicPr>
-            <a:picLocks noChangeAspect="1"/>
-          </p:cNvPicPr>
-          <p:nvPr/>
-        </p:nvPicPr>
-        <p:blipFill rotWithShape="1">
-          <a:blip r:embed="rId22">
-            <a:extLst>
-              <a:ext uri="{28A0092B-C50C-407E-A947-70E740481C1C}">
-                <a14:useLocalDpi xmlns:a14="http://schemas.microsoft.com/office/drawing/2010/main" val="0"/>
-              </a:ext>
-            </a:extLst>
-          </a:blip>
-          <a:srcRect b="41069"/>
-          <a:stretch/>
-        </p:blipFill>
-        <p:spPr>
-          <a:xfrm>
-            <a:off x="954435" y="1738419"/>
-            <a:ext cx="962223" cy="643584"/>
-          </a:xfrm>
-          <a:prstGeom prst="rect">
-            <a:avLst/>
-          </a:prstGeom>
-        </p:spPr>
-      </p:pic>
-      <p:sp>
-        <p:nvSpPr>
-          <p:cNvPr id="57" name="TextBox 56">
-            <a:extLst>
-              <a:ext uri="{FF2B5EF4-FFF2-40B4-BE49-F238E27FC236}">
-                <a16:creationId xmlns:a16="http://schemas.microsoft.com/office/drawing/2014/main" id="{D9033393-97A4-42DA-9147-38D24A0FFC2E}"/>
-              </a:ext>
-            </a:extLst>
-          </p:cNvPr>
-          <p:cNvSpPr txBox="1"/>
-          <p:nvPr/>
-        </p:nvSpPr>
-        <p:spPr>
-          <a:xfrm>
-            <a:off x="1083482" y="1859541"/>
-            <a:ext cx="1721355" cy="596701"/>
-          </a:xfrm>
-          <a:prstGeom prst="rect">
-            <a:avLst/>
-          </a:prstGeom>
-        </p:spPr>
-        <p:txBody>
-          <a:bodyPr vert="horz" wrap="square" lIns="91440" tIns="45720" rIns="91440" bIns="45720" rtlCol="0">
-            <a:normAutofit/>
-          </a:bodyPr>
-          <a:lstStyle/>
-          <a:p>
-            <a:pPr marL="0" marR="0" lvl="0" indent="0" algn="ctr" defTabSz="457200" rtl="0" eaLnBrk="1" fontAlgn="auto" latinLnBrk="0" hangingPunct="1">
-              <a:lnSpc>
-                <a:spcPct val="100000"/>
-              </a:lnSpc>
-              <a:spcBef>
-                <a:spcPct val="20000"/>
-              </a:spcBef>
-              <a:spcAft>
-                <a:spcPts val="0"/>
-              </a:spcAft>
-              <a:buClrTx/>
-              <a:buSzTx/>
-              <a:buFontTx/>
-              <a:buNone/>
-              <a:tabLst/>
-              <a:defRPr/>
-            </a:pPr>
-            <a:r>
-              <a:rPr kumimoji="0" lang="en-GB" sz="3200" b="1" i="0" u="none" strike="noStrike" kern="1200" cap="none" spc="0" normalizeH="0" baseline="0" noProof="0" dirty="0">
-                <a:ln>
-                  <a:noFill/>
-                </a:ln>
-                <a:solidFill>
-                  <a:srgbClr val="1C5E9A"/>
-                </a:solidFill>
-                <a:effectLst/>
-                <a:uLnTx/>
-                <a:uFillTx/>
-                <a:latin typeface="Calibri"/>
-                <a:ea typeface="+mn-ea"/>
-                <a:cs typeface="+mn-cs"/>
-              </a:rPr>
-              <a:t>Analytics</a:t>
-            </a:r>
+            <a:endParaRPr lang="en-US"/>
           </a:p>
         </p:txBody>
       </p:sp>
     </p:spTree>
     <p:extLst>
       <p:ext uri="{BB962C8B-B14F-4D97-AF65-F5344CB8AC3E}">
-        <p14:creationId xmlns:p14="http://schemas.microsoft.com/office/powerpoint/2010/main" val="372762394"/>
+        <p14:creationId xmlns:p14="http://schemas.microsoft.com/office/powerpoint/2010/main" val="3159570538"/>
       </p:ext>
     </p:extLst>
   </p:cSld>
@@ -12395,7 +14051,7 @@
           <p:cNvPr id="2" name="Title 1">
             <a:extLst>
               <a:ext uri="{FF2B5EF4-FFF2-40B4-BE49-F238E27FC236}">
-                <a16:creationId xmlns:a16="http://schemas.microsoft.com/office/drawing/2014/main" id="{BA930468-2468-4CA8-BA4C-C797398CA3BE}"/>
+                <a16:creationId xmlns:a16="http://schemas.microsoft.com/office/drawing/2014/main" id="{ACD48AE2-143C-48E8-A382-296BB5375D24}"/>
               </a:ext>
             </a:extLst>
           </p:cNvPr>
@@ -12411,10 +14067,7 @@
           <a:bodyPr/>
           <a:lstStyle/>
           <a:p>
-            <a:r>
-              <a:rPr lang="en-US" dirty="0"/>
-              <a:t>Desktop &amp; Cloud data import</a:t>
-            </a:r>
+            <a:endParaRPr lang="en-US"/>
           </a:p>
         </p:txBody>
       </p:sp>
@@ -12423,7 +14076,7 @@
           <p:cNvPr id="3" name="Text Placeholder 2">
             <a:extLst>
               <a:ext uri="{FF2B5EF4-FFF2-40B4-BE49-F238E27FC236}">
-                <a16:creationId xmlns:a16="http://schemas.microsoft.com/office/drawing/2014/main" id="{2A75F902-CAC8-442C-97DE-9578833EB262}"/>
+                <a16:creationId xmlns:a16="http://schemas.microsoft.com/office/drawing/2014/main" id="{F5AB9B03-7EBA-4730-BE21-6E829704F2C3}"/>
               </a:ext>
             </a:extLst>
           </p:cNvPr>
@@ -12436,25 +14089,10 @@
         </p:nvSpPr>
         <p:spPr/>
         <p:txBody>
-          <a:bodyPr>
-            <a:normAutofit lnSpcReduction="10000"/>
-          </a:bodyPr>
+          <a:bodyPr/>
           <a:lstStyle/>
           <a:p>
-            <a:r>
-              <a:rPr lang="en-US" dirty="0"/>
-              <a:t>Scilab Cloud </a:t>
-            </a:r>
-            <a:r>
-              <a:rPr lang="en-GB" sz="2800" b="1" dirty="0">
-                <a:solidFill>
-                  <a:srgbClr val="1C5E9A"/>
-                </a:solidFill>
-                <a:latin typeface="Calibri"/>
-              </a:rPr>
-              <a:t>Analytics</a:t>
-            </a:r>
-            <a:endParaRPr lang="en-US" dirty="0"/>
+            <a:endParaRPr lang="en-US"/>
           </a:p>
         </p:txBody>
       </p:sp>
@@ -12463,7 +14101,7 @@
           <p:cNvPr id="4" name="Text Placeholder 3">
             <a:extLst>
               <a:ext uri="{FF2B5EF4-FFF2-40B4-BE49-F238E27FC236}">
-                <a16:creationId xmlns:a16="http://schemas.microsoft.com/office/drawing/2014/main" id="{3FACE8EF-D489-41CC-9D9A-37B5B1C50BDE}"/>
+                <a16:creationId xmlns:a16="http://schemas.microsoft.com/office/drawing/2014/main" id="{B83A6B20-853D-46D7-A56A-077533785195}"/>
               </a:ext>
             </a:extLst>
           </p:cNvPr>
@@ -12488,7 +14126,7 @@
           <p:cNvPr id="5" name="Picture 4">
             <a:extLst>
               <a:ext uri="{FF2B5EF4-FFF2-40B4-BE49-F238E27FC236}">
-                <a16:creationId xmlns:a16="http://schemas.microsoft.com/office/drawing/2014/main" id="{338282A7-2830-4B03-B9E8-2C6DD568E1A6}"/>
+                <a16:creationId xmlns:a16="http://schemas.microsoft.com/office/drawing/2014/main" id="{7AF5E4A7-1BE5-405A-8595-832572B8ABD4}"/>
               </a:ext>
             </a:extLst>
           </p:cNvPr>
@@ -12505,463 +14143,18 @@
         </p:blipFill>
         <p:spPr>
           <a:xfrm>
-            <a:off x="3269147" y="1410391"/>
-            <a:ext cx="2597579" cy="2048673"/>
+            <a:off x="0" y="190500"/>
+            <a:ext cx="12192000" cy="6477000"/>
           </a:xfrm>
           <a:prstGeom prst="rect">
             <a:avLst/>
           </a:prstGeom>
         </p:spPr>
       </p:pic>
-      <p:pic>
-        <p:nvPicPr>
-          <p:cNvPr id="6" name="Graphic 5" descr="Laptop">
-            <a:extLst>
-              <a:ext uri="{FF2B5EF4-FFF2-40B4-BE49-F238E27FC236}">
-                <a16:creationId xmlns:a16="http://schemas.microsoft.com/office/drawing/2014/main" id="{1D43F551-9082-46E4-85A7-ADF7E3FDA92C}"/>
-              </a:ext>
-            </a:extLst>
-          </p:cNvPr>
-          <p:cNvPicPr>
-            <a:picLocks noChangeAspect="1"/>
-          </p:cNvPicPr>
-          <p:nvPr/>
-        </p:nvPicPr>
-        <p:blipFill>
-          <a:blip r:embed="rId3">
-            <a:extLst>
-              <a:ext uri="{28A0092B-C50C-407E-A947-70E740481C1C}">
-                <a14:useLocalDpi xmlns:a14="http://schemas.microsoft.com/office/drawing/2010/main" val="0"/>
-              </a:ext>
-              <a:ext uri="{96DAC541-7B7A-43D3-8B79-37D633B846F1}">
-                <asvg:svgBlip xmlns:asvg="http://schemas.microsoft.com/office/drawing/2016/SVG/main" r:embed="rId4"/>
-              </a:ext>
-            </a:extLst>
-          </a:blip>
-          <a:stretch>
-            <a:fillRect/>
-          </a:stretch>
-        </p:blipFill>
-        <p:spPr>
-          <a:xfrm>
-            <a:off x="772366" y="2003899"/>
-            <a:ext cx="914400" cy="914400"/>
-          </a:xfrm>
-          <a:prstGeom prst="rect">
-            <a:avLst/>
-          </a:prstGeom>
-        </p:spPr>
-      </p:pic>
-      <p:cxnSp>
-        <p:nvCxnSpPr>
-          <p:cNvPr id="7" name="Straight Arrow Connector 6">
-            <a:extLst>
-              <a:ext uri="{FF2B5EF4-FFF2-40B4-BE49-F238E27FC236}">
-                <a16:creationId xmlns:a16="http://schemas.microsoft.com/office/drawing/2014/main" id="{1436A8D8-BD04-498A-922D-40F51B410A34}"/>
-              </a:ext>
-            </a:extLst>
-          </p:cNvPr>
-          <p:cNvCxnSpPr>
-            <a:cxnSpLocks/>
-          </p:cNvCxnSpPr>
-          <p:nvPr/>
-        </p:nvCxnSpPr>
-        <p:spPr>
-          <a:xfrm>
-            <a:off x="1965639" y="2417474"/>
-            <a:ext cx="947494" cy="0"/>
-          </a:xfrm>
-          <a:prstGeom prst="straightConnector1">
-            <a:avLst/>
-          </a:prstGeom>
-          <a:ln>
-            <a:tailEnd type="triangle"/>
-          </a:ln>
-        </p:spPr>
-        <p:style>
-          <a:lnRef idx="2">
-            <a:schemeClr val="accent1"/>
-          </a:lnRef>
-          <a:fillRef idx="0">
-            <a:schemeClr val="accent1"/>
-          </a:fillRef>
-          <a:effectRef idx="1">
-            <a:schemeClr val="accent1"/>
-          </a:effectRef>
-          <a:fontRef idx="minor">
-            <a:schemeClr val="tx1"/>
-          </a:fontRef>
-        </p:style>
-      </p:cxnSp>
-      <p:pic>
-        <p:nvPicPr>
-          <p:cNvPr id="9" name="Picture 8">
-            <a:extLst>
-              <a:ext uri="{FF2B5EF4-FFF2-40B4-BE49-F238E27FC236}">
-                <a16:creationId xmlns:a16="http://schemas.microsoft.com/office/drawing/2014/main" id="{F49150EA-F4B4-4CE4-BB87-2E9AC5265421}"/>
-              </a:ext>
-            </a:extLst>
-          </p:cNvPr>
-          <p:cNvPicPr>
-            <a:picLocks noChangeAspect="1"/>
-          </p:cNvPicPr>
-          <p:nvPr/>
-        </p:nvPicPr>
-        <p:blipFill>
-          <a:blip r:embed="rId5"/>
-          <a:stretch>
-            <a:fillRect/>
-          </a:stretch>
-        </p:blipFill>
-        <p:spPr>
-          <a:xfrm>
-            <a:off x="3269147" y="4113953"/>
-            <a:ext cx="2597396" cy="1878051"/>
-          </a:xfrm>
-          <a:prstGeom prst="rect">
-            <a:avLst/>
-          </a:prstGeom>
-        </p:spPr>
-      </p:pic>
-      <p:pic>
-        <p:nvPicPr>
-          <p:cNvPr id="10" name="Graphic 9" descr="Database">
-            <a:extLst>
-              <a:ext uri="{FF2B5EF4-FFF2-40B4-BE49-F238E27FC236}">
-                <a16:creationId xmlns:a16="http://schemas.microsoft.com/office/drawing/2014/main" id="{1E694A6F-20F3-4EB1-8910-72AC8FCB02F7}"/>
-              </a:ext>
-            </a:extLst>
-          </p:cNvPr>
-          <p:cNvPicPr>
-            <a:picLocks noChangeAspect="1"/>
-          </p:cNvPicPr>
-          <p:nvPr/>
-        </p:nvPicPr>
-        <p:blipFill>
-          <a:blip r:embed="rId6">
-            <a:extLst>
-              <a:ext uri="{28A0092B-C50C-407E-A947-70E740481C1C}">
-                <a14:useLocalDpi xmlns:a14="http://schemas.microsoft.com/office/drawing/2010/main" val="0"/>
-              </a:ext>
-              <a:ext uri="{96DAC541-7B7A-43D3-8B79-37D633B846F1}">
-                <asvg:svgBlip xmlns:asvg="http://schemas.microsoft.com/office/drawing/2016/SVG/main" r:embed="rId7"/>
-              </a:ext>
-            </a:extLst>
-          </a:blip>
-          <a:stretch>
-            <a:fillRect/>
-          </a:stretch>
-        </p:blipFill>
-        <p:spPr>
-          <a:xfrm>
-            <a:off x="6639903" y="3109364"/>
-            <a:ext cx="1478657" cy="1478657"/>
-          </a:xfrm>
-          <a:prstGeom prst="rect">
-            <a:avLst/>
-          </a:prstGeom>
-        </p:spPr>
-      </p:pic>
-      <p:pic>
-        <p:nvPicPr>
-          <p:cNvPr id="11" name="Graphic 10" descr="Cloud">
-            <a:extLst>
-              <a:ext uri="{FF2B5EF4-FFF2-40B4-BE49-F238E27FC236}">
-                <a16:creationId xmlns:a16="http://schemas.microsoft.com/office/drawing/2014/main" id="{AAA426E3-D85C-4CEF-B853-515F103CC8A2}"/>
-              </a:ext>
-            </a:extLst>
-          </p:cNvPr>
-          <p:cNvPicPr>
-            <a:picLocks noChangeAspect="1"/>
-          </p:cNvPicPr>
-          <p:nvPr/>
-        </p:nvPicPr>
-        <p:blipFill>
-          <a:blip r:embed="rId8">
-            <a:extLst>
-              <a:ext uri="{28A0092B-C50C-407E-A947-70E740481C1C}">
-                <a14:useLocalDpi xmlns:a14="http://schemas.microsoft.com/office/drawing/2010/main" val="0"/>
-              </a:ext>
-              <a:ext uri="{96DAC541-7B7A-43D3-8B79-37D633B846F1}">
-                <asvg:svgBlip xmlns:asvg="http://schemas.microsoft.com/office/drawing/2016/SVG/main" r:embed="rId9"/>
-              </a:ext>
-            </a:extLst>
-          </a:blip>
-          <a:stretch>
-            <a:fillRect/>
-          </a:stretch>
-        </p:blipFill>
-        <p:spPr>
-          <a:xfrm>
-            <a:off x="772366" y="4701309"/>
-            <a:ext cx="914400" cy="914400"/>
-          </a:xfrm>
-          <a:prstGeom prst="rect">
-            <a:avLst/>
-          </a:prstGeom>
-        </p:spPr>
-      </p:pic>
-      <p:cxnSp>
-        <p:nvCxnSpPr>
-          <p:cNvPr id="12" name="Straight Arrow Connector 11">
-            <a:extLst>
-              <a:ext uri="{FF2B5EF4-FFF2-40B4-BE49-F238E27FC236}">
-                <a16:creationId xmlns:a16="http://schemas.microsoft.com/office/drawing/2014/main" id="{5DF037D0-831E-49EE-83CB-1990C058DD4F}"/>
-              </a:ext>
-            </a:extLst>
-          </p:cNvPr>
-          <p:cNvCxnSpPr>
-            <a:cxnSpLocks/>
-          </p:cNvCxnSpPr>
-          <p:nvPr/>
-        </p:nvCxnSpPr>
-        <p:spPr>
-          <a:xfrm>
-            <a:off x="1915013" y="5158509"/>
-            <a:ext cx="947494" cy="0"/>
-          </a:xfrm>
-          <a:prstGeom prst="straightConnector1">
-            <a:avLst/>
-          </a:prstGeom>
-          <a:ln>
-            <a:tailEnd type="triangle"/>
-          </a:ln>
-        </p:spPr>
-        <p:style>
-          <a:lnRef idx="2">
-            <a:schemeClr val="accent1"/>
-          </a:lnRef>
-          <a:fillRef idx="0">
-            <a:schemeClr val="accent1"/>
-          </a:fillRef>
-          <a:effectRef idx="1">
-            <a:schemeClr val="accent1"/>
-          </a:effectRef>
-          <a:fontRef idx="minor">
-            <a:schemeClr val="tx1"/>
-          </a:fontRef>
-        </p:style>
-      </p:cxnSp>
-      <p:cxnSp>
-        <p:nvCxnSpPr>
-          <p:cNvPr id="13" name="Straight Arrow Connector 12">
-            <a:extLst>
-              <a:ext uri="{FF2B5EF4-FFF2-40B4-BE49-F238E27FC236}">
-                <a16:creationId xmlns:a16="http://schemas.microsoft.com/office/drawing/2014/main" id="{F41307A8-6293-4A1D-9CA0-77A188A7B79D}"/>
-              </a:ext>
-            </a:extLst>
-          </p:cNvPr>
-          <p:cNvCxnSpPr>
-            <a:cxnSpLocks/>
-          </p:cNvCxnSpPr>
-          <p:nvPr/>
-        </p:nvCxnSpPr>
-        <p:spPr>
-          <a:xfrm>
-            <a:off x="6010308" y="2434727"/>
-            <a:ext cx="819370" cy="674637"/>
-          </a:xfrm>
-          <a:prstGeom prst="straightConnector1">
-            <a:avLst/>
-          </a:prstGeom>
-          <a:ln>
-            <a:tailEnd type="triangle"/>
-          </a:ln>
-        </p:spPr>
-        <p:style>
-          <a:lnRef idx="2">
-            <a:schemeClr val="accent1"/>
-          </a:lnRef>
-          <a:fillRef idx="0">
-            <a:schemeClr val="accent1"/>
-          </a:fillRef>
-          <a:effectRef idx="1">
-            <a:schemeClr val="accent1"/>
-          </a:effectRef>
-          <a:fontRef idx="minor">
-            <a:schemeClr val="tx1"/>
-          </a:fontRef>
-        </p:style>
-      </p:cxnSp>
-      <p:cxnSp>
-        <p:nvCxnSpPr>
-          <p:cNvPr id="14" name="Straight Arrow Connector 13">
-            <a:extLst>
-              <a:ext uri="{FF2B5EF4-FFF2-40B4-BE49-F238E27FC236}">
-                <a16:creationId xmlns:a16="http://schemas.microsoft.com/office/drawing/2014/main" id="{2E3A893E-5FF6-48D3-891E-B0FC5562AE7A}"/>
-              </a:ext>
-            </a:extLst>
-          </p:cNvPr>
-          <p:cNvCxnSpPr>
-            <a:cxnSpLocks/>
-          </p:cNvCxnSpPr>
-          <p:nvPr/>
-        </p:nvCxnSpPr>
-        <p:spPr>
-          <a:xfrm flipV="1">
-            <a:off x="6010308" y="4396633"/>
-            <a:ext cx="748615" cy="779129"/>
-          </a:xfrm>
-          <a:prstGeom prst="straightConnector1">
-            <a:avLst/>
-          </a:prstGeom>
-          <a:ln>
-            <a:tailEnd type="triangle"/>
-          </a:ln>
-        </p:spPr>
-        <p:style>
-          <a:lnRef idx="2">
-            <a:schemeClr val="accent1"/>
-          </a:lnRef>
-          <a:fillRef idx="0">
-            <a:schemeClr val="accent1"/>
-          </a:fillRef>
-          <a:effectRef idx="1">
-            <a:schemeClr val="accent1"/>
-          </a:effectRef>
-          <a:fontRef idx="minor">
-            <a:schemeClr val="tx1"/>
-          </a:fontRef>
-        </p:style>
-      </p:cxnSp>
-      <p:pic>
-        <p:nvPicPr>
-          <p:cNvPr id="17" name="Picture 16">
-            <a:extLst>
-              <a:ext uri="{FF2B5EF4-FFF2-40B4-BE49-F238E27FC236}">
-                <a16:creationId xmlns:a16="http://schemas.microsoft.com/office/drawing/2014/main" id="{68D2A4E9-69B5-4092-9ACD-EEF19D46755B}"/>
-              </a:ext>
-            </a:extLst>
-          </p:cNvPr>
-          <p:cNvPicPr>
-            <a:picLocks noChangeAspect="1"/>
-          </p:cNvPicPr>
-          <p:nvPr/>
-        </p:nvPicPr>
-        <p:blipFill rotWithShape="1">
-          <a:blip r:embed="rId10">
-            <a:extLst>
-              <a:ext uri="{28A0092B-C50C-407E-A947-70E740481C1C}">
-                <a14:useLocalDpi xmlns:a14="http://schemas.microsoft.com/office/drawing/2010/main" val="0"/>
-              </a:ext>
-            </a:extLst>
-          </a:blip>
-          <a:srcRect t="58355"/>
-          <a:stretch/>
-        </p:blipFill>
-        <p:spPr>
-          <a:xfrm>
-            <a:off x="8118560" y="3329573"/>
-            <a:ext cx="1615466" cy="763572"/>
-          </a:xfrm>
-          <a:prstGeom prst="rect">
-            <a:avLst/>
-          </a:prstGeom>
-        </p:spPr>
-      </p:pic>
-      <p:pic>
-        <p:nvPicPr>
-          <p:cNvPr id="18" name="Picture 17">
-            <a:extLst>
-              <a:ext uri="{FF2B5EF4-FFF2-40B4-BE49-F238E27FC236}">
-                <a16:creationId xmlns:a16="http://schemas.microsoft.com/office/drawing/2014/main" id="{B065D736-AF0C-43E0-8422-27FB9208811C}"/>
-              </a:ext>
-            </a:extLst>
-          </p:cNvPr>
-          <p:cNvPicPr>
-            <a:picLocks noChangeAspect="1"/>
-          </p:cNvPicPr>
-          <p:nvPr/>
-        </p:nvPicPr>
-        <p:blipFill rotWithShape="1">
-          <a:blip r:embed="rId10">
-            <a:extLst>
-              <a:ext uri="{28A0092B-C50C-407E-A947-70E740481C1C}">
-                <a14:useLocalDpi xmlns:a14="http://schemas.microsoft.com/office/drawing/2010/main" val="0"/>
-              </a:ext>
-            </a:extLst>
-          </a:blip>
-          <a:srcRect b="41069"/>
-          <a:stretch/>
-        </p:blipFill>
-        <p:spPr>
-          <a:xfrm>
-            <a:off x="7449107" y="2513383"/>
-            <a:ext cx="962223" cy="643584"/>
-          </a:xfrm>
-          <a:prstGeom prst="rect">
-            <a:avLst/>
-          </a:prstGeom>
-        </p:spPr>
-      </p:pic>
-      <p:sp>
-        <p:nvSpPr>
-          <p:cNvPr id="19" name="TextBox 18">
-            <a:extLst>
-              <a:ext uri="{FF2B5EF4-FFF2-40B4-BE49-F238E27FC236}">
-                <a16:creationId xmlns:a16="http://schemas.microsoft.com/office/drawing/2014/main" id="{FCA241C4-2363-482B-917D-F25C5F7EF485}"/>
-              </a:ext>
-            </a:extLst>
-          </p:cNvPr>
-          <p:cNvSpPr txBox="1"/>
-          <p:nvPr/>
-        </p:nvSpPr>
-        <p:spPr>
-          <a:xfrm>
-            <a:off x="8118560" y="3929422"/>
-            <a:ext cx="1721355" cy="596701"/>
-          </a:xfrm>
-          <a:prstGeom prst="rect">
-            <a:avLst/>
-          </a:prstGeom>
-        </p:spPr>
-        <p:txBody>
-          <a:bodyPr vert="horz" wrap="square" lIns="91440" tIns="45720" rIns="91440" bIns="45720" rtlCol="0">
-            <a:normAutofit/>
-          </a:bodyPr>
-          <a:lstStyle/>
-          <a:p>
-            <a:pPr marL="0" marR="0" lvl="0" indent="0" algn="ctr" defTabSz="457200" rtl="0" eaLnBrk="1" fontAlgn="auto" latinLnBrk="0" hangingPunct="1">
-              <a:lnSpc>
-                <a:spcPct val="100000"/>
-              </a:lnSpc>
-              <a:spcBef>
-                <a:spcPct val="20000"/>
-              </a:spcBef>
-              <a:spcAft>
-                <a:spcPts val="0"/>
-              </a:spcAft>
-              <a:buClrTx/>
-              <a:buSzTx/>
-              <a:buFontTx/>
-              <a:buNone/>
-              <a:tabLst/>
-              <a:defRPr/>
-            </a:pPr>
-            <a:r>
-              <a:rPr kumimoji="0" lang="en-GB" sz="3200" b="1" i="0" u="none" strike="noStrike" kern="1200" cap="none" spc="0" normalizeH="0" baseline="0" noProof="0" dirty="0">
-                <a:ln>
-                  <a:noFill/>
-                </a:ln>
-                <a:solidFill>
-                  <a:srgbClr val="1C5E9A"/>
-                </a:solidFill>
-                <a:effectLst/>
-                <a:uLnTx/>
-                <a:uFillTx/>
-                <a:latin typeface="Calibri"/>
-                <a:ea typeface="+mn-ea"/>
-                <a:cs typeface="+mn-cs"/>
-              </a:rPr>
-              <a:t>Analytics</a:t>
-            </a:r>
-          </a:p>
-        </p:txBody>
-      </p:sp>
     </p:spTree>
     <p:extLst>
       <p:ext uri="{BB962C8B-B14F-4D97-AF65-F5344CB8AC3E}">
-        <p14:creationId xmlns:p14="http://schemas.microsoft.com/office/powerpoint/2010/main" val="2085395855"/>
+        <p14:creationId xmlns:p14="http://schemas.microsoft.com/office/powerpoint/2010/main" val="955228003"/>
       </p:ext>
     </p:extLst>
   </p:cSld>
@@ -13624,6 +14817,301 @@
 </a:theme>
 </file>
 
+<file path=ppt/theme/theme3.xml><?xml version="1.0" encoding="utf-8"?>
+<a:theme xmlns:a="http://schemas.openxmlformats.org/drawingml/2006/main" name="Office Theme">
+  <a:themeElements>
+    <a:clrScheme name="Office">
+      <a:dk1>
+        <a:sysClr val="windowText" lastClr="000000"/>
+      </a:dk1>
+      <a:lt1>
+        <a:sysClr val="window" lastClr="FFFFFF"/>
+      </a:lt1>
+      <a:dk2>
+        <a:srgbClr val="44546A"/>
+      </a:dk2>
+      <a:lt2>
+        <a:srgbClr val="E7E6E6"/>
+      </a:lt2>
+      <a:accent1>
+        <a:srgbClr val="4472C4"/>
+      </a:accent1>
+      <a:accent2>
+        <a:srgbClr val="ED7D31"/>
+      </a:accent2>
+      <a:accent3>
+        <a:srgbClr val="A5A5A5"/>
+      </a:accent3>
+      <a:accent4>
+        <a:srgbClr val="FFC000"/>
+      </a:accent4>
+      <a:accent5>
+        <a:srgbClr val="5B9BD5"/>
+      </a:accent5>
+      <a:accent6>
+        <a:srgbClr val="70AD47"/>
+      </a:accent6>
+      <a:hlink>
+        <a:srgbClr val="0563C1"/>
+      </a:hlink>
+      <a:folHlink>
+        <a:srgbClr val="954F72"/>
+      </a:folHlink>
+    </a:clrScheme>
+    <a:fontScheme name="Office">
+      <a:majorFont>
+        <a:latin typeface="Calibri Light" panose="020F0302020204030204"/>
+        <a:ea typeface=""/>
+        <a:cs typeface=""/>
+        <a:font script="Jpan" typeface="游ゴシック Light"/>
+        <a:font script="Hang" typeface="맑은 고딕"/>
+        <a:font script="Hans" typeface="等线 Light"/>
+        <a:font script="Hant" typeface="新細明體"/>
+        <a:font script="Arab" typeface="Times New Roman"/>
+        <a:font script="Hebr" typeface="Times New Roman"/>
+        <a:font script="Thai" typeface="Angsana New"/>
+        <a:font script="Ethi" typeface="Nyala"/>
+        <a:font script="Beng" typeface="Vrinda"/>
+        <a:font script="Gujr" typeface="Shruti"/>
+        <a:font script="Khmr" typeface="MoolBoran"/>
+        <a:font script="Knda" typeface="Tunga"/>
+        <a:font script="Guru" typeface="Raavi"/>
+        <a:font script="Cans" typeface="Euphemia"/>
+        <a:font script="Cher" typeface="Plantagenet Cherokee"/>
+        <a:font script="Yiii" typeface="Microsoft Yi Baiti"/>
+        <a:font script="Tibt" typeface="Microsoft Himalaya"/>
+        <a:font script="Thaa" typeface="MV Boli"/>
+        <a:font script="Deva" typeface="Mangal"/>
+        <a:font script="Telu" typeface="Gautami"/>
+        <a:font script="Taml" typeface="Latha"/>
+        <a:font script="Syrc" typeface="Estrangelo Edessa"/>
+        <a:font script="Orya" typeface="Kalinga"/>
+        <a:font script="Mlym" typeface="Kartika"/>
+        <a:font script="Laoo" typeface="DokChampa"/>
+        <a:font script="Sinh" typeface="Iskoola Pota"/>
+        <a:font script="Mong" typeface="Mongolian Baiti"/>
+        <a:font script="Viet" typeface="Times New Roman"/>
+        <a:font script="Uigh" typeface="Microsoft Uighur"/>
+        <a:font script="Geor" typeface="Sylfaen"/>
+        <a:font script="Armn" typeface="Arial"/>
+        <a:font script="Bugi" typeface="Leelawadee UI"/>
+        <a:font script="Bopo" typeface="Microsoft JhengHei"/>
+        <a:font script="Java" typeface="Javanese Text"/>
+        <a:font script="Lisu" typeface="Segoe UI"/>
+        <a:font script="Mymr" typeface="Myanmar Text"/>
+        <a:font script="Nkoo" typeface="Ebrima"/>
+        <a:font script="Olck" typeface="Nirmala UI"/>
+        <a:font script="Osma" typeface="Ebrima"/>
+        <a:font script="Phag" typeface="Phagspa"/>
+        <a:font script="Syrn" typeface="Estrangelo Edessa"/>
+        <a:font script="Syrj" typeface="Estrangelo Edessa"/>
+        <a:font script="Syre" typeface="Estrangelo Edessa"/>
+        <a:font script="Sora" typeface="Nirmala UI"/>
+        <a:font script="Tale" typeface="Microsoft Tai Le"/>
+        <a:font script="Talu" typeface="Microsoft New Tai Lue"/>
+        <a:font script="Tfng" typeface="Ebrima"/>
+      </a:majorFont>
+      <a:minorFont>
+        <a:latin typeface="Calibri" panose="020F0502020204030204"/>
+        <a:ea typeface=""/>
+        <a:cs typeface=""/>
+        <a:font script="Jpan" typeface="游ゴシック"/>
+        <a:font script="Hang" typeface="맑은 고딕"/>
+        <a:font script="Hans" typeface="等线"/>
+        <a:font script="Hant" typeface="新細明體"/>
+        <a:font script="Arab" typeface="Arial"/>
+        <a:font script="Hebr" typeface="Arial"/>
+        <a:font script="Thai" typeface="Cordia New"/>
+        <a:font script="Ethi" typeface="Nyala"/>
+        <a:font script="Beng" typeface="Vrinda"/>
+        <a:font script="Gujr" typeface="Shruti"/>
+        <a:font script="Khmr" typeface="DaunPenh"/>
+        <a:font script="Knda" typeface="Tunga"/>
+        <a:font script="Guru" typeface="Raavi"/>
+        <a:font script="Cans" typeface="Euphemia"/>
+        <a:font script="Cher" typeface="Plantagenet Cherokee"/>
+        <a:font script="Yiii" typeface="Microsoft Yi Baiti"/>
+        <a:font script="Tibt" typeface="Microsoft Himalaya"/>
+        <a:font script="Thaa" typeface="MV Boli"/>
+        <a:font script="Deva" typeface="Mangal"/>
+        <a:font script="Telu" typeface="Gautami"/>
+        <a:font script="Taml" typeface="Latha"/>
+        <a:font script="Syrc" typeface="Estrangelo Edessa"/>
+        <a:font script="Orya" typeface="Kalinga"/>
+        <a:font script="Mlym" typeface="Kartika"/>
+        <a:font script="Laoo" typeface="DokChampa"/>
+        <a:font script="Sinh" typeface="Iskoola Pota"/>
+        <a:font script="Mong" typeface="Mongolian Baiti"/>
+        <a:font script="Viet" typeface="Arial"/>
+        <a:font script="Uigh" typeface="Microsoft Uighur"/>
+        <a:font script="Geor" typeface="Sylfaen"/>
+        <a:font script="Armn" typeface="Arial"/>
+        <a:font script="Bugi" typeface="Leelawadee UI"/>
+        <a:font script="Bopo" typeface="Microsoft JhengHei"/>
+        <a:font script="Java" typeface="Javanese Text"/>
+        <a:font script="Lisu" typeface="Segoe UI"/>
+        <a:font script="Mymr" typeface="Myanmar Text"/>
+        <a:font script="Nkoo" typeface="Ebrima"/>
+        <a:font script="Olck" typeface="Nirmala UI"/>
+        <a:font script="Osma" typeface="Ebrima"/>
+        <a:font script="Phag" typeface="Phagspa"/>
+        <a:font script="Syrn" typeface="Estrangelo Edessa"/>
+        <a:font script="Syrj" typeface="Estrangelo Edessa"/>
+        <a:font script="Syre" typeface="Estrangelo Edessa"/>
+        <a:font script="Sora" typeface="Nirmala UI"/>
+        <a:font script="Tale" typeface="Microsoft Tai Le"/>
+        <a:font script="Talu" typeface="Microsoft New Tai Lue"/>
+        <a:font script="Tfng" typeface="Ebrima"/>
+      </a:minorFont>
+    </a:fontScheme>
+    <a:fmtScheme name="Office">
+      <a:fillStyleLst>
+        <a:solidFill>
+          <a:schemeClr val="phClr"/>
+        </a:solidFill>
+        <a:gradFill rotWithShape="1">
+          <a:gsLst>
+            <a:gs pos="0">
+              <a:schemeClr val="phClr">
+                <a:lumMod val="110000"/>
+                <a:satMod val="105000"/>
+                <a:tint val="67000"/>
+              </a:schemeClr>
+            </a:gs>
+            <a:gs pos="50000">
+              <a:schemeClr val="phClr">
+                <a:lumMod val="105000"/>
+                <a:satMod val="103000"/>
+                <a:tint val="73000"/>
+              </a:schemeClr>
+            </a:gs>
+            <a:gs pos="100000">
+              <a:schemeClr val="phClr">
+                <a:lumMod val="105000"/>
+                <a:satMod val="109000"/>
+                <a:tint val="81000"/>
+              </a:schemeClr>
+            </a:gs>
+          </a:gsLst>
+          <a:lin ang="5400000" scaled="0"/>
+        </a:gradFill>
+        <a:gradFill rotWithShape="1">
+          <a:gsLst>
+            <a:gs pos="0">
+              <a:schemeClr val="phClr">
+                <a:satMod val="103000"/>
+                <a:lumMod val="102000"/>
+                <a:tint val="94000"/>
+              </a:schemeClr>
+            </a:gs>
+            <a:gs pos="50000">
+              <a:schemeClr val="phClr">
+                <a:satMod val="110000"/>
+                <a:lumMod val="100000"/>
+                <a:shade val="100000"/>
+              </a:schemeClr>
+            </a:gs>
+            <a:gs pos="100000">
+              <a:schemeClr val="phClr">
+                <a:lumMod val="99000"/>
+                <a:satMod val="120000"/>
+                <a:shade val="78000"/>
+              </a:schemeClr>
+            </a:gs>
+          </a:gsLst>
+          <a:lin ang="5400000" scaled="0"/>
+        </a:gradFill>
+      </a:fillStyleLst>
+      <a:lnStyleLst>
+        <a:ln w="6350" cap="flat" cmpd="sng" algn="ctr">
+          <a:solidFill>
+            <a:schemeClr val="phClr"/>
+          </a:solidFill>
+          <a:prstDash val="solid"/>
+          <a:miter lim="800000"/>
+        </a:ln>
+        <a:ln w="12700" cap="flat" cmpd="sng" algn="ctr">
+          <a:solidFill>
+            <a:schemeClr val="phClr"/>
+          </a:solidFill>
+          <a:prstDash val="solid"/>
+          <a:miter lim="800000"/>
+        </a:ln>
+        <a:ln w="19050" cap="flat" cmpd="sng" algn="ctr">
+          <a:solidFill>
+            <a:schemeClr val="phClr"/>
+          </a:solidFill>
+          <a:prstDash val="solid"/>
+          <a:miter lim="800000"/>
+        </a:ln>
+      </a:lnStyleLst>
+      <a:effectStyleLst>
+        <a:effectStyle>
+          <a:effectLst/>
+        </a:effectStyle>
+        <a:effectStyle>
+          <a:effectLst/>
+        </a:effectStyle>
+        <a:effectStyle>
+          <a:effectLst>
+            <a:outerShdw blurRad="57150" dist="19050" dir="5400000" algn="ctr" rotWithShape="0">
+              <a:srgbClr val="000000">
+                <a:alpha val="63000"/>
+              </a:srgbClr>
+            </a:outerShdw>
+          </a:effectLst>
+        </a:effectStyle>
+      </a:effectStyleLst>
+      <a:bgFillStyleLst>
+        <a:solidFill>
+          <a:schemeClr val="phClr"/>
+        </a:solidFill>
+        <a:solidFill>
+          <a:schemeClr val="phClr">
+            <a:tint val="95000"/>
+            <a:satMod val="170000"/>
+          </a:schemeClr>
+        </a:solidFill>
+        <a:gradFill rotWithShape="1">
+          <a:gsLst>
+            <a:gs pos="0">
+              <a:schemeClr val="phClr">
+                <a:tint val="93000"/>
+                <a:satMod val="150000"/>
+                <a:shade val="98000"/>
+                <a:lumMod val="102000"/>
+              </a:schemeClr>
+            </a:gs>
+            <a:gs pos="50000">
+              <a:schemeClr val="phClr">
+                <a:tint val="98000"/>
+                <a:satMod val="130000"/>
+                <a:shade val="90000"/>
+                <a:lumMod val="103000"/>
+              </a:schemeClr>
+            </a:gs>
+            <a:gs pos="100000">
+              <a:schemeClr val="phClr">
+                <a:shade val="63000"/>
+                <a:satMod val="120000"/>
+              </a:schemeClr>
+            </a:gs>
+          </a:gsLst>
+          <a:lin ang="5400000" scaled="0"/>
+        </a:gradFill>
+      </a:bgFillStyleLst>
+    </a:fmtScheme>
+  </a:themeElements>
+  <a:objectDefaults/>
+  <a:extraClrSchemeLst/>
+  <a:extLst>
+    <a:ext uri="{05A4C25C-085E-4340-85A3-A5531E510DB2}">
+      <thm15:themeFamily xmlns:thm15="http://schemas.microsoft.com/office/thememl/2012/main" name="Office Theme" id="{62F939B6-93AF-4DB8-9C6B-D6C7DFDC589F}" vid="{4A3C46E8-61CC-4603-A589-7422A47A8E4A}"/>
+    </a:ext>
+  </a:extLst>
+</a:theme>
+</file>
+
 <file path=customXml/item1.xml><?xml version="1.0" encoding="utf-8"?>
 <p:properties xmlns:p="http://schemas.microsoft.com/office/2006/metadata/properties" xmlns:xsi="http://www.w3.org/2001/XMLSchema-instance" xmlns:pc="http://schemas.microsoft.com/office/infopath/2007/PartnerControls">
   <documentManagement/>

--- a/Analytics.pptx
+++ b/Analytics.pptx
@@ -5,10 +5,10 @@
     <p:sldMasterId id="2147483660" r:id="rId4"/>
   </p:sldMasterIdLst>
   <p:notesMasterIdLst>
-    <p:notesMasterId r:id="rId21"/>
+    <p:notesMasterId r:id="rId23"/>
   </p:notesMasterIdLst>
   <p:handoutMasterIdLst>
-    <p:handoutMasterId r:id="rId22"/>
+    <p:handoutMasterId r:id="rId24"/>
   </p:handoutMasterIdLst>
   <p:sldIdLst>
     <p:sldId id="661" r:id="rId5"/>
@@ -18,15 +18,17 @@
     <p:sldId id="682" r:id="rId9"/>
     <p:sldId id="683" r:id="rId10"/>
     <p:sldId id="684" r:id="rId11"/>
-    <p:sldId id="679" r:id="rId12"/>
-    <p:sldId id="674" r:id="rId13"/>
-    <p:sldId id="675" r:id="rId14"/>
-    <p:sldId id="676" r:id="rId15"/>
-    <p:sldId id="677" r:id="rId16"/>
-    <p:sldId id="681" r:id="rId17"/>
-    <p:sldId id="637" r:id="rId18"/>
-    <p:sldId id="636" r:id="rId19"/>
-    <p:sldId id="663" r:id="rId20"/>
+    <p:sldId id="685" r:id="rId12"/>
+    <p:sldId id="686" r:id="rId13"/>
+    <p:sldId id="679" r:id="rId14"/>
+    <p:sldId id="674" r:id="rId15"/>
+    <p:sldId id="675" r:id="rId16"/>
+    <p:sldId id="676" r:id="rId17"/>
+    <p:sldId id="677" r:id="rId18"/>
+    <p:sldId id="681" r:id="rId19"/>
+    <p:sldId id="637" r:id="rId20"/>
+    <p:sldId id="636" r:id="rId21"/>
+    <p:sldId id="663" r:id="rId22"/>
   </p:sldIdLst>
   <p:sldSz cx="12192000" cy="6858000"/>
   <p:notesSz cx="6858000" cy="9144000"/>
@@ -1211,7 +1213,7 @@
           <a:p>
             <a:fld id="{7EDDBF57-4EA5-410A-8AAB-BC70196BEAC4}" type="datetimeFigureOut">
               <a:rPr lang="en-US" smtClean="0"/>
-              <a:t>12/26/2020</a:t>
+              <a:t>12/28/2020</a:t>
             </a:fld>
             <a:endParaRPr lang="en-US"/>
           </a:p>
@@ -1289,7 +1291,7 @@
           <a:p>
             <a:fld id="{C45908B6-6BCB-4C24-8C40-50E6F0CD390E}" type="slidenum">
               <a:rPr lang="en-US" smtClean="0"/>
-              <a:t>‹#›</a:t>
+              <a:t>‹N°›</a:t>
             </a:fld>
             <a:endParaRPr lang="en-US"/>
           </a:p>
@@ -1388,7 +1390,7 @@
           <a:p>
             <a:fld id="{21D429B8-07A3-4418-BAD5-5B787C939D1D}" type="datetimeFigureOut">
               <a:rPr lang="en-US" smtClean="0"/>
-              <a:t>12/26/2020</a:t>
+              <a:t>12/28/2020</a:t>
             </a:fld>
             <a:endParaRPr lang="en-US"/>
           </a:p>
@@ -1546,7 +1548,7 @@
           <a:p>
             <a:fld id="{F80894CA-0FB3-4296-95D5-152C73DF702A}" type="slidenum">
               <a:rPr lang="en-US" smtClean="0"/>
-              <a:t>‹#›</a:t>
+              <a:t>‹N°›</a:t>
             </a:fld>
             <a:endParaRPr lang="en-US"/>
           </a:p>
@@ -2934,7 +2936,7 @@
               <a:pPr defTabSz="457200">
                 <a:defRPr/>
               </a:pPr>
-              <a:t>‹#›</a:t>
+              <a:t>‹N°›</a:t>
             </a:fld>
             <a:endParaRPr lang="fr-FR" dirty="0"/>
           </a:p>
@@ -3201,7 +3203,7 @@
                 </a:solidFill>
               </a:rPr>
               <a:pPr defTabSz="457200"/>
-              <a:t>‹#›</a:t>
+              <a:t>‹N°›</a:t>
             </a:fld>
             <a:endParaRPr lang="fr-FR" sz="800" dirty="0">
               <a:solidFill>
@@ -3326,7 +3328,7 @@
                 </a:solidFill>
               </a:rPr>
               <a:pPr defTabSz="457200"/>
-              <a:t>26/12/2020</a:t>
+              <a:t>28/12/2020</a:t>
             </a:fld>
             <a:endParaRPr lang="en-GB">
               <a:solidFill>
@@ -3399,7 +3401,7 @@
                 </a:solidFill>
               </a:rPr>
               <a:pPr defTabSz="457200"/>
-              <a:t>‹#›</a:t>
+              <a:t>‹N°›</a:t>
             </a:fld>
             <a:endParaRPr lang="en-GB">
               <a:solidFill>
@@ -4270,7 +4272,7 @@
               <a:pPr algn="r" defTabSz="457200">
                 <a:buSzPct val="25000"/>
               </a:pPr>
-              <a:t>‹#›</a:t>
+              <a:t>‹N°›</a:t>
             </a:fld>
             <a:endParaRPr lang="fr-FR">
               <a:solidFill>
@@ -4433,7 +4435,7 @@
                 </a:solidFill>
               </a:rPr>
               <a:pPr defTabSz="457200"/>
-              <a:t>‹#›</a:t>
+              <a:t>‹N°›</a:t>
             </a:fld>
             <a:endParaRPr lang="fr-FR" sz="800" dirty="0">
               <a:solidFill>
@@ -4724,7 +4726,7 @@
                 <a:cs typeface="Arial"/>
               </a:rPr>
               <a:pPr algn="ctr" defTabSz="457200"/>
-              <a:t>‹#›</a:t>
+              <a:t>‹N°›</a:t>
             </a:fld>
             <a:endParaRPr lang="en-US" sz="1000">
               <a:solidFill>
@@ -4965,7 +4967,7 @@
                 <a:cs typeface="Arial"/>
               </a:rPr>
               <a:pPr algn="ctr" defTabSz="457200"/>
-              <a:t>‹#›</a:t>
+              <a:t>‹N°›</a:t>
             </a:fld>
             <a:endParaRPr lang="en-US" sz="1000" dirty="0">
               <a:solidFill>
@@ -7770,7 +7772,7 @@
                 <a:cs typeface="Arial"/>
               </a:rPr>
               <a:pPr algn="ctr" defTabSz="457200"/>
-              <a:t>‹#›</a:t>
+              <a:t>‹N°›</a:t>
             </a:fld>
             <a:endParaRPr lang="en-US" sz="1000" dirty="0">
               <a:solidFill>
@@ -9551,7 +9553,7 @@
           <p:cNvPr id="2" name="Title 1">
             <a:extLst>
               <a:ext uri="{FF2B5EF4-FFF2-40B4-BE49-F238E27FC236}">
-                <a16:creationId xmlns:a16="http://schemas.microsoft.com/office/drawing/2014/main" id="{1961A492-7F6C-4D06-ACA0-9508B15C5D61}"/>
+                <a16:creationId xmlns:a16="http://schemas.microsoft.com/office/drawing/2014/main" id="{E015F0D4-9CD7-4304-B9F1-8C0C2A81DFB0}"/>
               </a:ext>
             </a:extLst>
           </p:cNvPr>
@@ -9567,7 +9569,10 @@
           <a:bodyPr/>
           <a:lstStyle/>
           <a:p>
-            <a:endParaRPr lang="en-US"/>
+            <a:r>
+              <a:rPr lang="en-US" dirty="0"/>
+              <a:t>V1</a:t>
+            </a:r>
           </a:p>
         </p:txBody>
       </p:sp>
@@ -9576,7 +9581,7 @@
           <p:cNvPr id="3" name="Text Placeholder 2">
             <a:extLst>
               <a:ext uri="{FF2B5EF4-FFF2-40B4-BE49-F238E27FC236}">
-                <a16:creationId xmlns:a16="http://schemas.microsoft.com/office/drawing/2014/main" id="{BF316CF0-5C72-451E-B66F-6C0BD3751FF1}"/>
+                <a16:creationId xmlns:a16="http://schemas.microsoft.com/office/drawing/2014/main" id="{4A1DF39B-51D2-4DE3-8226-4A59AA1EC1D4}"/>
               </a:ext>
             </a:extLst>
           </p:cNvPr>
@@ -9584,7 +9589,7 @@
             <a:spLocks noGrp="1"/>
           </p:cNvSpPr>
           <p:nvPr>
-            <p:ph type="body" sz="quarter" idx="13"/>
+            <p:ph type="body" sz="quarter" idx="17"/>
           </p:nvPr>
         </p:nvSpPr>
         <p:spPr/>
@@ -9592,7 +9597,15 @@
           <a:bodyPr/>
           <a:lstStyle/>
           <a:p>
-            <a:endParaRPr lang="en-US"/>
+            <a:r>
+              <a:rPr lang="en-US" dirty="0"/>
+              <a:t>Flask &amp; </a:t>
+            </a:r>
+            <a:r>
+              <a:rPr lang="en-US" dirty="0" err="1"/>
+              <a:t>Connexion</a:t>
+            </a:r>
+            <a:endParaRPr lang="en-US" dirty="0"/>
           </a:p>
         </p:txBody>
       </p:sp>
@@ -9601,7 +9614,7 @@
           <p:cNvPr id="4" name="Text Placeholder 3">
             <a:extLst>
               <a:ext uri="{FF2B5EF4-FFF2-40B4-BE49-F238E27FC236}">
-                <a16:creationId xmlns:a16="http://schemas.microsoft.com/office/drawing/2014/main" id="{D7708E8C-92F9-427F-9152-E16775EF6186}"/>
+                <a16:creationId xmlns:a16="http://schemas.microsoft.com/office/drawing/2014/main" id="{3587CE43-27DC-4861-981C-53EA7C2212ED}"/>
               </a:ext>
             </a:extLst>
           </p:cNvPr>
@@ -9621,40 +9634,10 @@
           </a:p>
         </p:txBody>
       </p:sp>
-      <p:pic>
-        <p:nvPicPr>
-          <p:cNvPr id="5" name="Picture 4">
-            <a:extLst>
-              <a:ext uri="{FF2B5EF4-FFF2-40B4-BE49-F238E27FC236}">
-                <a16:creationId xmlns:a16="http://schemas.microsoft.com/office/drawing/2014/main" id="{C008D711-2C4C-4056-BCE1-BE822414FCEC}"/>
-              </a:ext>
-            </a:extLst>
-          </p:cNvPr>
-          <p:cNvPicPr>
-            <a:picLocks noChangeAspect="1"/>
-          </p:cNvPicPr>
-          <p:nvPr/>
-        </p:nvPicPr>
-        <p:blipFill>
-          <a:blip r:embed="rId2"/>
-          <a:stretch>
-            <a:fillRect/>
-          </a:stretch>
-        </p:blipFill>
-        <p:spPr>
-          <a:xfrm>
-            <a:off x="0" y="190500"/>
-            <a:ext cx="12192000" cy="6477000"/>
-          </a:xfrm>
-          <a:prstGeom prst="rect">
-            <a:avLst/>
-          </a:prstGeom>
-        </p:spPr>
-      </p:pic>
     </p:spTree>
     <p:extLst>
       <p:ext uri="{BB962C8B-B14F-4D97-AF65-F5344CB8AC3E}">
-        <p14:creationId xmlns:p14="http://schemas.microsoft.com/office/powerpoint/2010/main" val="3288279522"/>
+        <p14:creationId xmlns:p14="http://schemas.microsoft.com/office/powerpoint/2010/main" val="3159570538"/>
       </p:ext>
     </p:extLst>
   </p:cSld>
@@ -9686,7 +9669,7 @@
           <p:cNvPr id="2" name="Title 1">
             <a:extLst>
               <a:ext uri="{FF2B5EF4-FFF2-40B4-BE49-F238E27FC236}">
-                <a16:creationId xmlns:a16="http://schemas.microsoft.com/office/drawing/2014/main" id="{B552F78A-0815-4C75-BDEA-2FAA69B0AFC3}"/>
+                <a16:creationId xmlns:a16="http://schemas.microsoft.com/office/drawing/2014/main" id="{ACD48AE2-143C-48E8-A382-296BB5375D24}"/>
               </a:ext>
             </a:extLst>
           </p:cNvPr>
@@ -9711,7 +9694,7 @@
           <p:cNvPr id="3" name="Text Placeholder 2">
             <a:extLst>
               <a:ext uri="{FF2B5EF4-FFF2-40B4-BE49-F238E27FC236}">
-                <a16:creationId xmlns:a16="http://schemas.microsoft.com/office/drawing/2014/main" id="{3AC0A76E-4D38-44C2-A458-9F9FEE212FA6}"/>
+                <a16:creationId xmlns:a16="http://schemas.microsoft.com/office/drawing/2014/main" id="{F5AB9B03-7EBA-4730-BE21-6E829704F2C3}"/>
               </a:ext>
             </a:extLst>
           </p:cNvPr>
@@ -9736,7 +9719,7 @@
           <p:cNvPr id="4" name="Text Placeholder 3">
             <a:extLst>
               <a:ext uri="{FF2B5EF4-FFF2-40B4-BE49-F238E27FC236}">
-                <a16:creationId xmlns:a16="http://schemas.microsoft.com/office/drawing/2014/main" id="{A19B8ABB-04AD-4C26-BB8C-6E034D531480}"/>
+                <a16:creationId xmlns:a16="http://schemas.microsoft.com/office/drawing/2014/main" id="{B83A6B20-853D-46D7-A56A-077533785195}"/>
               </a:ext>
             </a:extLst>
           </p:cNvPr>
@@ -9761,7 +9744,7 @@
           <p:cNvPr id="5" name="Picture 4">
             <a:extLst>
               <a:ext uri="{FF2B5EF4-FFF2-40B4-BE49-F238E27FC236}">
-                <a16:creationId xmlns:a16="http://schemas.microsoft.com/office/drawing/2014/main" id="{D5596268-2CEB-4D4C-BAC4-F636393DC08F}"/>
+                <a16:creationId xmlns:a16="http://schemas.microsoft.com/office/drawing/2014/main" id="{7AF5E4A7-1BE5-405A-8595-832572B8ABD4}"/>
               </a:ext>
             </a:extLst>
           </p:cNvPr>
@@ -9786,40 +9769,10 @@
           </a:prstGeom>
         </p:spPr>
       </p:pic>
-      <p:pic>
-        <p:nvPicPr>
-          <p:cNvPr id="6" name="Picture 5">
-            <a:extLst>
-              <a:ext uri="{FF2B5EF4-FFF2-40B4-BE49-F238E27FC236}">
-                <a16:creationId xmlns:a16="http://schemas.microsoft.com/office/drawing/2014/main" id="{4E65484E-1ECA-4C58-ADE6-F1B2AA13543E}"/>
-              </a:ext>
-            </a:extLst>
-          </p:cNvPr>
-          <p:cNvPicPr>
-            <a:picLocks noChangeAspect="1"/>
-          </p:cNvPicPr>
-          <p:nvPr/>
-        </p:nvPicPr>
-        <p:blipFill>
-          <a:blip r:embed="rId3"/>
-          <a:stretch>
-            <a:fillRect/>
-          </a:stretch>
-        </p:blipFill>
-        <p:spPr>
-          <a:xfrm>
-            <a:off x="0" y="203629"/>
-            <a:ext cx="12192000" cy="6477000"/>
-          </a:xfrm>
-          <a:prstGeom prst="rect">
-            <a:avLst/>
-          </a:prstGeom>
-        </p:spPr>
-      </p:pic>
     </p:spTree>
     <p:extLst>
       <p:ext uri="{BB962C8B-B14F-4D97-AF65-F5344CB8AC3E}">
-        <p14:creationId xmlns:p14="http://schemas.microsoft.com/office/powerpoint/2010/main" val="3292125580"/>
+        <p14:creationId xmlns:p14="http://schemas.microsoft.com/office/powerpoint/2010/main" val="955228003"/>
       </p:ext>
     </p:extLst>
   </p:cSld>
@@ -9851,7 +9804,7 @@
           <p:cNvPr id="2" name="Title 1">
             <a:extLst>
               <a:ext uri="{FF2B5EF4-FFF2-40B4-BE49-F238E27FC236}">
-                <a16:creationId xmlns:a16="http://schemas.microsoft.com/office/drawing/2014/main" id="{11742883-9D13-4672-8E6B-CFFEF78578E2}"/>
+                <a16:creationId xmlns:a16="http://schemas.microsoft.com/office/drawing/2014/main" id="{1961A492-7F6C-4D06-ACA0-9508B15C5D61}"/>
               </a:ext>
             </a:extLst>
           </p:cNvPr>
@@ -9876,7 +9829,7 @@
           <p:cNvPr id="3" name="Text Placeholder 2">
             <a:extLst>
               <a:ext uri="{FF2B5EF4-FFF2-40B4-BE49-F238E27FC236}">
-                <a16:creationId xmlns:a16="http://schemas.microsoft.com/office/drawing/2014/main" id="{914E9308-03A8-4A75-AF4E-F048E92B9AA6}"/>
+                <a16:creationId xmlns:a16="http://schemas.microsoft.com/office/drawing/2014/main" id="{BF316CF0-5C72-451E-B66F-6C0BD3751FF1}"/>
               </a:ext>
             </a:extLst>
           </p:cNvPr>
@@ -9901,7 +9854,7 @@
           <p:cNvPr id="4" name="Text Placeholder 3">
             <a:extLst>
               <a:ext uri="{FF2B5EF4-FFF2-40B4-BE49-F238E27FC236}">
-                <a16:creationId xmlns:a16="http://schemas.microsoft.com/office/drawing/2014/main" id="{02645A9B-7472-4075-9C27-F003785056D9}"/>
+                <a16:creationId xmlns:a16="http://schemas.microsoft.com/office/drawing/2014/main" id="{D7708E8C-92F9-427F-9152-E16775EF6186}"/>
               </a:ext>
             </a:extLst>
           </p:cNvPr>
@@ -9926,7 +9879,7 @@
           <p:cNvPr id="5" name="Picture 4">
             <a:extLst>
               <a:ext uri="{FF2B5EF4-FFF2-40B4-BE49-F238E27FC236}">
-                <a16:creationId xmlns:a16="http://schemas.microsoft.com/office/drawing/2014/main" id="{9C2A7549-4319-4C2E-A7B7-9CB3F7D16118}"/>
+                <a16:creationId xmlns:a16="http://schemas.microsoft.com/office/drawing/2014/main" id="{C008D711-2C4C-4056-BCE1-BE822414FCEC}"/>
               </a:ext>
             </a:extLst>
           </p:cNvPr>
@@ -9954,7 +9907,7 @@
     </p:spTree>
     <p:extLst>
       <p:ext uri="{BB962C8B-B14F-4D97-AF65-F5344CB8AC3E}">
-        <p14:creationId xmlns:p14="http://schemas.microsoft.com/office/powerpoint/2010/main" val="2921345303"/>
+        <p14:creationId xmlns:p14="http://schemas.microsoft.com/office/powerpoint/2010/main" val="3288279522"/>
       </p:ext>
     </p:extLst>
   </p:cSld>
@@ -9986,7 +9939,7 @@
           <p:cNvPr id="2" name="Title 1">
             <a:extLst>
               <a:ext uri="{FF2B5EF4-FFF2-40B4-BE49-F238E27FC236}">
-                <a16:creationId xmlns:a16="http://schemas.microsoft.com/office/drawing/2014/main" id="{E015F0D4-9CD7-4304-B9F1-8C0C2A81DFB0}"/>
+                <a16:creationId xmlns:a16="http://schemas.microsoft.com/office/drawing/2014/main" id="{B552F78A-0815-4C75-BDEA-2FAA69B0AFC3}"/>
               </a:ext>
             </a:extLst>
           </p:cNvPr>
@@ -10002,10 +9955,7 @@
           <a:bodyPr/>
           <a:lstStyle/>
           <a:p>
-            <a:r>
-              <a:rPr lang="en-US" dirty="0"/>
-              <a:t>Deployment</a:t>
-            </a:r>
+            <a:endParaRPr lang="en-US"/>
           </a:p>
         </p:txBody>
       </p:sp>
@@ -10014,7 +9964,7 @@
           <p:cNvPr id="3" name="Text Placeholder 2">
             <a:extLst>
               <a:ext uri="{FF2B5EF4-FFF2-40B4-BE49-F238E27FC236}">
-                <a16:creationId xmlns:a16="http://schemas.microsoft.com/office/drawing/2014/main" id="{4A1DF39B-51D2-4DE3-8226-4A59AA1EC1D4}"/>
+                <a16:creationId xmlns:a16="http://schemas.microsoft.com/office/drawing/2014/main" id="{3AC0A76E-4D38-44C2-A458-9F9FEE212FA6}"/>
               </a:ext>
             </a:extLst>
           </p:cNvPr>
@@ -10022,7 +9972,7 @@
             <a:spLocks noGrp="1"/>
           </p:cNvSpPr>
           <p:nvPr>
-            <p:ph type="body" sz="quarter" idx="17"/>
+            <p:ph type="body" sz="quarter" idx="13"/>
           </p:nvPr>
         </p:nvSpPr>
         <p:spPr/>
@@ -10030,7 +9980,7 @@
           <a:bodyPr/>
           <a:lstStyle/>
           <a:p>
-            <a:endParaRPr lang="en-US" dirty="0"/>
+            <a:endParaRPr lang="en-US"/>
           </a:p>
         </p:txBody>
       </p:sp>
@@ -10039,7 +9989,7 @@
           <p:cNvPr id="4" name="Text Placeholder 3">
             <a:extLst>
               <a:ext uri="{FF2B5EF4-FFF2-40B4-BE49-F238E27FC236}">
-                <a16:creationId xmlns:a16="http://schemas.microsoft.com/office/drawing/2014/main" id="{3587CE43-27DC-4861-981C-53EA7C2212ED}"/>
+                <a16:creationId xmlns:a16="http://schemas.microsoft.com/office/drawing/2014/main" id="{A19B8ABB-04AD-4C26-BB8C-6E034D531480}"/>
               </a:ext>
             </a:extLst>
           </p:cNvPr>
@@ -10059,10 +10009,70 @@
           </a:p>
         </p:txBody>
       </p:sp>
+      <p:pic>
+        <p:nvPicPr>
+          <p:cNvPr id="5" name="Picture 4">
+            <a:extLst>
+              <a:ext uri="{FF2B5EF4-FFF2-40B4-BE49-F238E27FC236}">
+                <a16:creationId xmlns:a16="http://schemas.microsoft.com/office/drawing/2014/main" id="{D5596268-2CEB-4D4C-BAC4-F636393DC08F}"/>
+              </a:ext>
+            </a:extLst>
+          </p:cNvPr>
+          <p:cNvPicPr>
+            <a:picLocks noChangeAspect="1"/>
+          </p:cNvPicPr>
+          <p:nvPr/>
+        </p:nvPicPr>
+        <p:blipFill>
+          <a:blip r:embed="rId2"/>
+          <a:stretch>
+            <a:fillRect/>
+          </a:stretch>
+        </p:blipFill>
+        <p:spPr>
+          <a:xfrm>
+            <a:off x="0" y="190500"/>
+            <a:ext cx="12192000" cy="6477000"/>
+          </a:xfrm>
+          <a:prstGeom prst="rect">
+            <a:avLst/>
+          </a:prstGeom>
+        </p:spPr>
+      </p:pic>
+      <p:pic>
+        <p:nvPicPr>
+          <p:cNvPr id="6" name="Picture 5">
+            <a:extLst>
+              <a:ext uri="{FF2B5EF4-FFF2-40B4-BE49-F238E27FC236}">
+                <a16:creationId xmlns:a16="http://schemas.microsoft.com/office/drawing/2014/main" id="{4E65484E-1ECA-4C58-ADE6-F1B2AA13543E}"/>
+              </a:ext>
+            </a:extLst>
+          </p:cNvPr>
+          <p:cNvPicPr>
+            <a:picLocks noChangeAspect="1"/>
+          </p:cNvPicPr>
+          <p:nvPr/>
+        </p:nvPicPr>
+        <p:blipFill>
+          <a:blip r:embed="rId3"/>
+          <a:stretch>
+            <a:fillRect/>
+          </a:stretch>
+        </p:blipFill>
+        <p:spPr>
+          <a:xfrm>
+            <a:off x="0" y="203629"/>
+            <a:ext cx="12192000" cy="6477000"/>
+          </a:xfrm>
+          <a:prstGeom prst="rect">
+            <a:avLst/>
+          </a:prstGeom>
+        </p:spPr>
+      </p:pic>
     </p:spTree>
     <p:extLst>
       <p:ext uri="{BB962C8B-B14F-4D97-AF65-F5344CB8AC3E}">
-        <p14:creationId xmlns:p14="http://schemas.microsoft.com/office/powerpoint/2010/main" val="4249109207"/>
+        <p14:creationId xmlns:p14="http://schemas.microsoft.com/office/powerpoint/2010/main" val="3292125580"/>
       </p:ext>
     </p:extLst>
   </p:cSld>
@@ -10091,6 +10101,249 @@
       </p:grpSpPr>
       <p:sp>
         <p:nvSpPr>
+          <p:cNvPr id="2" name="Title 1">
+            <a:extLst>
+              <a:ext uri="{FF2B5EF4-FFF2-40B4-BE49-F238E27FC236}">
+                <a16:creationId xmlns:a16="http://schemas.microsoft.com/office/drawing/2014/main" id="{11742883-9D13-4672-8E6B-CFFEF78578E2}"/>
+              </a:ext>
+            </a:extLst>
+          </p:cNvPr>
+          <p:cNvSpPr>
+            <a:spLocks noGrp="1"/>
+          </p:cNvSpPr>
+          <p:nvPr>
+            <p:ph type="title"/>
+          </p:nvPr>
+        </p:nvSpPr>
+        <p:spPr/>
+        <p:txBody>
+          <a:bodyPr/>
+          <a:lstStyle/>
+          <a:p>
+            <a:endParaRPr lang="en-US"/>
+          </a:p>
+        </p:txBody>
+      </p:sp>
+      <p:sp>
+        <p:nvSpPr>
+          <p:cNvPr id="3" name="Text Placeholder 2">
+            <a:extLst>
+              <a:ext uri="{FF2B5EF4-FFF2-40B4-BE49-F238E27FC236}">
+                <a16:creationId xmlns:a16="http://schemas.microsoft.com/office/drawing/2014/main" id="{914E9308-03A8-4A75-AF4E-F048E92B9AA6}"/>
+              </a:ext>
+            </a:extLst>
+          </p:cNvPr>
+          <p:cNvSpPr>
+            <a:spLocks noGrp="1"/>
+          </p:cNvSpPr>
+          <p:nvPr>
+            <p:ph type="body" sz="quarter" idx="13"/>
+          </p:nvPr>
+        </p:nvSpPr>
+        <p:spPr/>
+        <p:txBody>
+          <a:bodyPr/>
+          <a:lstStyle/>
+          <a:p>
+            <a:endParaRPr lang="en-US"/>
+          </a:p>
+        </p:txBody>
+      </p:sp>
+      <p:sp>
+        <p:nvSpPr>
+          <p:cNvPr id="4" name="Text Placeholder 3">
+            <a:extLst>
+              <a:ext uri="{FF2B5EF4-FFF2-40B4-BE49-F238E27FC236}">
+                <a16:creationId xmlns:a16="http://schemas.microsoft.com/office/drawing/2014/main" id="{02645A9B-7472-4075-9C27-F003785056D9}"/>
+              </a:ext>
+            </a:extLst>
+          </p:cNvPr>
+          <p:cNvSpPr>
+            <a:spLocks noGrp="1"/>
+          </p:cNvSpPr>
+          <p:nvPr>
+            <p:ph type="body" sz="quarter" idx="15"/>
+          </p:nvPr>
+        </p:nvSpPr>
+        <p:spPr/>
+        <p:txBody>
+          <a:bodyPr/>
+          <a:lstStyle/>
+          <a:p>
+            <a:endParaRPr lang="en-US"/>
+          </a:p>
+        </p:txBody>
+      </p:sp>
+      <p:pic>
+        <p:nvPicPr>
+          <p:cNvPr id="5" name="Picture 4">
+            <a:extLst>
+              <a:ext uri="{FF2B5EF4-FFF2-40B4-BE49-F238E27FC236}">
+                <a16:creationId xmlns:a16="http://schemas.microsoft.com/office/drawing/2014/main" id="{9C2A7549-4319-4C2E-A7B7-9CB3F7D16118}"/>
+              </a:ext>
+            </a:extLst>
+          </p:cNvPr>
+          <p:cNvPicPr>
+            <a:picLocks noChangeAspect="1"/>
+          </p:cNvPicPr>
+          <p:nvPr/>
+        </p:nvPicPr>
+        <p:blipFill>
+          <a:blip r:embed="rId2"/>
+          <a:stretch>
+            <a:fillRect/>
+          </a:stretch>
+        </p:blipFill>
+        <p:spPr>
+          <a:xfrm>
+            <a:off x="0" y="190500"/>
+            <a:ext cx="12192000" cy="6477000"/>
+          </a:xfrm>
+          <a:prstGeom prst="rect">
+            <a:avLst/>
+          </a:prstGeom>
+        </p:spPr>
+      </p:pic>
+    </p:spTree>
+    <p:extLst>
+      <p:ext uri="{BB962C8B-B14F-4D97-AF65-F5344CB8AC3E}">
+        <p14:creationId xmlns:p14="http://schemas.microsoft.com/office/powerpoint/2010/main" val="2921345303"/>
+      </p:ext>
+    </p:extLst>
+  </p:cSld>
+  <p:clrMapOvr>
+    <a:masterClrMapping/>
+  </p:clrMapOvr>
+</p:sld>
+</file>
+
+<file path=ppt/slides/slide15.xml><?xml version="1.0" encoding="utf-8"?>
+<p:sld xmlns:a="http://schemas.openxmlformats.org/drawingml/2006/main" xmlns:r="http://schemas.openxmlformats.org/officeDocument/2006/relationships" xmlns:p="http://schemas.openxmlformats.org/presentationml/2006/main">
+  <p:cSld>
+    <p:spTree>
+      <p:nvGrpSpPr>
+        <p:cNvPr id="1" name=""/>
+        <p:cNvGrpSpPr/>
+        <p:nvPr/>
+      </p:nvGrpSpPr>
+      <p:grpSpPr>
+        <a:xfrm>
+          <a:off x="0" y="0"/>
+          <a:ext cx="0" cy="0"/>
+          <a:chOff x="0" y="0"/>
+          <a:chExt cx="0" cy="0"/>
+        </a:xfrm>
+      </p:grpSpPr>
+      <p:sp>
+        <p:nvSpPr>
+          <p:cNvPr id="2" name="Title 1">
+            <a:extLst>
+              <a:ext uri="{FF2B5EF4-FFF2-40B4-BE49-F238E27FC236}">
+                <a16:creationId xmlns:a16="http://schemas.microsoft.com/office/drawing/2014/main" id="{E015F0D4-9CD7-4304-B9F1-8C0C2A81DFB0}"/>
+              </a:ext>
+            </a:extLst>
+          </p:cNvPr>
+          <p:cNvSpPr>
+            <a:spLocks noGrp="1"/>
+          </p:cNvSpPr>
+          <p:nvPr>
+            <p:ph type="title"/>
+          </p:nvPr>
+        </p:nvSpPr>
+        <p:spPr/>
+        <p:txBody>
+          <a:bodyPr/>
+          <a:lstStyle/>
+          <a:p>
+            <a:r>
+              <a:rPr lang="en-US" dirty="0"/>
+              <a:t>Deployment</a:t>
+            </a:r>
+          </a:p>
+        </p:txBody>
+      </p:sp>
+      <p:sp>
+        <p:nvSpPr>
+          <p:cNvPr id="3" name="Text Placeholder 2">
+            <a:extLst>
+              <a:ext uri="{FF2B5EF4-FFF2-40B4-BE49-F238E27FC236}">
+                <a16:creationId xmlns:a16="http://schemas.microsoft.com/office/drawing/2014/main" id="{4A1DF39B-51D2-4DE3-8226-4A59AA1EC1D4}"/>
+              </a:ext>
+            </a:extLst>
+          </p:cNvPr>
+          <p:cNvSpPr>
+            <a:spLocks noGrp="1"/>
+          </p:cNvSpPr>
+          <p:nvPr>
+            <p:ph type="body" sz="quarter" idx="17"/>
+          </p:nvPr>
+        </p:nvSpPr>
+        <p:spPr/>
+        <p:txBody>
+          <a:bodyPr/>
+          <a:lstStyle/>
+          <a:p>
+            <a:endParaRPr lang="en-US" dirty="0"/>
+          </a:p>
+        </p:txBody>
+      </p:sp>
+      <p:sp>
+        <p:nvSpPr>
+          <p:cNvPr id="4" name="Text Placeholder 3">
+            <a:extLst>
+              <a:ext uri="{FF2B5EF4-FFF2-40B4-BE49-F238E27FC236}">
+                <a16:creationId xmlns:a16="http://schemas.microsoft.com/office/drawing/2014/main" id="{3587CE43-27DC-4861-981C-53EA7C2212ED}"/>
+              </a:ext>
+            </a:extLst>
+          </p:cNvPr>
+          <p:cNvSpPr>
+            <a:spLocks noGrp="1"/>
+          </p:cNvSpPr>
+          <p:nvPr>
+            <p:ph type="body" sz="quarter" idx="15"/>
+          </p:nvPr>
+        </p:nvSpPr>
+        <p:spPr/>
+        <p:txBody>
+          <a:bodyPr/>
+          <a:lstStyle/>
+          <a:p>
+            <a:endParaRPr lang="en-US"/>
+          </a:p>
+        </p:txBody>
+      </p:sp>
+    </p:spTree>
+    <p:extLst>
+      <p:ext uri="{BB962C8B-B14F-4D97-AF65-F5344CB8AC3E}">
+        <p14:creationId xmlns:p14="http://schemas.microsoft.com/office/powerpoint/2010/main" val="4249109207"/>
+      </p:ext>
+    </p:extLst>
+  </p:cSld>
+  <p:clrMapOvr>
+    <a:masterClrMapping/>
+  </p:clrMapOvr>
+</p:sld>
+</file>
+
+<file path=ppt/slides/slide16.xml><?xml version="1.0" encoding="utf-8"?>
+<p:sld xmlns:a="http://schemas.openxmlformats.org/drawingml/2006/main" xmlns:r="http://schemas.openxmlformats.org/officeDocument/2006/relationships" xmlns:p="http://schemas.openxmlformats.org/presentationml/2006/main">
+  <p:cSld>
+    <p:spTree>
+      <p:nvGrpSpPr>
+        <p:cNvPr id="1" name=""/>
+        <p:cNvGrpSpPr/>
+        <p:nvPr/>
+      </p:nvGrpSpPr>
+      <p:grpSpPr>
+        <a:xfrm>
+          <a:off x="0" y="0"/>
+          <a:ext cx="0" cy="0"/>
+          <a:chOff x="0" y="0"/>
+          <a:chExt cx="0" cy="0"/>
+        </a:xfrm>
+      </p:grpSpPr>
+      <p:sp>
+        <p:nvSpPr>
           <p:cNvPr id="58" name="Rectangle: Rounded Corners 57">
             <a:extLst>
               <a:ext uri="{FF2B5EF4-FFF2-40B4-BE49-F238E27FC236}">
@@ -10240,7 +10493,7 @@
                 </a:solidFill>
               </a:rPr>
               <a:pPr defTabSz="457200"/>
-              <a:t>14</a:t>
+              <a:t>16</a:t>
             </a:fld>
             <a:endParaRPr lang="fr-FR" sz="800" dirty="0">
               <a:solidFill>
@@ -11838,7 +12091,7 @@
 </p:sld>
 </file>
 
-<file path=ppt/slides/slide15.xml><?xml version="1.0" encoding="utf-8"?>
+<file path=ppt/slides/slide17.xml><?xml version="1.0" encoding="utf-8"?>
 <p:sld xmlns:a="http://schemas.openxmlformats.org/drawingml/2006/main" xmlns:r="http://schemas.openxmlformats.org/officeDocument/2006/relationships" xmlns:p="http://schemas.openxmlformats.org/presentationml/2006/main">
   <p:cSld>
     <p:spTree>
@@ -12400,7 +12653,7 @@
 </p:sld>
 </file>
 
-<file path=ppt/slides/slide16.xml><?xml version="1.0" encoding="utf-8"?>
+<file path=ppt/slides/slide18.xml><?xml version="1.0" encoding="utf-8"?>
 <p:sld xmlns:a="http://schemas.openxmlformats.org/drawingml/2006/main" xmlns:r="http://schemas.openxmlformats.org/officeDocument/2006/relationships" xmlns:p="http://schemas.openxmlformats.org/presentationml/2006/main">
   <p:cSld>
     <p:spTree>
@@ -13702,6 +13955,36 @@
           </a:prstGeom>
         </p:spPr>
       </p:pic>
+      <p:pic>
+        <p:nvPicPr>
+          <p:cNvPr id="7" name="Image 6">
+            <a:extLst>
+              <a:ext uri="{FF2B5EF4-FFF2-40B4-BE49-F238E27FC236}">
+                <a16:creationId xmlns:a16="http://schemas.microsoft.com/office/drawing/2014/main" id="{4DCA1E97-ADF3-4151-9A44-A0C1D1D21600}"/>
+              </a:ext>
+            </a:extLst>
+          </p:cNvPr>
+          <p:cNvPicPr>
+            <a:picLocks noChangeAspect="1"/>
+          </p:cNvPicPr>
+          <p:nvPr/>
+        </p:nvPicPr>
+        <p:blipFill>
+          <a:blip r:embed="rId3"/>
+          <a:stretch>
+            <a:fillRect/>
+          </a:stretch>
+        </p:blipFill>
+        <p:spPr>
+          <a:xfrm>
+            <a:off x="0" y="158750"/>
+            <a:ext cx="12192000" cy="6540500"/>
+          </a:xfrm>
+          <a:prstGeom prst="rect">
+            <a:avLst/>
+          </a:prstGeom>
+        </p:spPr>
+      </p:pic>
     </p:spTree>
     <p:extLst>
       <p:ext uri="{BB962C8B-B14F-4D97-AF65-F5344CB8AC3E}">
@@ -13932,10 +14215,10 @@
       </p:grpSpPr>
       <p:sp>
         <p:nvSpPr>
-          <p:cNvPr id="2" name="Title 1">
+          <p:cNvPr id="2" name="Espace réservé du numéro de diapositive 1">
             <a:extLst>
               <a:ext uri="{FF2B5EF4-FFF2-40B4-BE49-F238E27FC236}">
-                <a16:creationId xmlns:a16="http://schemas.microsoft.com/office/drawing/2014/main" id="{E015F0D4-9CD7-4304-B9F1-8C0C2A81DFB0}"/>
+                <a16:creationId xmlns:a16="http://schemas.microsoft.com/office/drawing/2014/main" id="{A4BA7662-293E-45C7-8F9F-349F8FE69A4D}"/>
               </a:ext>
             </a:extLst>
           </p:cNvPr>
@@ -13943,7 +14226,7 @@
             <a:spLocks noGrp="1"/>
           </p:cNvSpPr>
           <p:nvPr>
-            <p:ph type="title"/>
+            <p:ph type="sldNum" sz="quarter" idx="12"/>
           </p:nvPr>
         </p:nvSpPr>
         <p:spPr/>
@@ -13951,75 +14234,58 @@
           <a:bodyPr/>
           <a:lstStyle/>
           <a:p>
-            <a:r>
-              <a:rPr lang="en-US" dirty="0"/>
-              <a:t>V1</a:t>
-            </a:r>
-          </a:p>
-        </p:txBody>
-      </p:sp>
-      <p:sp>
-        <p:nvSpPr>
-          <p:cNvPr id="3" name="Text Placeholder 2">
+            <a:pPr defTabSz="457200"/>
+            <a:fld id="{9E147C03-B8B3-3544-B7F9-38CD85427598}" type="slidenum">
+              <a:rPr lang="en-GB" smtClean="0">
+                <a:solidFill>
+                  <a:srgbClr val="484A4B"/>
+                </a:solidFill>
+              </a:rPr>
+              <a:pPr defTabSz="457200"/>
+              <a:t>8</a:t>
+            </a:fld>
+            <a:endParaRPr lang="en-GB">
+              <a:solidFill>
+                <a:srgbClr val="484A4B"/>
+              </a:solidFill>
+            </a:endParaRPr>
+          </a:p>
+        </p:txBody>
+      </p:sp>
+      <p:pic>
+        <p:nvPicPr>
+          <p:cNvPr id="6" name="Image 5">
             <a:extLst>
               <a:ext uri="{FF2B5EF4-FFF2-40B4-BE49-F238E27FC236}">
-                <a16:creationId xmlns:a16="http://schemas.microsoft.com/office/drawing/2014/main" id="{4A1DF39B-51D2-4DE3-8226-4A59AA1EC1D4}"/>
+                <a16:creationId xmlns:a16="http://schemas.microsoft.com/office/drawing/2014/main" id="{7D9277A9-7A07-4DB8-8B1C-B1CBF0387E2F}"/>
               </a:ext>
             </a:extLst>
           </p:cNvPr>
-          <p:cNvSpPr>
-            <a:spLocks noGrp="1"/>
-          </p:cNvSpPr>
-          <p:nvPr>
-            <p:ph type="body" sz="quarter" idx="17"/>
-          </p:nvPr>
-        </p:nvSpPr>
-        <p:spPr/>
-        <p:txBody>
-          <a:bodyPr/>
-          <a:lstStyle/>
-          <a:p>
-            <a:r>
-              <a:rPr lang="en-US" dirty="0"/>
-              <a:t>Flask &amp; </a:t>
-            </a:r>
-            <a:r>
-              <a:rPr lang="en-US" dirty="0" err="1"/>
-              <a:t>Connexion</a:t>
-            </a:r>
-            <a:endParaRPr lang="en-US" dirty="0"/>
-          </a:p>
-        </p:txBody>
-      </p:sp>
-      <p:sp>
-        <p:nvSpPr>
-          <p:cNvPr id="4" name="Text Placeholder 3">
-            <a:extLst>
-              <a:ext uri="{FF2B5EF4-FFF2-40B4-BE49-F238E27FC236}">
-                <a16:creationId xmlns:a16="http://schemas.microsoft.com/office/drawing/2014/main" id="{3587CE43-27DC-4861-981C-53EA7C2212ED}"/>
-              </a:ext>
-            </a:extLst>
-          </p:cNvPr>
-          <p:cNvSpPr>
-            <a:spLocks noGrp="1"/>
-          </p:cNvSpPr>
-          <p:nvPr>
-            <p:ph type="body" sz="quarter" idx="15"/>
-          </p:nvPr>
-        </p:nvSpPr>
-        <p:spPr/>
-        <p:txBody>
-          <a:bodyPr/>
-          <a:lstStyle/>
-          <a:p>
-            <a:endParaRPr lang="en-US"/>
-          </a:p>
-        </p:txBody>
-      </p:sp>
+          <p:cNvPicPr>
+            <a:picLocks noChangeAspect="1"/>
+          </p:cNvPicPr>
+          <p:nvPr/>
+        </p:nvPicPr>
+        <p:blipFill>
+          <a:blip r:embed="rId2"/>
+          <a:stretch>
+            <a:fillRect/>
+          </a:stretch>
+        </p:blipFill>
+        <p:spPr>
+          <a:xfrm>
+            <a:off x="0" y="158750"/>
+            <a:ext cx="12192000" cy="6540500"/>
+          </a:xfrm>
+          <a:prstGeom prst="rect">
+            <a:avLst/>
+          </a:prstGeom>
+        </p:spPr>
+      </p:pic>
     </p:spTree>
     <p:extLst>
       <p:ext uri="{BB962C8B-B14F-4D97-AF65-F5344CB8AC3E}">
-        <p14:creationId xmlns:p14="http://schemas.microsoft.com/office/powerpoint/2010/main" val="3159570538"/>
+        <p14:creationId xmlns:p14="http://schemas.microsoft.com/office/powerpoint/2010/main" val="2860880510"/>
       </p:ext>
     </p:extLst>
   </p:cSld>
@@ -14048,10 +14314,10 @@
       </p:grpSpPr>
       <p:sp>
         <p:nvSpPr>
-          <p:cNvPr id="2" name="Title 1">
+          <p:cNvPr id="2" name="Espace réservé du numéro de diapositive 1">
             <a:extLst>
               <a:ext uri="{FF2B5EF4-FFF2-40B4-BE49-F238E27FC236}">
-                <a16:creationId xmlns:a16="http://schemas.microsoft.com/office/drawing/2014/main" id="{ACD48AE2-143C-48E8-A382-296BB5375D24}"/>
+                <a16:creationId xmlns:a16="http://schemas.microsoft.com/office/drawing/2014/main" id="{851538DB-910D-49B8-AAA2-FDCECBB4DCDF}"/>
               </a:ext>
             </a:extLst>
           </p:cNvPr>
@@ -14059,7 +14325,7 @@
             <a:spLocks noGrp="1"/>
           </p:cNvSpPr>
           <p:nvPr>
-            <p:ph type="title"/>
+            <p:ph type="sldNum" sz="quarter" idx="12"/>
           </p:nvPr>
         </p:nvSpPr>
         <p:spPr/>
@@ -14067,66 +14333,30 @@
           <a:bodyPr/>
           <a:lstStyle/>
           <a:p>
-            <a:endParaRPr lang="en-US"/>
-          </a:p>
-        </p:txBody>
-      </p:sp>
-      <p:sp>
-        <p:nvSpPr>
-          <p:cNvPr id="3" name="Text Placeholder 2">
-            <a:extLst>
-              <a:ext uri="{FF2B5EF4-FFF2-40B4-BE49-F238E27FC236}">
-                <a16:creationId xmlns:a16="http://schemas.microsoft.com/office/drawing/2014/main" id="{F5AB9B03-7EBA-4730-BE21-6E829704F2C3}"/>
-              </a:ext>
-            </a:extLst>
-          </p:cNvPr>
-          <p:cNvSpPr>
-            <a:spLocks noGrp="1"/>
-          </p:cNvSpPr>
-          <p:nvPr>
-            <p:ph type="body" sz="quarter" idx="13"/>
-          </p:nvPr>
-        </p:nvSpPr>
-        <p:spPr/>
-        <p:txBody>
-          <a:bodyPr/>
-          <a:lstStyle/>
-          <a:p>
-            <a:endParaRPr lang="en-US"/>
-          </a:p>
-        </p:txBody>
-      </p:sp>
-      <p:sp>
-        <p:nvSpPr>
-          <p:cNvPr id="4" name="Text Placeholder 3">
-            <a:extLst>
-              <a:ext uri="{FF2B5EF4-FFF2-40B4-BE49-F238E27FC236}">
-                <a16:creationId xmlns:a16="http://schemas.microsoft.com/office/drawing/2014/main" id="{B83A6B20-853D-46D7-A56A-077533785195}"/>
-              </a:ext>
-            </a:extLst>
-          </p:cNvPr>
-          <p:cNvSpPr>
-            <a:spLocks noGrp="1"/>
-          </p:cNvSpPr>
-          <p:nvPr>
-            <p:ph type="body" sz="quarter" idx="15"/>
-          </p:nvPr>
-        </p:nvSpPr>
-        <p:spPr/>
-        <p:txBody>
-          <a:bodyPr/>
-          <a:lstStyle/>
-          <a:p>
-            <a:endParaRPr lang="en-US"/>
+            <a:pPr defTabSz="457200"/>
+            <a:fld id="{9E147C03-B8B3-3544-B7F9-38CD85427598}" type="slidenum">
+              <a:rPr lang="en-GB" smtClean="0">
+                <a:solidFill>
+                  <a:srgbClr val="484A4B"/>
+                </a:solidFill>
+              </a:rPr>
+              <a:pPr defTabSz="457200"/>
+              <a:t>9</a:t>
+            </a:fld>
+            <a:endParaRPr lang="en-GB">
+              <a:solidFill>
+                <a:srgbClr val="484A4B"/>
+              </a:solidFill>
+            </a:endParaRPr>
           </a:p>
         </p:txBody>
       </p:sp>
       <p:pic>
         <p:nvPicPr>
-          <p:cNvPr id="5" name="Picture 4">
+          <p:cNvPr id="4" name="Image 3">
             <a:extLst>
               <a:ext uri="{FF2B5EF4-FFF2-40B4-BE49-F238E27FC236}">
-                <a16:creationId xmlns:a16="http://schemas.microsoft.com/office/drawing/2014/main" id="{7AF5E4A7-1BE5-405A-8595-832572B8ABD4}"/>
+                <a16:creationId xmlns:a16="http://schemas.microsoft.com/office/drawing/2014/main" id="{BDD3F513-97D0-48CB-9C0E-027EE96B3F39}"/>
               </a:ext>
             </a:extLst>
           </p:cNvPr>
@@ -14143,8 +14373,8 @@
         </p:blipFill>
         <p:spPr>
           <a:xfrm>
-            <a:off x="0" y="190500"/>
-            <a:ext cx="12192000" cy="6477000"/>
+            <a:off x="0" y="158750"/>
+            <a:ext cx="12192000" cy="6540500"/>
           </a:xfrm>
           <a:prstGeom prst="rect">
             <a:avLst/>
@@ -14154,7 +14384,7 @@
     </p:spTree>
     <p:extLst>
       <p:ext uri="{BB962C8B-B14F-4D97-AF65-F5344CB8AC3E}">
-        <p14:creationId xmlns:p14="http://schemas.microsoft.com/office/powerpoint/2010/main" val="955228003"/>
+        <p14:creationId xmlns:p14="http://schemas.microsoft.com/office/powerpoint/2010/main" val="3774014322"/>
       </p:ext>
     </p:extLst>
   </p:cSld>
@@ -15113,12 +15343,6 @@
 </file>
 
 <file path=customXml/item1.xml><?xml version="1.0" encoding="utf-8"?>
-<p:properties xmlns:p="http://schemas.microsoft.com/office/2006/metadata/properties" xmlns:xsi="http://www.w3.org/2001/XMLSchema-instance" xmlns:pc="http://schemas.microsoft.com/office/infopath/2007/PartnerControls">
-  <documentManagement/>
-</p:properties>
-</file>
-
-<file path=customXml/item2.xml><?xml version="1.0" encoding="utf-8"?>
 <ct:contentTypeSchema xmlns:ct="http://schemas.microsoft.com/office/2006/metadata/contentType" xmlns:ma="http://schemas.microsoft.com/office/2006/metadata/properties/metaAttributes" ct:_="" ma:_="" ma:contentTypeName="Document" ma:contentTypeID="0x01010065B1D5938E898D4BB9661D6C4EB1B997" ma:contentTypeVersion="13" ma:contentTypeDescription="Create a new document." ma:contentTypeScope="" ma:versionID="79344d2720be3940e07147ca9788a37b">
   <xsd:schema xmlns:xsd="http://www.w3.org/2001/XMLSchema" xmlns:xs="http://www.w3.org/2001/XMLSchema" xmlns:p="http://schemas.microsoft.com/office/2006/metadata/properties" xmlns:ns3="e391877d-e7ec-48c2-a6fb-0706a84b3270" xmlns:ns4="d9456fb7-2632-4eb7-ac54-76d04a8ae5d2" targetNamespace="http://schemas.microsoft.com/office/2006/metadata/properties" ma:root="true" ma:fieldsID="fcc464ccde7cb81b77a8da2eae5bd659" ns3:_="" ns4:_="">
     <xsd:import namespace="e391877d-e7ec-48c2-a6fb-0706a84b3270"/>
@@ -15341,6 +15565,12 @@
 </ct:contentTypeSchema>
 </file>
 
+<file path=customXml/item2.xml><?xml version="1.0" encoding="utf-8"?>
+<p:properties xmlns:p="http://schemas.microsoft.com/office/2006/metadata/properties" xmlns:xsi="http://www.w3.org/2001/XMLSchema-instance" xmlns:pc="http://schemas.microsoft.com/office/infopath/2007/PartnerControls">
+  <documentManagement/>
+</p:properties>
+</file>
+
 <file path=customXml/item3.xml><?xml version="1.0" encoding="utf-8"?>
 <?mso-contentType ?>
 <FormTemplates xmlns="http://schemas.microsoft.com/sharepoint/v3/contenttype/forms">
@@ -15351,23 +15581,6 @@
 </file>
 
 <file path=customXml/itemProps1.xml><?xml version="1.0" encoding="utf-8"?>
-<ds:datastoreItem xmlns:ds="http://schemas.openxmlformats.org/officeDocument/2006/customXml" ds:itemID="{623ECF8C-0F37-4BD8-83E2-D27DDE0151E2}">
-  <ds:schemaRefs>
-    <ds:schemaRef ds:uri="http://purl.org/dc/elements/1.1/"/>
-    <ds:schemaRef ds:uri="http://schemas.microsoft.com/office/2006/metadata/properties"/>
-    <ds:schemaRef ds:uri="http://purl.org/dc/terms/"/>
-    <ds:schemaRef ds:uri="http://schemas.openxmlformats.org/package/2006/metadata/core-properties"/>
-    <ds:schemaRef ds:uri="http://schemas.microsoft.com/office/2006/documentManagement/types"/>
-    <ds:schemaRef ds:uri="http://schemas.microsoft.com/office/infopath/2007/PartnerControls"/>
-    <ds:schemaRef ds:uri="e391877d-e7ec-48c2-a6fb-0706a84b3270"/>
-    <ds:schemaRef ds:uri="d9456fb7-2632-4eb7-ac54-76d04a8ae5d2"/>
-    <ds:schemaRef ds:uri="http://www.w3.org/XML/1998/namespace"/>
-    <ds:schemaRef ds:uri="http://purl.org/dc/dcmitype/"/>
-  </ds:schemaRefs>
-</ds:datastoreItem>
-</file>
-
-<file path=customXml/itemProps2.xml><?xml version="1.0" encoding="utf-8"?>
 <ds:datastoreItem xmlns:ds="http://schemas.openxmlformats.org/officeDocument/2006/customXml" ds:itemID="{6B739B22-D653-47A5-9FF0-5115EE9CCFF0}">
   <ds:schemaRefs>
     <ds:schemaRef ds:uri="http://schemas.microsoft.com/office/2006/metadata/contentType"/>
@@ -15386,6 +15599,23 @@
 </ds:datastoreItem>
 </file>
 
+<file path=customXml/itemProps2.xml><?xml version="1.0" encoding="utf-8"?>
+<ds:datastoreItem xmlns:ds="http://schemas.openxmlformats.org/officeDocument/2006/customXml" ds:itemID="{623ECF8C-0F37-4BD8-83E2-D27DDE0151E2}">
+  <ds:schemaRefs>
+    <ds:schemaRef ds:uri="http://purl.org/dc/elements/1.1/"/>
+    <ds:schemaRef ds:uri="http://schemas.microsoft.com/office/2006/metadata/properties"/>
+    <ds:schemaRef ds:uri="http://purl.org/dc/terms/"/>
+    <ds:schemaRef ds:uri="http://schemas.openxmlformats.org/package/2006/metadata/core-properties"/>
+    <ds:schemaRef ds:uri="http://schemas.microsoft.com/office/2006/documentManagement/types"/>
+    <ds:schemaRef ds:uri="http://schemas.microsoft.com/office/infopath/2007/PartnerControls"/>
+    <ds:schemaRef ds:uri="e391877d-e7ec-48c2-a6fb-0706a84b3270"/>
+    <ds:schemaRef ds:uri="d9456fb7-2632-4eb7-ac54-76d04a8ae5d2"/>
+    <ds:schemaRef ds:uri="http://www.w3.org/XML/1998/namespace"/>
+    <ds:schemaRef ds:uri="http://purl.org/dc/dcmitype/"/>
+  </ds:schemaRefs>
+</ds:datastoreItem>
+</file>
+
 <file path=customXml/itemProps3.xml><?xml version="1.0" encoding="utf-8"?>
 <ds:datastoreItem xmlns:ds="http://schemas.openxmlformats.org/officeDocument/2006/customXml" ds:itemID="{EC38BC42-BC83-4FB7-8310-C018A22A060D}">
   <ds:schemaRefs>
